--- a/Thread.pptx
+++ b/Thread.pptx
@@ -27,30 +27,31 @@
     <p:sldId id="274" r:id="rId21"/>
     <p:sldId id="275" r:id="rId22"/>
     <p:sldId id="276" r:id="rId23"/>
-    <p:sldId id="277" r:id="rId24"/>
-    <p:sldId id="278" r:id="rId25"/>
-    <p:sldId id="279" r:id="rId26"/>
-    <p:sldId id="280" r:id="rId27"/>
-    <p:sldId id="281" r:id="rId28"/>
-    <p:sldId id="282" r:id="rId29"/>
-    <p:sldId id="283" r:id="rId30"/>
-    <p:sldId id="284" r:id="rId31"/>
-    <p:sldId id="285" r:id="rId32"/>
-    <p:sldId id="286" r:id="rId33"/>
-    <p:sldId id="287" r:id="rId34"/>
-    <p:sldId id="288" r:id="rId35"/>
-    <p:sldId id="289" r:id="rId36"/>
-    <p:sldId id="290" r:id="rId37"/>
-    <p:sldId id="291" r:id="rId38"/>
-    <p:sldId id="292" r:id="rId39"/>
-    <p:sldId id="293" r:id="rId40"/>
-    <p:sldId id="294" r:id="rId41"/>
-    <p:sldId id="295" r:id="rId42"/>
-    <p:sldId id="296" r:id="rId43"/>
-    <p:sldId id="297" r:id="rId44"/>
-    <p:sldId id="298" r:id="rId45"/>
-    <p:sldId id="299" r:id="rId46"/>
-    <p:sldId id="300" r:id="rId47"/>
+    <p:sldId id="302" r:id="rId24"/>
+    <p:sldId id="277" r:id="rId25"/>
+    <p:sldId id="278" r:id="rId26"/>
+    <p:sldId id="279" r:id="rId27"/>
+    <p:sldId id="280" r:id="rId28"/>
+    <p:sldId id="281" r:id="rId29"/>
+    <p:sldId id="282" r:id="rId30"/>
+    <p:sldId id="283" r:id="rId31"/>
+    <p:sldId id="284" r:id="rId32"/>
+    <p:sldId id="285" r:id="rId33"/>
+    <p:sldId id="286" r:id="rId34"/>
+    <p:sldId id="287" r:id="rId35"/>
+    <p:sldId id="288" r:id="rId36"/>
+    <p:sldId id="289" r:id="rId37"/>
+    <p:sldId id="290" r:id="rId38"/>
+    <p:sldId id="291" r:id="rId39"/>
+    <p:sldId id="292" r:id="rId40"/>
+    <p:sldId id="293" r:id="rId41"/>
+    <p:sldId id="294" r:id="rId42"/>
+    <p:sldId id="295" r:id="rId43"/>
+    <p:sldId id="296" r:id="rId44"/>
+    <p:sldId id="297" r:id="rId45"/>
+    <p:sldId id="298" r:id="rId46"/>
+    <p:sldId id="299" r:id="rId47"/>
+    <p:sldId id="300" r:id="rId48"/>
   </p:sldIdLst>
   <p:sldSz cx="12192000" cy="6858000"/>
   <p:notesSz cx="6858000" cy="9144000"/>
@@ -11184,14 +11185,44 @@
           </a:xfrm>
         </p:spPr>
         <p:txBody>
-          <a:bodyPr/>
+          <a:bodyPr>
+            <a:normAutofit/>
+          </a:bodyPr>
           <a:lstStyle/>
           <a:p>
             <a:r>
-              <a:rPr lang="ko-KR" altLang="en-US" dirty="0" smtClean="0"/>
-              <a:t>스레드 상태</a:t>
-            </a:r>
-            <a:endParaRPr lang="ko-KR" altLang="en-US" dirty="0"/>
+              <a:rPr lang="ko-KR" altLang="en-US" sz="3200" dirty="0" smtClean="0"/>
+              <a:t>데몬</a:t>
+            </a:r>
+            <a:r>
+              <a:rPr lang="en-US" altLang="ko-KR" sz="3200" dirty="0" smtClean="0"/>
+              <a:t>(daemon thread)</a:t>
+            </a:r>
+            <a:r>
+              <a:rPr lang="ko-KR" altLang="en-US" sz="3200" dirty="0" smtClean="0"/>
+              <a:t>스레드와</a:t>
+            </a:r>
+            <a:r>
+              <a:rPr lang="en-US" altLang="ko-KR" sz="3200" dirty="0" smtClean="0"/>
+              <a:t> </a:t>
+            </a:r>
+            <a:r>
+              <a:rPr lang="ko-KR" altLang="en-US" sz="3200" dirty="0" smtClean="0"/>
+              <a:t>사용자</a:t>
+            </a:r>
+            <a:r>
+              <a:rPr lang="en-US" altLang="ko-KR" sz="3200" dirty="0" smtClean="0"/>
+              <a:t>(</a:t>
+            </a:r>
+            <a:r>
+              <a:rPr lang="en-US" altLang="ko-KR" sz="3200" dirty="0" smtClean="0"/>
+              <a:t>user)</a:t>
+            </a:r>
+            <a:r>
+              <a:rPr lang="ko-KR" altLang="en-US" sz="3200" dirty="0" smtClean="0"/>
+              <a:t> 스레드</a:t>
+            </a:r>
+            <a:endParaRPr lang="ko-KR" altLang="en-US" sz="3200" dirty="0"/>
           </a:p>
         </p:txBody>
       </p:sp>
@@ -11213,272 +11244,138 @@
         </p:spPr>
         <p:txBody>
           <a:bodyPr>
-            <a:normAutofit fontScale="85000" lnSpcReduction="20000"/>
+            <a:normAutofit/>
           </a:bodyPr>
           <a:lstStyle/>
           <a:p>
             <a:r>
+              <a:rPr lang="ko-KR" altLang="en-US" dirty="0" smtClean="0"/>
+              <a:t>데몬 스레드 </a:t>
+            </a:r>
+            <a:r>
+              <a:rPr lang="en-US" altLang="ko-KR" dirty="0" smtClean="0"/>
+              <a:t>: </a:t>
+            </a:r>
+            <a:r>
+              <a:rPr lang="ko-KR" altLang="en-US" dirty="0" smtClean="0"/>
+              <a:t>응용프로그램이 실행되는 동안 관리를 위해 존재</a:t>
+            </a:r>
+            <a:endParaRPr lang="en-US" altLang="ko-KR" dirty="0" smtClean="0"/>
+          </a:p>
+          <a:p>
+            <a:pPr lvl="1"/>
+            <a:r>
               <a:rPr lang="ko-KR" altLang="en-US" dirty="0" err="1" smtClean="0"/>
-              <a:t>스레드</a:t>
-            </a:r>
-            <a:r>
-              <a:rPr lang="ko-KR" altLang="en-US" dirty="0" smtClean="0"/>
-              <a:t> 상태 </a:t>
-            </a:r>
-            <a:r>
-              <a:rPr lang="en-US" altLang="ko-KR" dirty="0" smtClean="0"/>
-              <a:t>6 </a:t>
-            </a:r>
-            <a:r>
-              <a:rPr lang="ko-KR" altLang="en-US" dirty="0" smtClean="0"/>
-              <a:t>가지</a:t>
-            </a:r>
-            <a:endParaRPr lang="en-US" altLang="ko-KR" dirty="0" smtClean="0"/>
-          </a:p>
-          <a:p>
-            <a:pPr lvl="1"/>
-            <a:r>
-              <a:rPr lang="en-US" altLang="ko-KR" dirty="0" smtClean="0"/>
-              <a:t>NEW</a:t>
-            </a:r>
-          </a:p>
-          <a:p>
-            <a:pPr lvl="2"/>
-            <a:r>
-              <a:rPr lang="ko-KR" altLang="en-US" dirty="0" err="1" smtClean="0"/>
-              <a:t>스레드가</a:t>
-            </a:r>
-            <a:r>
-              <a:rPr lang="ko-KR" altLang="en-US" dirty="0" smtClean="0"/>
-              <a:t> 생성되었지만 </a:t>
-            </a:r>
-            <a:r>
-              <a:rPr lang="ko-KR" altLang="en-US" dirty="0" err="1" smtClean="0"/>
-              <a:t>스레드가</a:t>
-            </a:r>
-            <a:r>
-              <a:rPr lang="ko-KR" altLang="en-US" dirty="0" smtClean="0"/>
-              <a:t> 아직 실행할 준비가 되지 않았음</a:t>
-            </a:r>
-            <a:endParaRPr lang="en-US" altLang="ko-KR" dirty="0" smtClean="0"/>
-          </a:p>
-          <a:p>
-            <a:pPr lvl="1"/>
-            <a:r>
-              <a:rPr lang="en-US" altLang="ko-KR" dirty="0" smtClean="0"/>
-              <a:t>RUNNABLE</a:t>
-            </a:r>
-          </a:p>
-          <a:p>
-            <a:pPr lvl="2"/>
-            <a:r>
-              <a:rPr lang="ko-KR" altLang="en-US" dirty="0" err="1" smtClean="0"/>
-              <a:t>스레드가</a:t>
-            </a:r>
-            <a:r>
-              <a:rPr lang="ko-KR" altLang="en-US" dirty="0" smtClean="0"/>
-              <a:t> 현재 실행되고 있거나</a:t>
-            </a:r>
-            <a:endParaRPr lang="en-US" altLang="ko-KR" dirty="0"/>
-          </a:p>
-          <a:p>
-            <a:pPr lvl="2"/>
-            <a:r>
-              <a:rPr lang="ko-KR" altLang="en-US" dirty="0" smtClean="0"/>
-              <a:t>실행 준비되어 스케쥴링을 기다리는 상태</a:t>
-            </a:r>
-            <a:endParaRPr lang="en-US" altLang="ko-KR" dirty="0" smtClean="0"/>
-          </a:p>
-          <a:p>
-            <a:pPr lvl="1"/>
-            <a:r>
-              <a:rPr lang="en-US" altLang="ko-KR" dirty="0" smtClean="0"/>
-              <a:t>WAITING</a:t>
-            </a:r>
-          </a:p>
-          <a:p>
-            <a:pPr lvl="2"/>
-            <a:r>
-              <a:rPr lang="en-US" altLang="ko-KR" dirty="0" smtClean="0"/>
-              <a:t>wait()</a:t>
-            </a:r>
-            <a:r>
-              <a:rPr lang="ko-KR" altLang="en-US" dirty="0" smtClean="0"/>
-              <a:t>를 호출한</a:t>
-            </a:r>
-            <a:r>
-              <a:rPr lang="en-US" altLang="ko-KR" dirty="0" smtClean="0"/>
-              <a:t> </a:t>
-            </a:r>
-            <a:r>
-              <a:rPr lang="ko-KR" altLang="en-US" dirty="0" smtClean="0"/>
-              <a:t>상태</a:t>
-            </a:r>
-            <a:endParaRPr lang="en-US" altLang="ko-KR" dirty="0" smtClean="0"/>
-          </a:p>
-          <a:p>
-            <a:pPr lvl="3"/>
-            <a:r>
-              <a:rPr lang="ko-KR" altLang="en-US" dirty="0" smtClean="0"/>
-              <a:t>다른 </a:t>
-            </a:r>
-            <a:r>
-              <a:rPr lang="ko-KR" altLang="en-US" dirty="0" err="1" smtClean="0"/>
-              <a:t>스레드가</a:t>
+              <a:t>가비지</a:t>
             </a:r>
             <a:r>
               <a:rPr lang="ko-KR" altLang="en-US" dirty="0" smtClean="0"/>
               <a:t> </a:t>
             </a:r>
             <a:r>
+              <a:rPr lang="ko-KR" altLang="en-US" dirty="0" err="1" smtClean="0"/>
+              <a:t>콜렉터</a:t>
+            </a:r>
+            <a:r>
               <a:rPr lang="en-US" altLang="ko-KR" dirty="0" smtClean="0"/>
-              <a:t>notify()</a:t>
+              <a:t>(garbage collector)</a:t>
             </a:r>
             <a:r>
               <a:rPr lang="ko-KR" altLang="en-US" dirty="0" smtClean="0"/>
-              <a:t>나 </a:t>
-            </a:r>
-            <a:r>
-              <a:rPr lang="en-US" altLang="ko-KR" dirty="0" err="1" smtClean="0"/>
-              <a:t>notifyAll</a:t>
+              <a:t>가 대표적</a:t>
+            </a:r>
+            <a:endParaRPr lang="en-US" altLang="ko-KR" dirty="0" smtClean="0"/>
+          </a:p>
+          <a:p>
+            <a:pPr lvl="1"/>
+            <a:endParaRPr lang="en-US" altLang="ko-KR" dirty="0" smtClean="0"/>
+          </a:p>
+          <a:p>
+            <a:endParaRPr lang="en-US" altLang="ko-KR" dirty="0"/>
+          </a:p>
+          <a:p>
+            <a:r>
+              <a:rPr lang="ko-KR" altLang="en-US" dirty="0" smtClean="0"/>
+              <a:t>사용자 스레드 </a:t>
             </a:r>
             <a:r>
               <a:rPr lang="en-US" altLang="ko-KR" dirty="0" smtClean="0"/>
-              <a:t>()</a:t>
+              <a:t>: </a:t>
             </a:r>
             <a:r>
               <a:rPr lang="ko-KR" altLang="en-US" dirty="0" smtClean="0"/>
-              <a:t>을 불러주기를 기다리고 있는 상태</a:t>
-            </a:r>
-            <a:endParaRPr lang="en-US" altLang="ko-KR" dirty="0" smtClean="0"/>
-          </a:p>
-          <a:p>
-            <a:pPr lvl="2"/>
+              <a:t>응용프로그램이 생성한 스레드</a:t>
+            </a:r>
+            <a:endParaRPr lang="en-US" altLang="ko-KR" dirty="0"/>
+          </a:p>
+          <a:p>
+            <a:pPr lvl="1"/>
+            <a:r>
+              <a:rPr lang="en-US" altLang="ko-KR" dirty="0" smtClean="0"/>
+              <a:t>Main() </a:t>
+            </a:r>
             <a:r>
               <a:rPr lang="ko-KR" altLang="en-US" dirty="0" err="1" smtClean="0"/>
-              <a:t>스레드</a:t>
-            </a:r>
-            <a:r>
-              <a:rPr lang="ko-KR" altLang="en-US" dirty="0" smtClean="0"/>
-              <a:t> 동기화를 위해 사용</a:t>
-            </a:r>
-            <a:endParaRPr lang="en-US" altLang="ko-KR" dirty="0" smtClean="0"/>
-          </a:p>
-          <a:p>
-            <a:pPr lvl="1"/>
-            <a:r>
-              <a:rPr lang="en-US" altLang="ko-KR" dirty="0" smtClean="0"/>
-              <a:t>TIMED_WAITING</a:t>
-            </a:r>
-          </a:p>
-          <a:p>
-            <a:pPr lvl="2"/>
-            <a:r>
-              <a:rPr lang="en-US" altLang="ko-KR" dirty="0" smtClean="0"/>
-              <a:t>sleep(n)</a:t>
-            </a:r>
-            <a:r>
-              <a:rPr lang="ko-KR" altLang="en-US" dirty="0" smtClean="0"/>
-              <a:t>을 호출하여 </a:t>
-            </a:r>
-            <a:r>
-              <a:rPr lang="en-US" altLang="ko-KR" dirty="0" smtClean="0"/>
-              <a:t>n </a:t>
-            </a:r>
-            <a:r>
-              <a:rPr lang="ko-KR" altLang="en-US" dirty="0" err="1" smtClean="0"/>
-              <a:t>밀리초</a:t>
-            </a:r>
-            <a:r>
-              <a:rPr lang="en-US" altLang="ko-KR" dirty="0" smtClean="0"/>
-              <a:t> </a:t>
-            </a:r>
-            <a:r>
-              <a:rPr lang="ko-KR" altLang="en-US" dirty="0" smtClean="0"/>
-              <a:t>동안 잠을 자고 있는 상태</a:t>
-            </a:r>
-            <a:endParaRPr lang="en-US" altLang="ko-KR" dirty="0" smtClean="0"/>
-          </a:p>
-          <a:p>
-            <a:pPr lvl="1"/>
-            <a:r>
-              <a:rPr lang="en-US" altLang="ko-KR" dirty="0" smtClean="0"/>
-              <a:t>BLOCK</a:t>
-            </a:r>
-          </a:p>
-          <a:p>
-            <a:pPr lvl="2"/>
-            <a:r>
-              <a:rPr lang="ko-KR" altLang="en-US" dirty="0" err="1" smtClean="0"/>
-              <a:t>스레드가</a:t>
+              <a:t>메소드를</a:t>
             </a:r>
             <a:r>
               <a:rPr lang="ko-KR" altLang="en-US" dirty="0" smtClean="0"/>
               <a:t> </a:t>
             </a:r>
             <a:r>
+              <a:rPr lang="ko-KR" altLang="en-US" dirty="0" err="1" smtClean="0"/>
+              <a:t>실생하는</a:t>
+            </a:r>
+            <a:r>
+              <a:rPr lang="ko-KR" altLang="en-US" dirty="0" smtClean="0"/>
+              <a:t> </a:t>
+            </a:r>
+            <a:r>
               <a:rPr lang="en-US" altLang="ko-KR" dirty="0" smtClean="0"/>
-              <a:t>I/O</a:t>
+              <a:t>main </a:t>
             </a:r>
             <a:r>
               <a:rPr lang="ko-KR" altLang="en-US" dirty="0" smtClean="0"/>
-              <a:t> 작업을 요청하면 </a:t>
+              <a:t>스레드 역시 사용자 스레드</a:t>
+            </a:r>
+            <a:endParaRPr lang="en-US" altLang="ko-KR" dirty="0" smtClean="0"/>
+          </a:p>
+          <a:p>
+            <a:pPr lvl="1"/>
+            <a:r>
+              <a:rPr lang="ko-KR" altLang="en-US" dirty="0" smtClean="0"/>
+              <a:t>데몬 스레드가 살아 있더라도 사용자 스레드가 모두 종료되면 </a:t>
             </a:r>
             <a:r>
               <a:rPr lang="en-US" altLang="ko-KR" dirty="0" smtClean="0"/>
-              <a:t>JVM</a:t>
+              <a:t>JVM </a:t>
             </a:r>
             <a:r>
               <a:rPr lang="ko-KR" altLang="en-US" dirty="0" smtClean="0"/>
-              <a:t>이 자동으로 </a:t>
+              <a:t>및 응용프로그램은 종료된다</a:t>
             </a:r>
             <a:r>
               <a:rPr lang="en-US" altLang="ko-KR" dirty="0" smtClean="0"/>
-              <a:t>BLOCK </a:t>
-            </a:r>
-            <a:r>
-              <a:rPr lang="ko-KR" altLang="en-US" dirty="0" smtClean="0"/>
-              <a:t>상태로 만듦</a:t>
-            </a:r>
+              <a:t>. </a:t>
+            </a:r>
+          </a:p>
+          <a:p>
+            <a:pPr marL="457200" lvl="1" indent="0">
+              <a:buNone/>
+            </a:pPr>
+            <a:endParaRPr lang="en-US" altLang="ko-KR" dirty="0"/>
+          </a:p>
+          <a:p>
+            <a:pPr marL="457200" lvl="1" indent="0">
+              <a:buNone/>
+            </a:pPr>
             <a:endParaRPr lang="en-US" altLang="ko-KR" dirty="0" smtClean="0"/>
           </a:p>
           <a:p>
-            <a:pPr lvl="1"/>
-            <a:r>
-              <a:rPr lang="en-US" altLang="ko-KR" dirty="0" smtClean="0"/>
-              <a:t>TERMINATED</a:t>
-            </a:r>
-          </a:p>
-          <a:p>
-            <a:pPr lvl="2"/>
-            <a:r>
-              <a:rPr lang="ko-KR" altLang="en-US" dirty="0" smtClean="0"/>
-              <a:t>스레드가 종료한 상태</a:t>
-            </a:r>
-            <a:endParaRPr lang="en-US" altLang="ko-KR" dirty="0" smtClean="0"/>
-          </a:p>
-          <a:p>
-            <a:pPr lvl="2"/>
-            <a:endParaRPr lang="en-US" altLang="ko-KR" dirty="0" smtClean="0"/>
-          </a:p>
-          <a:p>
-            <a:r>
-              <a:rPr lang="ko-KR" altLang="en-US" dirty="0" err="1" smtClean="0"/>
-              <a:t>스레드</a:t>
-            </a:r>
-            <a:r>
-              <a:rPr lang="ko-KR" altLang="en-US" dirty="0" smtClean="0"/>
-              <a:t> 상태는 </a:t>
-            </a:r>
-            <a:r>
-              <a:rPr lang="en-US" altLang="ko-KR" dirty="0" smtClean="0"/>
-              <a:t>JVM</a:t>
-            </a:r>
-            <a:r>
-              <a:rPr lang="ko-KR" altLang="en-US" dirty="0" smtClean="0"/>
-              <a:t>에 의해 기록 관리됨</a:t>
-            </a:r>
-            <a:endParaRPr lang="ko-KR" altLang="en-US" dirty="0"/>
+            <a:pPr marL="457200" lvl="1" indent="0">
+              <a:buNone/>
+            </a:pPr>
+            <a:endParaRPr lang="en-US" altLang="ko-KR" dirty="0"/>
           </a:p>
         </p:txBody>
       </p:sp>
@@ -11511,7 +11408,7 @@
     </p:spTree>
     <p:extLst>
       <p:ext uri="{BB962C8B-B14F-4D97-AF65-F5344CB8AC3E}">
-        <p14:creationId xmlns:p14="http://schemas.microsoft.com/office/powerpoint/2010/main" val="2783594295"/>
+        <p14:creationId xmlns:p14="http://schemas.microsoft.com/office/powerpoint/2010/main" val="4063240622"/>
       </p:ext>
     </p:extLst>
   </p:cSld>
@@ -11550,6 +11447,377 @@
         </p:nvSpPr>
         <p:spPr>
           <a:xfrm>
+            <a:off x="838200" y="0"/>
+            <a:ext cx="10515600" cy="1325563"/>
+          </a:xfrm>
+        </p:spPr>
+        <p:txBody>
+          <a:bodyPr/>
+          <a:lstStyle/>
+          <a:p>
+            <a:r>
+              <a:rPr lang="ko-KR" altLang="en-US" dirty="0" smtClean="0"/>
+              <a:t>스레드 상태</a:t>
+            </a:r>
+            <a:endParaRPr lang="ko-KR" altLang="en-US" dirty="0"/>
+          </a:p>
+        </p:txBody>
+      </p:sp>
+      <p:sp>
+        <p:nvSpPr>
+          <p:cNvPr id="3" name="내용 개체 틀 2"/>
+          <p:cNvSpPr>
+            <a:spLocks noGrp="1"/>
+          </p:cNvSpPr>
+          <p:nvPr>
+            <p:ph sz="quarter" idx="1"/>
+          </p:nvPr>
+        </p:nvSpPr>
+        <p:spPr>
+          <a:xfrm>
+            <a:off x="838200" y="1172095"/>
+            <a:ext cx="10515600" cy="5004868"/>
+          </a:xfrm>
+        </p:spPr>
+        <p:txBody>
+          <a:bodyPr>
+            <a:normAutofit fontScale="85000" lnSpcReduction="20000"/>
+          </a:bodyPr>
+          <a:lstStyle/>
+          <a:p>
+            <a:r>
+              <a:rPr lang="ko-KR" altLang="en-US" dirty="0" err="1" smtClean="0"/>
+              <a:t>스레드</a:t>
+            </a:r>
+            <a:r>
+              <a:rPr lang="ko-KR" altLang="en-US" dirty="0" smtClean="0"/>
+              <a:t> 상태 </a:t>
+            </a:r>
+            <a:r>
+              <a:rPr lang="en-US" altLang="ko-KR" dirty="0" smtClean="0"/>
+              <a:t>6 </a:t>
+            </a:r>
+            <a:r>
+              <a:rPr lang="ko-KR" altLang="en-US" dirty="0" smtClean="0"/>
+              <a:t>가지</a:t>
+            </a:r>
+            <a:endParaRPr lang="en-US" altLang="ko-KR" dirty="0" smtClean="0"/>
+          </a:p>
+          <a:p>
+            <a:pPr lvl="1"/>
+            <a:r>
+              <a:rPr lang="en-US" altLang="ko-KR" dirty="0" smtClean="0"/>
+              <a:t>NEW</a:t>
+            </a:r>
+          </a:p>
+          <a:p>
+            <a:pPr lvl="2"/>
+            <a:r>
+              <a:rPr lang="ko-KR" altLang="en-US" dirty="0" err="1" smtClean="0"/>
+              <a:t>스레드가</a:t>
+            </a:r>
+            <a:r>
+              <a:rPr lang="ko-KR" altLang="en-US" dirty="0" smtClean="0"/>
+              <a:t> 생성되었지만 </a:t>
+            </a:r>
+            <a:r>
+              <a:rPr lang="ko-KR" altLang="en-US" dirty="0" err="1" smtClean="0"/>
+              <a:t>스레드가</a:t>
+            </a:r>
+            <a:r>
+              <a:rPr lang="ko-KR" altLang="en-US" dirty="0" smtClean="0"/>
+              <a:t> 아직 실행할 준비가 되지 않았음</a:t>
+            </a:r>
+            <a:endParaRPr lang="en-US" altLang="ko-KR" dirty="0" smtClean="0"/>
+          </a:p>
+          <a:p>
+            <a:pPr lvl="1"/>
+            <a:r>
+              <a:rPr lang="en-US" altLang="ko-KR" dirty="0" smtClean="0"/>
+              <a:t>RUNNABLE</a:t>
+            </a:r>
+          </a:p>
+          <a:p>
+            <a:pPr lvl="2"/>
+            <a:r>
+              <a:rPr lang="ko-KR" altLang="en-US" dirty="0" err="1" smtClean="0"/>
+              <a:t>스레드가</a:t>
+            </a:r>
+            <a:r>
+              <a:rPr lang="ko-KR" altLang="en-US" dirty="0" smtClean="0"/>
+              <a:t> 현재 실행되고 있거나</a:t>
+            </a:r>
+            <a:endParaRPr lang="en-US" altLang="ko-KR" dirty="0"/>
+          </a:p>
+          <a:p>
+            <a:pPr lvl="2"/>
+            <a:r>
+              <a:rPr lang="ko-KR" altLang="en-US" dirty="0" smtClean="0"/>
+              <a:t>실행 준비되어 스케쥴링을 기다리는 상태</a:t>
+            </a:r>
+            <a:endParaRPr lang="en-US" altLang="ko-KR" dirty="0" smtClean="0"/>
+          </a:p>
+          <a:p>
+            <a:pPr lvl="1"/>
+            <a:r>
+              <a:rPr lang="en-US" altLang="ko-KR" dirty="0" smtClean="0"/>
+              <a:t>WAITING</a:t>
+            </a:r>
+          </a:p>
+          <a:p>
+            <a:pPr lvl="2"/>
+            <a:r>
+              <a:rPr lang="en-US" altLang="ko-KR" dirty="0" smtClean="0"/>
+              <a:t>wait()</a:t>
+            </a:r>
+            <a:r>
+              <a:rPr lang="ko-KR" altLang="en-US" dirty="0" smtClean="0"/>
+              <a:t>를 호출한</a:t>
+            </a:r>
+            <a:r>
+              <a:rPr lang="en-US" altLang="ko-KR" dirty="0" smtClean="0"/>
+              <a:t> </a:t>
+            </a:r>
+            <a:r>
+              <a:rPr lang="ko-KR" altLang="en-US" dirty="0" smtClean="0"/>
+              <a:t>상태</a:t>
+            </a:r>
+            <a:endParaRPr lang="en-US" altLang="ko-KR" dirty="0" smtClean="0"/>
+          </a:p>
+          <a:p>
+            <a:pPr lvl="3"/>
+            <a:r>
+              <a:rPr lang="ko-KR" altLang="en-US" dirty="0" smtClean="0"/>
+              <a:t>다른 </a:t>
+            </a:r>
+            <a:r>
+              <a:rPr lang="ko-KR" altLang="en-US" dirty="0" err="1" smtClean="0"/>
+              <a:t>스레드가</a:t>
+            </a:r>
+            <a:r>
+              <a:rPr lang="ko-KR" altLang="en-US" dirty="0" smtClean="0"/>
+              <a:t> </a:t>
+            </a:r>
+            <a:r>
+              <a:rPr lang="en-US" altLang="ko-KR" dirty="0" smtClean="0"/>
+              <a:t>notify()</a:t>
+            </a:r>
+            <a:r>
+              <a:rPr lang="ko-KR" altLang="en-US" dirty="0" smtClean="0"/>
+              <a:t>나 </a:t>
+            </a:r>
+            <a:r>
+              <a:rPr lang="en-US" altLang="ko-KR" dirty="0" err="1" smtClean="0"/>
+              <a:t>notifyAll</a:t>
+            </a:r>
+            <a:r>
+              <a:rPr lang="en-US" altLang="ko-KR" dirty="0" smtClean="0"/>
+              <a:t>()</a:t>
+            </a:r>
+            <a:r>
+              <a:rPr lang="ko-KR" altLang="en-US" dirty="0" smtClean="0"/>
+              <a:t>을 불러주기를 기다리고 있는 상태</a:t>
+            </a:r>
+            <a:endParaRPr lang="en-US" altLang="ko-KR" dirty="0" smtClean="0"/>
+          </a:p>
+          <a:p>
+            <a:pPr lvl="2"/>
+            <a:r>
+              <a:rPr lang="ko-KR" altLang="en-US" dirty="0" err="1" smtClean="0"/>
+              <a:t>스레드</a:t>
+            </a:r>
+            <a:r>
+              <a:rPr lang="ko-KR" altLang="en-US" dirty="0" smtClean="0"/>
+              <a:t> 동기화를 위해 사용</a:t>
+            </a:r>
+            <a:endParaRPr lang="en-US" altLang="ko-KR" dirty="0" smtClean="0"/>
+          </a:p>
+          <a:p>
+            <a:pPr lvl="1"/>
+            <a:r>
+              <a:rPr lang="en-US" altLang="ko-KR" dirty="0" smtClean="0"/>
+              <a:t>TIMED_WAITING</a:t>
+            </a:r>
+          </a:p>
+          <a:p>
+            <a:pPr lvl="2"/>
+            <a:r>
+              <a:rPr lang="en-US" altLang="ko-KR" dirty="0" smtClean="0"/>
+              <a:t>sleep(n)</a:t>
+            </a:r>
+            <a:r>
+              <a:rPr lang="ko-KR" altLang="en-US" dirty="0" smtClean="0"/>
+              <a:t>을 호출하여 </a:t>
+            </a:r>
+            <a:r>
+              <a:rPr lang="en-US" altLang="ko-KR" dirty="0" smtClean="0"/>
+              <a:t>n </a:t>
+            </a:r>
+            <a:r>
+              <a:rPr lang="ko-KR" altLang="en-US" dirty="0" err="1" smtClean="0"/>
+              <a:t>밀리초</a:t>
+            </a:r>
+            <a:r>
+              <a:rPr lang="en-US" altLang="ko-KR" dirty="0" smtClean="0"/>
+              <a:t> </a:t>
+            </a:r>
+            <a:r>
+              <a:rPr lang="ko-KR" altLang="en-US" dirty="0" smtClean="0"/>
+              <a:t>동안 잠을 자고 있는 상태</a:t>
+            </a:r>
+            <a:endParaRPr lang="en-US" altLang="ko-KR" dirty="0" smtClean="0"/>
+          </a:p>
+          <a:p>
+            <a:pPr lvl="1"/>
+            <a:r>
+              <a:rPr lang="en-US" altLang="ko-KR" dirty="0" smtClean="0"/>
+              <a:t>BLOCK</a:t>
+            </a:r>
+          </a:p>
+          <a:p>
+            <a:pPr lvl="2"/>
+            <a:r>
+              <a:rPr lang="ko-KR" altLang="en-US" dirty="0" err="1" smtClean="0"/>
+              <a:t>스레드가</a:t>
+            </a:r>
+            <a:r>
+              <a:rPr lang="ko-KR" altLang="en-US" dirty="0" smtClean="0"/>
+              <a:t> </a:t>
+            </a:r>
+            <a:r>
+              <a:rPr lang="en-US" altLang="ko-KR" dirty="0" smtClean="0"/>
+              <a:t>I/O</a:t>
+            </a:r>
+            <a:r>
+              <a:rPr lang="ko-KR" altLang="en-US" dirty="0" smtClean="0"/>
+              <a:t> 작업을 요청하면 </a:t>
+            </a:r>
+            <a:r>
+              <a:rPr lang="en-US" altLang="ko-KR" dirty="0" smtClean="0"/>
+              <a:t>JVM</a:t>
+            </a:r>
+            <a:r>
+              <a:rPr lang="ko-KR" altLang="en-US" dirty="0" smtClean="0"/>
+              <a:t>이 자동으로 </a:t>
+            </a:r>
+            <a:r>
+              <a:rPr lang="en-US" altLang="ko-KR" dirty="0" smtClean="0"/>
+              <a:t>BLOCK </a:t>
+            </a:r>
+            <a:r>
+              <a:rPr lang="ko-KR" altLang="en-US" dirty="0" smtClean="0"/>
+              <a:t>상태로 만듦</a:t>
+            </a:r>
+            <a:endParaRPr lang="en-US" altLang="ko-KR" dirty="0" smtClean="0"/>
+          </a:p>
+          <a:p>
+            <a:pPr lvl="1"/>
+            <a:r>
+              <a:rPr lang="en-US" altLang="ko-KR" dirty="0" smtClean="0"/>
+              <a:t>TERMINATED</a:t>
+            </a:r>
+          </a:p>
+          <a:p>
+            <a:pPr lvl="2"/>
+            <a:r>
+              <a:rPr lang="ko-KR" altLang="en-US" dirty="0" smtClean="0"/>
+              <a:t>스레드가 종료한 상태</a:t>
+            </a:r>
+            <a:endParaRPr lang="en-US" altLang="ko-KR" dirty="0" smtClean="0"/>
+          </a:p>
+          <a:p>
+            <a:pPr lvl="2"/>
+            <a:endParaRPr lang="en-US" altLang="ko-KR" dirty="0" smtClean="0"/>
+          </a:p>
+          <a:p>
+            <a:r>
+              <a:rPr lang="ko-KR" altLang="en-US" dirty="0" err="1" smtClean="0"/>
+              <a:t>스레드</a:t>
+            </a:r>
+            <a:r>
+              <a:rPr lang="ko-KR" altLang="en-US" dirty="0" smtClean="0"/>
+              <a:t> 상태는 </a:t>
+            </a:r>
+            <a:r>
+              <a:rPr lang="en-US" altLang="ko-KR" dirty="0" smtClean="0"/>
+              <a:t>JVM</a:t>
+            </a:r>
+            <a:r>
+              <a:rPr lang="ko-KR" altLang="en-US" dirty="0" smtClean="0"/>
+              <a:t>에 의해 기록 관리됨</a:t>
+            </a:r>
+            <a:endParaRPr lang="ko-KR" altLang="en-US" dirty="0"/>
+          </a:p>
+        </p:txBody>
+      </p:sp>
+      <p:sp>
+        <p:nvSpPr>
+          <p:cNvPr id="4" name="슬라이드 번호 개체 틀 3"/>
+          <p:cNvSpPr>
+            <a:spLocks noGrp="1"/>
+          </p:cNvSpPr>
+          <p:nvPr>
+            <p:ph type="sldNum" sz="quarter" idx="12"/>
+          </p:nvPr>
+        </p:nvSpPr>
+        <p:spPr/>
+        <p:txBody>
+          <a:bodyPr>
+            <a:normAutofit/>
+          </a:bodyPr>
+          <a:lstStyle/>
+          <a:p>
+            <a:fld id="{1A6BD2C2-3D3B-4E94-BD92-61B02C5F4DEE}" type="slidenum">
+              <a:rPr lang="ko-KR" altLang="en-US" smtClean="0"/>
+              <a:pPr/>
+              <a:t>24</a:t>
+            </a:fld>
+            <a:endParaRPr lang="ko-KR" altLang="en-US"/>
+          </a:p>
+        </p:txBody>
+      </p:sp>
+    </p:spTree>
+    <p:extLst>
+      <p:ext uri="{BB962C8B-B14F-4D97-AF65-F5344CB8AC3E}">
+        <p14:creationId xmlns:p14="http://schemas.microsoft.com/office/powerpoint/2010/main" val="2783594295"/>
+      </p:ext>
+    </p:extLst>
+  </p:cSld>
+  <p:clrMapOvr>
+    <a:masterClrMapping/>
+  </p:clrMapOvr>
+</p:sld>
+</file>
+
+<file path=ppt/slides/slide25.xml><?xml version="1.0" encoding="utf-8"?>
+<p:sld xmlns:a="http://schemas.openxmlformats.org/drawingml/2006/main" xmlns:r="http://schemas.openxmlformats.org/officeDocument/2006/relationships" xmlns:p="http://schemas.openxmlformats.org/presentationml/2006/main">
+  <p:cSld>
+    <p:spTree>
+      <p:nvGrpSpPr>
+        <p:cNvPr id="1" name=""/>
+        <p:cNvGrpSpPr/>
+        <p:nvPr/>
+      </p:nvGrpSpPr>
+      <p:grpSpPr>
+        <a:xfrm>
+          <a:off x="0" y="0"/>
+          <a:ext cx="0" cy="0"/>
+          <a:chOff x="0" y="0"/>
+          <a:chExt cx="0" cy="0"/>
+        </a:xfrm>
+      </p:grpSpPr>
+      <p:sp>
+        <p:nvSpPr>
+          <p:cNvPr id="2" name="제목 1"/>
+          <p:cNvSpPr>
+            <a:spLocks noGrp="1"/>
+          </p:cNvSpPr>
+          <p:nvPr>
+            <p:ph type="title"/>
+          </p:nvPr>
+        </p:nvSpPr>
+        <p:spPr>
+          <a:xfrm>
             <a:off x="838200" y="11967"/>
             <a:ext cx="10515600" cy="1325563"/>
           </a:xfrm>
@@ -11586,7 +11854,7 @@
             <a:fld id="{1A6BD2C2-3D3B-4E94-BD92-61B02C5F4DEE}" type="slidenum">
               <a:rPr lang="ko-KR" altLang="en-US" smtClean="0"/>
               <a:pPr/>
-              <a:t>24</a:t>
+              <a:t>25</a:t>
             </a:fld>
             <a:endParaRPr lang="ko-KR" altLang="en-US"/>
           </a:p>
@@ -11811,7 +12079,7 @@
 </p:sld>
 </file>
 
-<file path=ppt/slides/slide25.xml><?xml version="1.0" encoding="utf-8"?>
+<file path=ppt/slides/slide26.xml><?xml version="1.0" encoding="utf-8"?>
 <p:sld xmlns:a="http://schemas.openxmlformats.org/drawingml/2006/main" xmlns:r="http://schemas.openxmlformats.org/officeDocument/2006/relationships" xmlns:p="http://schemas.openxmlformats.org/presentationml/2006/main">
   <p:cSld>
     <p:spTree>
@@ -12116,7 +12384,7 @@
             <a:fld id="{1A6BD2C2-3D3B-4E94-BD92-61B02C5F4DEE}" type="slidenum">
               <a:rPr lang="ko-KR" altLang="en-US" smtClean="0"/>
               <a:pPr/>
-              <a:t>25</a:t>
+              <a:t>26</a:t>
             </a:fld>
             <a:endParaRPr lang="ko-KR" altLang="en-US"/>
           </a:p>
@@ -12126,240 +12394,6 @@
     <p:extLst>
       <p:ext uri="{BB962C8B-B14F-4D97-AF65-F5344CB8AC3E}">
         <p14:creationId xmlns:p14="http://schemas.microsoft.com/office/powerpoint/2010/main" val="953709210"/>
-      </p:ext>
-    </p:extLst>
-  </p:cSld>
-  <p:clrMapOvr>
-    <a:masterClrMapping/>
-  </p:clrMapOvr>
-</p:sld>
-</file>
-
-<file path=ppt/slides/slide26.xml><?xml version="1.0" encoding="utf-8"?>
-<p:sld xmlns:a="http://schemas.openxmlformats.org/drawingml/2006/main" xmlns:r="http://schemas.openxmlformats.org/officeDocument/2006/relationships" xmlns:p="http://schemas.openxmlformats.org/presentationml/2006/main">
-  <p:cSld>
-    <p:spTree>
-      <p:nvGrpSpPr>
-        <p:cNvPr id="1" name=""/>
-        <p:cNvGrpSpPr/>
-        <p:nvPr/>
-      </p:nvGrpSpPr>
-      <p:grpSpPr>
-        <a:xfrm>
-          <a:off x="0" y="0"/>
-          <a:ext cx="0" cy="0"/>
-          <a:chOff x="0" y="0"/>
-          <a:chExt cx="0" cy="0"/>
-        </a:xfrm>
-      </p:grpSpPr>
-      <p:sp>
-        <p:nvSpPr>
-          <p:cNvPr id="2" name="제목 1"/>
-          <p:cNvSpPr>
-            <a:spLocks noGrp="1"/>
-          </p:cNvSpPr>
-          <p:nvPr>
-            <p:ph type="title"/>
-          </p:nvPr>
-        </p:nvSpPr>
-        <p:spPr>
-          <a:xfrm>
-            <a:off x="838200" y="65867"/>
-            <a:ext cx="10515600" cy="1325563"/>
-          </a:xfrm>
-        </p:spPr>
-        <p:txBody>
-          <a:bodyPr/>
-          <a:lstStyle/>
-          <a:p>
-            <a:r>
-              <a:rPr lang="en-US" altLang="ko-KR" dirty="0" smtClean="0"/>
-              <a:t>main()</a:t>
-            </a:r>
-            <a:r>
-              <a:rPr lang="ko-KR" altLang="en-US" dirty="0" smtClean="0"/>
-              <a:t>을 실행하는 </a:t>
-            </a:r>
-            <a:r>
-              <a:rPr lang="en-US" altLang="ko-KR" dirty="0" smtClean="0"/>
-              <a:t>main </a:t>
-            </a:r>
-            <a:r>
-              <a:rPr lang="ko-KR" altLang="en-US" dirty="0" err="1" smtClean="0"/>
-              <a:t>스레드</a:t>
-            </a:r>
-            <a:endParaRPr lang="ko-KR" altLang="en-US" dirty="0"/>
-          </a:p>
-        </p:txBody>
-      </p:sp>
-      <p:sp>
-        <p:nvSpPr>
-          <p:cNvPr id="3" name="내용 개체 틀 2"/>
-          <p:cNvSpPr>
-            <a:spLocks noGrp="1"/>
-          </p:cNvSpPr>
-          <p:nvPr>
-            <p:ph sz="quarter" idx="1"/>
-          </p:nvPr>
-        </p:nvSpPr>
-        <p:spPr>
-          <a:xfrm>
-            <a:off x="1745950" y="1493678"/>
-            <a:ext cx="8153400" cy="1285884"/>
-          </a:xfrm>
-        </p:spPr>
-        <p:txBody>
-          <a:bodyPr>
-            <a:normAutofit fontScale="70000" lnSpcReduction="20000"/>
-          </a:bodyPr>
-          <a:lstStyle/>
-          <a:p>
-            <a:r>
-              <a:rPr lang="en-US" altLang="ko-KR" dirty="0" smtClean="0"/>
-              <a:t>main </a:t>
-            </a:r>
-            <a:r>
-              <a:rPr lang="ko-KR" altLang="en-US" dirty="0" err="1" smtClean="0"/>
-              <a:t>스레드와</a:t>
-            </a:r>
-            <a:r>
-              <a:rPr lang="ko-KR" altLang="en-US" dirty="0" smtClean="0"/>
-              <a:t> </a:t>
-            </a:r>
-            <a:r>
-              <a:rPr lang="en-US" altLang="ko-KR" dirty="0" smtClean="0"/>
-              <a:t>main() </a:t>
-            </a:r>
-            <a:r>
-              <a:rPr lang="ko-KR" altLang="en-US" dirty="0" err="1" smtClean="0"/>
-              <a:t>메소드</a:t>
-            </a:r>
-            <a:endParaRPr lang="en-US" altLang="ko-KR" dirty="0" smtClean="0"/>
-          </a:p>
-          <a:p>
-            <a:pPr lvl="1"/>
-            <a:r>
-              <a:rPr lang="en-US" altLang="ko-KR" dirty="0" smtClean="0"/>
-              <a:t>JVM</a:t>
-            </a:r>
-            <a:r>
-              <a:rPr lang="ko-KR" altLang="en-US" dirty="0" smtClean="0"/>
-              <a:t>은 응용프로그램을 실행을 시작할 때 </a:t>
-            </a:r>
-            <a:r>
-              <a:rPr lang="ko-KR" altLang="en-US" dirty="0" err="1" smtClean="0"/>
-              <a:t>스레드</a:t>
-            </a:r>
-            <a:r>
-              <a:rPr lang="ko-KR" altLang="en-US" dirty="0" smtClean="0"/>
-              <a:t> 생성 </a:t>
-            </a:r>
-            <a:r>
-              <a:rPr lang="en-US" altLang="ko-KR" dirty="0" smtClean="0"/>
-              <a:t>: main </a:t>
-            </a:r>
-            <a:r>
-              <a:rPr lang="ko-KR" altLang="en-US" dirty="0" err="1" smtClean="0"/>
-              <a:t>스레드</a:t>
-            </a:r>
-            <a:endParaRPr lang="en-US" altLang="ko-KR" dirty="0" smtClean="0"/>
-          </a:p>
-          <a:p>
-            <a:pPr lvl="1"/>
-            <a:r>
-              <a:rPr lang="en-US" altLang="ko-KR" dirty="0" smtClean="0"/>
-              <a:t>JVM</a:t>
-            </a:r>
-            <a:r>
-              <a:rPr lang="ko-KR" altLang="en-US" dirty="0" smtClean="0"/>
-              <a:t>은 </a:t>
-            </a:r>
-            <a:r>
-              <a:rPr lang="en-US" altLang="ko-KR" dirty="0" smtClean="0"/>
-              <a:t>main </a:t>
-            </a:r>
-            <a:r>
-              <a:rPr lang="ko-KR" altLang="en-US" dirty="0" err="1" smtClean="0"/>
-              <a:t>스레드에게</a:t>
-            </a:r>
-            <a:r>
-              <a:rPr lang="ko-KR" altLang="en-US" dirty="0" smtClean="0"/>
-              <a:t> </a:t>
-            </a:r>
-            <a:r>
-              <a:rPr lang="en-US" altLang="ko-KR" dirty="0" smtClean="0"/>
-              <a:t>main() </a:t>
-            </a:r>
-            <a:r>
-              <a:rPr lang="ko-KR" altLang="en-US" dirty="0" err="1" smtClean="0"/>
-              <a:t>메소드</a:t>
-            </a:r>
-            <a:r>
-              <a:rPr lang="ko-KR" altLang="en-US" dirty="0" smtClean="0"/>
-              <a:t> 실행하도록 함</a:t>
-            </a:r>
-            <a:endParaRPr lang="en-US" altLang="ko-KR" dirty="0" smtClean="0"/>
-          </a:p>
-          <a:p>
-            <a:pPr lvl="2"/>
-            <a:r>
-              <a:rPr lang="en-US" altLang="ko-KR" dirty="0" smtClean="0"/>
-              <a:t>main() </a:t>
-            </a:r>
-            <a:r>
-              <a:rPr lang="ko-KR" altLang="en-US" dirty="0" err="1" smtClean="0"/>
-              <a:t>메소드가</a:t>
-            </a:r>
-            <a:r>
-              <a:rPr lang="ko-KR" altLang="en-US" dirty="0" smtClean="0"/>
-              <a:t> 종료하면 </a:t>
-            </a:r>
-            <a:r>
-              <a:rPr lang="en-US" altLang="ko-KR" dirty="0" smtClean="0"/>
-              <a:t>main </a:t>
-            </a:r>
-            <a:r>
-              <a:rPr lang="ko-KR" altLang="en-US" dirty="0" err="1" smtClean="0"/>
-              <a:t>스레드</a:t>
-            </a:r>
-            <a:r>
-              <a:rPr lang="ko-KR" altLang="en-US" dirty="0" smtClean="0"/>
-              <a:t> 종료</a:t>
-            </a:r>
-            <a:endParaRPr lang="en-US" altLang="ko-KR" dirty="0" smtClean="0"/>
-          </a:p>
-        </p:txBody>
-      </p:sp>
-      <p:sp>
-        <p:nvSpPr>
-          <p:cNvPr id="8" name="슬라이드 번호 개체 틀 7"/>
-          <p:cNvSpPr>
-            <a:spLocks noGrp="1"/>
-          </p:cNvSpPr>
-          <p:nvPr>
-            <p:ph type="sldNum" sz="quarter" idx="12"/>
-          </p:nvPr>
-        </p:nvSpPr>
-        <p:spPr/>
-        <p:txBody>
-          <a:bodyPr>
-            <a:normAutofit/>
-          </a:bodyPr>
-          <a:lstStyle/>
-          <a:p>
-            <a:fld id="{1A6BD2C2-3D3B-4E94-BD92-61B02C5F4DEE}" type="slidenum">
-              <a:rPr lang="ko-KR" altLang="en-US" smtClean="0"/>
-              <a:pPr/>
-              <a:t>26</a:t>
-            </a:fld>
-            <a:endParaRPr lang="ko-KR" altLang="en-US"/>
-          </a:p>
-        </p:txBody>
-      </p:sp>
-    </p:spTree>
-    <p:extLst>
-      <p:ext uri="{BB962C8B-B14F-4D97-AF65-F5344CB8AC3E}">
-        <p14:creationId xmlns:p14="http://schemas.microsoft.com/office/powerpoint/2010/main" val="2243250797"/>
       </p:ext>
     </p:extLst>
   </p:cSld>
@@ -12398,6 +12432,240 @@
         </p:nvSpPr>
         <p:spPr>
           <a:xfrm>
+            <a:off x="838200" y="65867"/>
+            <a:ext cx="10515600" cy="1325563"/>
+          </a:xfrm>
+        </p:spPr>
+        <p:txBody>
+          <a:bodyPr/>
+          <a:lstStyle/>
+          <a:p>
+            <a:r>
+              <a:rPr lang="en-US" altLang="ko-KR" dirty="0" smtClean="0"/>
+              <a:t>main()</a:t>
+            </a:r>
+            <a:r>
+              <a:rPr lang="ko-KR" altLang="en-US" dirty="0" smtClean="0"/>
+              <a:t>을 실행하는 </a:t>
+            </a:r>
+            <a:r>
+              <a:rPr lang="en-US" altLang="ko-KR" dirty="0" smtClean="0"/>
+              <a:t>main </a:t>
+            </a:r>
+            <a:r>
+              <a:rPr lang="ko-KR" altLang="en-US" dirty="0" err="1" smtClean="0"/>
+              <a:t>스레드</a:t>
+            </a:r>
+            <a:endParaRPr lang="ko-KR" altLang="en-US" dirty="0"/>
+          </a:p>
+        </p:txBody>
+      </p:sp>
+      <p:sp>
+        <p:nvSpPr>
+          <p:cNvPr id="3" name="내용 개체 틀 2"/>
+          <p:cNvSpPr>
+            <a:spLocks noGrp="1"/>
+          </p:cNvSpPr>
+          <p:nvPr>
+            <p:ph sz="quarter" idx="1"/>
+          </p:nvPr>
+        </p:nvSpPr>
+        <p:spPr>
+          <a:xfrm>
+            <a:off x="1745950" y="1493678"/>
+            <a:ext cx="8153400" cy="1285884"/>
+          </a:xfrm>
+        </p:spPr>
+        <p:txBody>
+          <a:bodyPr>
+            <a:normAutofit fontScale="70000" lnSpcReduction="20000"/>
+          </a:bodyPr>
+          <a:lstStyle/>
+          <a:p>
+            <a:r>
+              <a:rPr lang="en-US" altLang="ko-KR" dirty="0" smtClean="0"/>
+              <a:t>main </a:t>
+            </a:r>
+            <a:r>
+              <a:rPr lang="ko-KR" altLang="en-US" dirty="0" err="1" smtClean="0"/>
+              <a:t>스레드와</a:t>
+            </a:r>
+            <a:r>
+              <a:rPr lang="ko-KR" altLang="en-US" dirty="0" smtClean="0"/>
+              <a:t> </a:t>
+            </a:r>
+            <a:r>
+              <a:rPr lang="en-US" altLang="ko-KR" dirty="0" smtClean="0"/>
+              <a:t>main() </a:t>
+            </a:r>
+            <a:r>
+              <a:rPr lang="ko-KR" altLang="en-US" dirty="0" err="1" smtClean="0"/>
+              <a:t>메소드</a:t>
+            </a:r>
+            <a:endParaRPr lang="en-US" altLang="ko-KR" dirty="0" smtClean="0"/>
+          </a:p>
+          <a:p>
+            <a:pPr lvl="1"/>
+            <a:r>
+              <a:rPr lang="en-US" altLang="ko-KR" dirty="0" smtClean="0"/>
+              <a:t>JVM</a:t>
+            </a:r>
+            <a:r>
+              <a:rPr lang="ko-KR" altLang="en-US" dirty="0" smtClean="0"/>
+              <a:t>은 응용프로그램을 실행을 시작할 때 </a:t>
+            </a:r>
+            <a:r>
+              <a:rPr lang="ko-KR" altLang="en-US" dirty="0" err="1" smtClean="0"/>
+              <a:t>스레드</a:t>
+            </a:r>
+            <a:r>
+              <a:rPr lang="ko-KR" altLang="en-US" dirty="0" smtClean="0"/>
+              <a:t> 생성 </a:t>
+            </a:r>
+            <a:r>
+              <a:rPr lang="en-US" altLang="ko-KR" dirty="0" smtClean="0"/>
+              <a:t>: main </a:t>
+            </a:r>
+            <a:r>
+              <a:rPr lang="ko-KR" altLang="en-US" dirty="0" err="1" smtClean="0"/>
+              <a:t>스레드</a:t>
+            </a:r>
+            <a:endParaRPr lang="en-US" altLang="ko-KR" dirty="0" smtClean="0"/>
+          </a:p>
+          <a:p>
+            <a:pPr lvl="1"/>
+            <a:r>
+              <a:rPr lang="en-US" altLang="ko-KR" dirty="0" smtClean="0"/>
+              <a:t>JVM</a:t>
+            </a:r>
+            <a:r>
+              <a:rPr lang="ko-KR" altLang="en-US" dirty="0" smtClean="0"/>
+              <a:t>은 </a:t>
+            </a:r>
+            <a:r>
+              <a:rPr lang="en-US" altLang="ko-KR" dirty="0" smtClean="0"/>
+              <a:t>main </a:t>
+            </a:r>
+            <a:r>
+              <a:rPr lang="ko-KR" altLang="en-US" dirty="0" err="1" smtClean="0"/>
+              <a:t>스레드에게</a:t>
+            </a:r>
+            <a:r>
+              <a:rPr lang="ko-KR" altLang="en-US" dirty="0" smtClean="0"/>
+              <a:t> </a:t>
+            </a:r>
+            <a:r>
+              <a:rPr lang="en-US" altLang="ko-KR" dirty="0" smtClean="0"/>
+              <a:t>main() </a:t>
+            </a:r>
+            <a:r>
+              <a:rPr lang="ko-KR" altLang="en-US" dirty="0" err="1" smtClean="0"/>
+              <a:t>메소드</a:t>
+            </a:r>
+            <a:r>
+              <a:rPr lang="ko-KR" altLang="en-US" dirty="0" smtClean="0"/>
+              <a:t> 실행하도록 함</a:t>
+            </a:r>
+            <a:endParaRPr lang="en-US" altLang="ko-KR" dirty="0" smtClean="0"/>
+          </a:p>
+          <a:p>
+            <a:pPr lvl="2"/>
+            <a:r>
+              <a:rPr lang="en-US" altLang="ko-KR" dirty="0" smtClean="0"/>
+              <a:t>main() </a:t>
+            </a:r>
+            <a:r>
+              <a:rPr lang="ko-KR" altLang="en-US" dirty="0" err="1" smtClean="0"/>
+              <a:t>메소드가</a:t>
+            </a:r>
+            <a:r>
+              <a:rPr lang="ko-KR" altLang="en-US" dirty="0" smtClean="0"/>
+              <a:t> 종료하면 </a:t>
+            </a:r>
+            <a:r>
+              <a:rPr lang="en-US" altLang="ko-KR" dirty="0" smtClean="0"/>
+              <a:t>main </a:t>
+            </a:r>
+            <a:r>
+              <a:rPr lang="ko-KR" altLang="en-US" dirty="0" err="1" smtClean="0"/>
+              <a:t>스레드</a:t>
+            </a:r>
+            <a:r>
+              <a:rPr lang="ko-KR" altLang="en-US" dirty="0" smtClean="0"/>
+              <a:t> 종료</a:t>
+            </a:r>
+            <a:endParaRPr lang="en-US" altLang="ko-KR" dirty="0" smtClean="0"/>
+          </a:p>
+        </p:txBody>
+      </p:sp>
+      <p:sp>
+        <p:nvSpPr>
+          <p:cNvPr id="8" name="슬라이드 번호 개체 틀 7"/>
+          <p:cNvSpPr>
+            <a:spLocks noGrp="1"/>
+          </p:cNvSpPr>
+          <p:nvPr>
+            <p:ph type="sldNum" sz="quarter" idx="12"/>
+          </p:nvPr>
+        </p:nvSpPr>
+        <p:spPr/>
+        <p:txBody>
+          <a:bodyPr>
+            <a:normAutofit/>
+          </a:bodyPr>
+          <a:lstStyle/>
+          <a:p>
+            <a:fld id="{1A6BD2C2-3D3B-4E94-BD92-61B02C5F4DEE}" type="slidenum">
+              <a:rPr lang="ko-KR" altLang="en-US" smtClean="0"/>
+              <a:pPr/>
+              <a:t>27</a:t>
+            </a:fld>
+            <a:endParaRPr lang="ko-KR" altLang="en-US"/>
+          </a:p>
+        </p:txBody>
+      </p:sp>
+    </p:spTree>
+    <p:extLst>
+      <p:ext uri="{BB962C8B-B14F-4D97-AF65-F5344CB8AC3E}">
+        <p14:creationId xmlns:p14="http://schemas.microsoft.com/office/powerpoint/2010/main" val="2243250797"/>
+      </p:ext>
+    </p:extLst>
+  </p:cSld>
+  <p:clrMapOvr>
+    <a:masterClrMapping/>
+  </p:clrMapOvr>
+</p:sld>
+</file>
+
+<file path=ppt/slides/slide28.xml><?xml version="1.0" encoding="utf-8"?>
+<p:sld xmlns:a="http://schemas.openxmlformats.org/drawingml/2006/main" xmlns:r="http://schemas.openxmlformats.org/officeDocument/2006/relationships" xmlns:p="http://schemas.openxmlformats.org/presentationml/2006/main">
+  <p:cSld>
+    <p:spTree>
+      <p:nvGrpSpPr>
+        <p:cNvPr id="1" name=""/>
+        <p:cNvGrpSpPr/>
+        <p:nvPr/>
+      </p:nvGrpSpPr>
+      <p:grpSpPr>
+        <a:xfrm>
+          <a:off x="0" y="0"/>
+          <a:ext cx="0" cy="0"/>
+          <a:chOff x="0" y="0"/>
+          <a:chExt cx="0" cy="0"/>
+        </a:xfrm>
+      </p:grpSpPr>
+      <p:sp>
+        <p:nvSpPr>
+          <p:cNvPr id="2" name="제목 1"/>
+          <p:cNvSpPr>
+            <a:spLocks noGrp="1"/>
+          </p:cNvSpPr>
+          <p:nvPr>
+            <p:ph type="title"/>
+          </p:nvPr>
+        </p:nvSpPr>
+        <p:spPr>
+          <a:xfrm>
             <a:off x="838200" y="21494"/>
             <a:ext cx="10515600" cy="1325563"/>
           </a:xfrm>
@@ -12448,7 +12716,7 @@
           <a:p>
             <a:fld id="{01870596-DAFA-46D2-82A7-2B6B5F8E0EA4}" type="slidenum">
               <a:rPr lang="ko-KR" altLang="en-US" smtClean="0"/>
-              <a:t>27</a:t>
+              <a:t>28</a:t>
             </a:fld>
             <a:endParaRPr lang="ko-KR" altLang="en-US" dirty="0"/>
           </a:p>
@@ -13151,7 +13419,7 @@
 </p:sld>
 </file>
 
-<file path=ppt/slides/slide28.xml><?xml version="1.0" encoding="utf-8"?>
+<file path=ppt/slides/slide29.xml><?xml version="1.0" encoding="utf-8"?>
 <p:sld xmlns:a="http://schemas.openxmlformats.org/drawingml/2006/main" xmlns:r="http://schemas.openxmlformats.org/officeDocument/2006/relationships" xmlns:p="http://schemas.openxmlformats.org/presentationml/2006/main">
   <p:cSld>
     <p:spTree>
@@ -13966,7 +14234,7 @@
             <a:fld id="{1A6BD2C2-3D3B-4E94-BD92-61B02C5F4DEE}" type="slidenum">
               <a:rPr lang="ko-KR" altLang="en-US" smtClean="0"/>
               <a:pPr/>
-              <a:t>28</a:t>
+              <a:t>29</a:t>
             </a:fld>
             <a:endParaRPr lang="ko-KR" altLang="en-US"/>
           </a:p>
@@ -14218,7 +14486,274 @@
 </p:sld>
 </file>
 
-<file path=ppt/slides/slide29.xml><?xml version="1.0" encoding="utf-8"?>
+<file path=ppt/slides/slide3.xml><?xml version="1.0" encoding="utf-8"?>
+<p:sld xmlns:a="http://schemas.openxmlformats.org/drawingml/2006/main" xmlns:r="http://schemas.openxmlformats.org/officeDocument/2006/relationships" xmlns:p="http://schemas.openxmlformats.org/presentationml/2006/main">
+  <p:cSld>
+    <p:spTree>
+      <p:nvGrpSpPr>
+        <p:cNvPr id="1" name=""/>
+        <p:cNvGrpSpPr/>
+        <p:nvPr/>
+      </p:nvGrpSpPr>
+      <p:grpSpPr>
+        <a:xfrm>
+          <a:off x="0" y="0"/>
+          <a:ext cx="0" cy="0"/>
+          <a:chOff x="0" y="0"/>
+          <a:chExt cx="0" cy="0"/>
+        </a:xfrm>
+      </p:grpSpPr>
+      <p:sp>
+        <p:nvSpPr>
+          <p:cNvPr id="2" name="제목 1"/>
+          <p:cNvSpPr>
+            <a:spLocks noGrp="1"/>
+          </p:cNvSpPr>
+          <p:nvPr>
+            <p:ph type="title"/>
+          </p:nvPr>
+        </p:nvSpPr>
+        <p:spPr>
+          <a:xfrm>
+            <a:off x="838200" y="0"/>
+            <a:ext cx="10515600" cy="1325563"/>
+          </a:xfrm>
+        </p:spPr>
+        <p:txBody>
+          <a:bodyPr/>
+          <a:lstStyle/>
+          <a:p>
+            <a:r>
+              <a:rPr lang="ko-KR" altLang="en-US" dirty="0" err="1" smtClean="0"/>
+              <a:t>멀티태스킹</a:t>
+            </a:r>
+            <a:r>
+              <a:rPr lang="ko-KR" altLang="en-US" dirty="0" smtClean="0"/>
+              <a:t> 응용프로그램 사례</a:t>
+            </a:r>
+            <a:endParaRPr lang="ko-KR" altLang="en-US" dirty="0"/>
+          </a:p>
+        </p:txBody>
+      </p:sp>
+      <p:sp>
+        <p:nvSpPr>
+          <p:cNvPr id="3" name="내용 개체 틀 2"/>
+          <p:cNvSpPr>
+            <a:spLocks noGrp="1"/>
+          </p:cNvSpPr>
+          <p:nvPr>
+            <p:ph sz="quarter" idx="1"/>
+          </p:nvPr>
+        </p:nvSpPr>
+        <p:spPr/>
+        <p:txBody>
+          <a:bodyPr/>
+          <a:lstStyle/>
+          <a:p>
+            <a:endParaRPr lang="en-US" altLang="ko-KR" dirty="0" smtClean="0"/>
+          </a:p>
+          <a:p>
+            <a:endParaRPr lang="en-US" altLang="ko-KR" dirty="0"/>
+          </a:p>
+          <a:p>
+            <a:endParaRPr lang="en-US" altLang="ko-KR" dirty="0" smtClean="0"/>
+          </a:p>
+          <a:p>
+            <a:endParaRPr lang="en-US" altLang="ko-KR" dirty="0"/>
+          </a:p>
+          <a:p>
+            <a:endParaRPr lang="en-US" altLang="ko-KR" dirty="0" smtClean="0"/>
+          </a:p>
+          <a:p>
+            <a:endParaRPr lang="en-US" altLang="ko-KR" dirty="0"/>
+          </a:p>
+          <a:p>
+            <a:endParaRPr lang="en-US" altLang="ko-KR" dirty="0" smtClean="0"/>
+          </a:p>
+          <a:p>
+            <a:pPr lvl="1"/>
+            <a:endParaRPr lang="en-US" altLang="ko-KR" dirty="0" smtClean="0"/>
+          </a:p>
+          <a:p>
+            <a:pPr lvl="1"/>
+            <a:endParaRPr lang="en-US" altLang="ko-KR" dirty="0"/>
+          </a:p>
+          <a:p>
+            <a:pPr lvl="2"/>
+            <a:endParaRPr lang="en-US" altLang="ko-KR" dirty="0" smtClean="0"/>
+          </a:p>
+          <a:p>
+            <a:endParaRPr lang="en-US" altLang="ko-KR" dirty="0"/>
+          </a:p>
+          <a:p>
+            <a:endParaRPr lang="en-US" altLang="ko-KR" dirty="0" smtClean="0"/>
+          </a:p>
+          <a:p>
+            <a:endParaRPr lang="en-US" altLang="ko-KR" dirty="0"/>
+          </a:p>
+          <a:p>
+            <a:endParaRPr lang="en-US" altLang="ko-KR" dirty="0" smtClean="0"/>
+          </a:p>
+          <a:p>
+            <a:endParaRPr lang="en-US" altLang="ko-KR" dirty="0"/>
+          </a:p>
+        </p:txBody>
+      </p:sp>
+      <p:sp>
+        <p:nvSpPr>
+          <p:cNvPr id="4" name="슬라이드 번호 개체 틀 3"/>
+          <p:cNvSpPr>
+            <a:spLocks noGrp="1"/>
+          </p:cNvSpPr>
+          <p:nvPr>
+            <p:ph type="sldNum" sz="quarter" idx="12"/>
+          </p:nvPr>
+        </p:nvSpPr>
+        <p:spPr/>
+        <p:txBody>
+          <a:bodyPr>
+            <a:normAutofit/>
+          </a:bodyPr>
+          <a:lstStyle/>
+          <a:p>
+            <a:fld id="{01870596-DAFA-46D2-82A7-2B6B5F8E0EA4}" type="slidenum">
+              <a:rPr lang="ko-KR" altLang="en-US" smtClean="0"/>
+              <a:t>3</a:t>
+            </a:fld>
+            <a:endParaRPr lang="ko-KR" altLang="en-US" dirty="0"/>
+          </a:p>
+        </p:txBody>
+      </p:sp>
+      <p:pic>
+        <p:nvPicPr>
+          <p:cNvPr id="7" name="그림 6"/>
+          <p:cNvPicPr>
+            <a:picLocks noChangeAspect="1"/>
+          </p:cNvPicPr>
+          <p:nvPr/>
+        </p:nvPicPr>
+        <p:blipFill>
+          <a:blip r:embed="rId2"/>
+          <a:stretch>
+            <a:fillRect/>
+          </a:stretch>
+        </p:blipFill>
+        <p:spPr>
+          <a:xfrm>
+            <a:off x="1919536" y="1637114"/>
+            <a:ext cx="8431582" cy="3100871"/>
+          </a:xfrm>
+          <a:prstGeom prst="rect">
+            <a:avLst/>
+          </a:prstGeom>
+        </p:spPr>
+      </p:pic>
+      <p:sp>
+        <p:nvSpPr>
+          <p:cNvPr id="8" name="직사각형 7"/>
+          <p:cNvSpPr/>
+          <p:nvPr/>
+        </p:nvSpPr>
+        <p:spPr>
+          <a:xfrm>
+            <a:off x="2027913" y="5001502"/>
+            <a:ext cx="2861681" cy="276999"/>
+          </a:xfrm>
+          <a:prstGeom prst="rect">
+            <a:avLst/>
+          </a:prstGeom>
+        </p:spPr>
+        <p:txBody>
+          <a:bodyPr wrap="none">
+            <a:spAutoFit/>
+          </a:bodyPr>
+          <a:lstStyle/>
+          <a:p>
+            <a:pPr lvl="2"/>
+            <a:r>
+              <a:rPr lang="en-US" altLang="ko-KR" sz="1200" dirty="0">
+                <a:solidFill>
+                  <a:srgbClr val="0070C0"/>
+                </a:solidFill>
+              </a:rPr>
+              <a:t>* 3</a:t>
+            </a:r>
+            <a:r>
+              <a:rPr lang="ko-KR" altLang="en-US" sz="1200" dirty="0">
+                <a:solidFill>
+                  <a:srgbClr val="0070C0"/>
+                </a:solidFill>
+              </a:rPr>
+              <a:t>개의 태스크 동시 실행</a:t>
+            </a:r>
+            <a:endParaRPr lang="en-US" altLang="ko-KR" sz="1200" dirty="0">
+              <a:solidFill>
+                <a:srgbClr val="0070C0"/>
+              </a:solidFill>
+            </a:endParaRPr>
+          </a:p>
+        </p:txBody>
+      </p:sp>
+      <p:sp>
+        <p:nvSpPr>
+          <p:cNvPr id="9" name="직사각형 8"/>
+          <p:cNvSpPr/>
+          <p:nvPr/>
+        </p:nvSpPr>
+        <p:spPr>
+          <a:xfrm>
+            <a:off x="6155698" y="4977054"/>
+            <a:ext cx="2861681" cy="276999"/>
+          </a:xfrm>
+          <a:prstGeom prst="rect">
+            <a:avLst/>
+          </a:prstGeom>
+        </p:spPr>
+        <p:txBody>
+          <a:bodyPr wrap="none">
+            <a:spAutoFit/>
+          </a:bodyPr>
+          <a:lstStyle/>
+          <a:p>
+            <a:pPr lvl="2"/>
+            <a:r>
+              <a:rPr lang="en-US" altLang="ko-KR" sz="1200" dirty="0">
+                <a:solidFill>
+                  <a:srgbClr val="0070C0"/>
+                </a:solidFill>
+              </a:rPr>
+              <a:t>* 3</a:t>
+            </a:r>
+            <a:r>
+              <a:rPr lang="ko-KR" altLang="en-US" sz="1200" dirty="0">
+                <a:solidFill>
+                  <a:srgbClr val="0070C0"/>
+                </a:solidFill>
+              </a:rPr>
+              <a:t>개의 태스크 동시 실행</a:t>
+            </a:r>
+            <a:endParaRPr lang="en-US" altLang="ko-KR" sz="1200" dirty="0">
+              <a:solidFill>
+                <a:srgbClr val="0070C0"/>
+              </a:solidFill>
+            </a:endParaRPr>
+          </a:p>
+        </p:txBody>
+      </p:sp>
+    </p:spTree>
+    <p:extLst>
+      <p:ext uri="{BB962C8B-B14F-4D97-AF65-F5344CB8AC3E}">
+        <p14:creationId xmlns:p14="http://schemas.microsoft.com/office/powerpoint/2010/main" val="4146602489"/>
+      </p:ext>
+    </p:extLst>
+  </p:cSld>
+  <p:clrMapOvr>
+    <a:masterClrMapping/>
+  </p:clrMapOvr>
+</p:sld>
+</file>
+
+<file path=ppt/slides/slide30.xml><?xml version="1.0" encoding="utf-8"?>
 <p:sld xmlns:a="http://schemas.openxmlformats.org/drawingml/2006/main" xmlns:r="http://schemas.openxmlformats.org/officeDocument/2006/relationships" xmlns:p="http://schemas.openxmlformats.org/presentationml/2006/main">
   <p:cSld>
     <p:spTree>
@@ -14393,7 +14928,7 @@
             <a:fld id="{1A6BD2C2-3D3B-4E94-BD92-61B02C5F4DEE}" type="slidenum">
               <a:rPr lang="ko-KR" altLang="en-US" smtClean="0"/>
               <a:pPr/>
-              <a:t>29</a:t>
+              <a:t>30</a:t>
             </a:fld>
             <a:endParaRPr lang="ko-KR" altLang="en-US"/>
           </a:p>
@@ -14567,274 +15102,7 @@
 </p:sld>
 </file>
 
-<file path=ppt/slides/slide3.xml><?xml version="1.0" encoding="utf-8"?>
-<p:sld xmlns:a="http://schemas.openxmlformats.org/drawingml/2006/main" xmlns:r="http://schemas.openxmlformats.org/officeDocument/2006/relationships" xmlns:p="http://schemas.openxmlformats.org/presentationml/2006/main">
-  <p:cSld>
-    <p:spTree>
-      <p:nvGrpSpPr>
-        <p:cNvPr id="1" name=""/>
-        <p:cNvGrpSpPr/>
-        <p:nvPr/>
-      </p:nvGrpSpPr>
-      <p:grpSpPr>
-        <a:xfrm>
-          <a:off x="0" y="0"/>
-          <a:ext cx="0" cy="0"/>
-          <a:chOff x="0" y="0"/>
-          <a:chExt cx="0" cy="0"/>
-        </a:xfrm>
-      </p:grpSpPr>
-      <p:sp>
-        <p:nvSpPr>
-          <p:cNvPr id="2" name="제목 1"/>
-          <p:cNvSpPr>
-            <a:spLocks noGrp="1"/>
-          </p:cNvSpPr>
-          <p:nvPr>
-            <p:ph type="title"/>
-          </p:nvPr>
-        </p:nvSpPr>
-        <p:spPr>
-          <a:xfrm>
-            <a:off x="838200" y="0"/>
-            <a:ext cx="10515600" cy="1325563"/>
-          </a:xfrm>
-        </p:spPr>
-        <p:txBody>
-          <a:bodyPr/>
-          <a:lstStyle/>
-          <a:p>
-            <a:r>
-              <a:rPr lang="ko-KR" altLang="en-US" dirty="0" err="1" smtClean="0"/>
-              <a:t>멀티태스킹</a:t>
-            </a:r>
-            <a:r>
-              <a:rPr lang="ko-KR" altLang="en-US" dirty="0" smtClean="0"/>
-              <a:t> 응용프로그램 사례</a:t>
-            </a:r>
-            <a:endParaRPr lang="ko-KR" altLang="en-US" dirty="0"/>
-          </a:p>
-        </p:txBody>
-      </p:sp>
-      <p:sp>
-        <p:nvSpPr>
-          <p:cNvPr id="3" name="내용 개체 틀 2"/>
-          <p:cNvSpPr>
-            <a:spLocks noGrp="1"/>
-          </p:cNvSpPr>
-          <p:nvPr>
-            <p:ph sz="quarter" idx="1"/>
-          </p:nvPr>
-        </p:nvSpPr>
-        <p:spPr/>
-        <p:txBody>
-          <a:bodyPr/>
-          <a:lstStyle/>
-          <a:p>
-            <a:endParaRPr lang="en-US" altLang="ko-KR" dirty="0" smtClean="0"/>
-          </a:p>
-          <a:p>
-            <a:endParaRPr lang="en-US" altLang="ko-KR" dirty="0"/>
-          </a:p>
-          <a:p>
-            <a:endParaRPr lang="en-US" altLang="ko-KR" dirty="0" smtClean="0"/>
-          </a:p>
-          <a:p>
-            <a:endParaRPr lang="en-US" altLang="ko-KR" dirty="0"/>
-          </a:p>
-          <a:p>
-            <a:endParaRPr lang="en-US" altLang="ko-KR" dirty="0" smtClean="0"/>
-          </a:p>
-          <a:p>
-            <a:endParaRPr lang="en-US" altLang="ko-KR" dirty="0"/>
-          </a:p>
-          <a:p>
-            <a:endParaRPr lang="en-US" altLang="ko-KR" dirty="0" smtClean="0"/>
-          </a:p>
-          <a:p>
-            <a:pPr lvl="1"/>
-            <a:endParaRPr lang="en-US" altLang="ko-KR" dirty="0" smtClean="0"/>
-          </a:p>
-          <a:p>
-            <a:pPr lvl="1"/>
-            <a:endParaRPr lang="en-US" altLang="ko-KR" dirty="0"/>
-          </a:p>
-          <a:p>
-            <a:pPr lvl="2"/>
-            <a:endParaRPr lang="en-US" altLang="ko-KR" dirty="0" smtClean="0"/>
-          </a:p>
-          <a:p>
-            <a:endParaRPr lang="en-US" altLang="ko-KR" dirty="0"/>
-          </a:p>
-          <a:p>
-            <a:endParaRPr lang="en-US" altLang="ko-KR" dirty="0" smtClean="0"/>
-          </a:p>
-          <a:p>
-            <a:endParaRPr lang="en-US" altLang="ko-KR" dirty="0"/>
-          </a:p>
-          <a:p>
-            <a:endParaRPr lang="en-US" altLang="ko-KR" dirty="0" smtClean="0"/>
-          </a:p>
-          <a:p>
-            <a:endParaRPr lang="en-US" altLang="ko-KR" dirty="0"/>
-          </a:p>
-        </p:txBody>
-      </p:sp>
-      <p:sp>
-        <p:nvSpPr>
-          <p:cNvPr id="4" name="슬라이드 번호 개체 틀 3"/>
-          <p:cNvSpPr>
-            <a:spLocks noGrp="1"/>
-          </p:cNvSpPr>
-          <p:nvPr>
-            <p:ph type="sldNum" sz="quarter" idx="12"/>
-          </p:nvPr>
-        </p:nvSpPr>
-        <p:spPr/>
-        <p:txBody>
-          <a:bodyPr>
-            <a:normAutofit/>
-          </a:bodyPr>
-          <a:lstStyle/>
-          <a:p>
-            <a:fld id="{01870596-DAFA-46D2-82A7-2B6B5F8E0EA4}" type="slidenum">
-              <a:rPr lang="ko-KR" altLang="en-US" smtClean="0"/>
-              <a:t>3</a:t>
-            </a:fld>
-            <a:endParaRPr lang="ko-KR" altLang="en-US" dirty="0"/>
-          </a:p>
-        </p:txBody>
-      </p:sp>
-      <p:pic>
-        <p:nvPicPr>
-          <p:cNvPr id="7" name="그림 6"/>
-          <p:cNvPicPr>
-            <a:picLocks noChangeAspect="1"/>
-          </p:cNvPicPr>
-          <p:nvPr/>
-        </p:nvPicPr>
-        <p:blipFill>
-          <a:blip r:embed="rId2"/>
-          <a:stretch>
-            <a:fillRect/>
-          </a:stretch>
-        </p:blipFill>
-        <p:spPr>
-          <a:xfrm>
-            <a:off x="1919536" y="1637114"/>
-            <a:ext cx="8431582" cy="3100871"/>
-          </a:xfrm>
-          <a:prstGeom prst="rect">
-            <a:avLst/>
-          </a:prstGeom>
-        </p:spPr>
-      </p:pic>
-      <p:sp>
-        <p:nvSpPr>
-          <p:cNvPr id="8" name="직사각형 7"/>
-          <p:cNvSpPr/>
-          <p:nvPr/>
-        </p:nvSpPr>
-        <p:spPr>
-          <a:xfrm>
-            <a:off x="2027913" y="5001502"/>
-            <a:ext cx="2861681" cy="276999"/>
-          </a:xfrm>
-          <a:prstGeom prst="rect">
-            <a:avLst/>
-          </a:prstGeom>
-        </p:spPr>
-        <p:txBody>
-          <a:bodyPr wrap="none">
-            <a:spAutoFit/>
-          </a:bodyPr>
-          <a:lstStyle/>
-          <a:p>
-            <a:pPr lvl="2"/>
-            <a:r>
-              <a:rPr lang="en-US" altLang="ko-KR" sz="1200" dirty="0">
-                <a:solidFill>
-                  <a:srgbClr val="0070C0"/>
-                </a:solidFill>
-              </a:rPr>
-              <a:t>* 3</a:t>
-            </a:r>
-            <a:r>
-              <a:rPr lang="ko-KR" altLang="en-US" sz="1200" dirty="0">
-                <a:solidFill>
-                  <a:srgbClr val="0070C0"/>
-                </a:solidFill>
-              </a:rPr>
-              <a:t>개의 태스크 동시 실행</a:t>
-            </a:r>
-            <a:endParaRPr lang="en-US" altLang="ko-KR" sz="1200" dirty="0">
-              <a:solidFill>
-                <a:srgbClr val="0070C0"/>
-              </a:solidFill>
-            </a:endParaRPr>
-          </a:p>
-        </p:txBody>
-      </p:sp>
-      <p:sp>
-        <p:nvSpPr>
-          <p:cNvPr id="9" name="직사각형 8"/>
-          <p:cNvSpPr/>
-          <p:nvPr/>
-        </p:nvSpPr>
-        <p:spPr>
-          <a:xfrm>
-            <a:off x="6155698" y="4977054"/>
-            <a:ext cx="2861681" cy="276999"/>
-          </a:xfrm>
-          <a:prstGeom prst="rect">
-            <a:avLst/>
-          </a:prstGeom>
-        </p:spPr>
-        <p:txBody>
-          <a:bodyPr wrap="none">
-            <a:spAutoFit/>
-          </a:bodyPr>
-          <a:lstStyle/>
-          <a:p>
-            <a:pPr lvl="2"/>
-            <a:r>
-              <a:rPr lang="en-US" altLang="ko-KR" sz="1200" dirty="0">
-                <a:solidFill>
-                  <a:srgbClr val="0070C0"/>
-                </a:solidFill>
-              </a:rPr>
-              <a:t>* 3</a:t>
-            </a:r>
-            <a:r>
-              <a:rPr lang="ko-KR" altLang="en-US" sz="1200" dirty="0">
-                <a:solidFill>
-                  <a:srgbClr val="0070C0"/>
-                </a:solidFill>
-              </a:rPr>
-              <a:t>개의 태스크 동시 실행</a:t>
-            </a:r>
-            <a:endParaRPr lang="en-US" altLang="ko-KR" sz="1200" dirty="0">
-              <a:solidFill>
-                <a:srgbClr val="0070C0"/>
-              </a:solidFill>
-            </a:endParaRPr>
-          </a:p>
-        </p:txBody>
-      </p:sp>
-    </p:spTree>
-    <p:extLst>
-      <p:ext uri="{BB962C8B-B14F-4D97-AF65-F5344CB8AC3E}">
-        <p14:creationId xmlns:p14="http://schemas.microsoft.com/office/powerpoint/2010/main" val="4146602489"/>
-      </p:ext>
-    </p:extLst>
-  </p:cSld>
-  <p:clrMapOvr>
-    <a:masterClrMapping/>
-  </p:clrMapOvr>
-</p:sld>
-</file>
-
-<file path=ppt/slides/slide30.xml><?xml version="1.0" encoding="utf-8"?>
+<file path=ppt/slides/slide31.xml><?xml version="1.0" encoding="utf-8"?>
 <p:sld xmlns:a="http://schemas.openxmlformats.org/drawingml/2006/main" xmlns:r="http://schemas.openxmlformats.org/officeDocument/2006/relationships" xmlns:p="http://schemas.openxmlformats.org/presentationml/2006/main">
   <p:cSld>
     <p:spTree>
@@ -15962,7 +16230,7 @@
             <a:fld id="{1A6BD2C2-3D3B-4E94-BD92-61B02C5F4DEE}" type="slidenum">
               <a:rPr lang="ko-KR" altLang="en-US" smtClean="0"/>
               <a:pPr/>
-              <a:t>30</a:t>
+              <a:t>31</a:t>
             </a:fld>
             <a:endParaRPr lang="ko-KR" altLang="en-US"/>
           </a:p>
@@ -15981,7 +16249,7 @@
 </p:sld>
 </file>
 
-<file path=ppt/slides/slide31.xml><?xml version="1.0" encoding="utf-8"?>
+<file path=ppt/slides/slide32.xml><?xml version="1.0" encoding="utf-8"?>
 <p:sld xmlns:a="http://schemas.openxmlformats.org/drawingml/2006/main" xmlns:r="http://schemas.openxmlformats.org/officeDocument/2006/relationships" xmlns:p="http://schemas.openxmlformats.org/presentationml/2006/main">
   <p:cSld>
     <p:spTree>
@@ -16142,7 +16410,7 @@
           <a:p>
             <a:fld id="{01870596-DAFA-46D2-82A7-2B6B5F8E0EA4}" type="slidenum">
               <a:rPr lang="ko-KR" altLang="en-US" smtClean="0"/>
-              <a:t>31</a:t>
+              <a:t>32</a:t>
             </a:fld>
             <a:endParaRPr lang="ko-KR" altLang="en-US" dirty="0"/>
           </a:p>
@@ -17088,7 +17356,7 @@
 </p:sld>
 </file>
 
-<file path=ppt/slides/slide32.xml><?xml version="1.0" encoding="utf-8"?>
+<file path=ppt/slides/slide33.xml><?xml version="1.0" encoding="utf-8"?>
 <p:sld xmlns:a="http://schemas.openxmlformats.org/drawingml/2006/main" xmlns:r="http://schemas.openxmlformats.org/officeDocument/2006/relationships" xmlns:p="http://schemas.openxmlformats.org/presentationml/2006/main">
   <p:cSld>
     <p:spTree>
@@ -17215,7 +17483,7 @@
             <a:fld id="{01870596-DAFA-46D2-82A7-2B6B5F8E0EA4}" type="slidenum">
               <a:rPr lang="ko-KR" altLang="en-US" smtClean="0"/>
               <a:pPr/>
-              <a:t>32</a:t>
+              <a:t>33</a:t>
             </a:fld>
             <a:endParaRPr lang="ko-KR" altLang="en-US" dirty="0"/>
           </a:p>
@@ -17795,7 +18063,7 @@
 </p:sld>
 </file>
 
-<file path=ppt/slides/slide33.xml><?xml version="1.0" encoding="utf-8"?>
+<file path=ppt/slides/slide34.xml><?xml version="1.0" encoding="utf-8"?>
 <p:sld xmlns:a="http://schemas.openxmlformats.org/drawingml/2006/main" xmlns:r="http://schemas.openxmlformats.org/officeDocument/2006/relationships" xmlns:p="http://schemas.openxmlformats.org/presentationml/2006/main">
   <p:cSld>
     <p:spTree>
@@ -17831,7 +18099,7 @@
           <a:p>
             <a:fld id="{01870596-DAFA-46D2-82A7-2B6B5F8E0EA4}" type="slidenum">
               <a:rPr lang="ko-KR" altLang="en-US" smtClean="0"/>
-              <a:t>33</a:t>
+              <a:t>34</a:t>
             </a:fld>
             <a:endParaRPr lang="ko-KR" altLang="en-US" dirty="0"/>
           </a:p>
@@ -19129,7 +19397,7 @@
 </p:sld>
 </file>
 
-<file path=ppt/slides/slide34.xml><?xml version="1.0" encoding="utf-8"?>
+<file path=ppt/slides/slide35.xml><?xml version="1.0" encoding="utf-8"?>
 <p:sld xmlns:a="http://schemas.openxmlformats.org/drawingml/2006/main" xmlns:r="http://schemas.openxmlformats.org/officeDocument/2006/relationships" xmlns:p="http://schemas.openxmlformats.org/presentationml/2006/main">
   <p:cSld>
     <p:spTree>
@@ -19323,7 +19591,7 @@
             <a:fld id="{1A6BD2C2-3D3B-4E94-BD92-61B02C5F4DEE}" type="slidenum">
               <a:rPr lang="ko-KR" altLang="en-US" smtClean="0"/>
               <a:pPr/>
-              <a:t>34</a:t>
+              <a:t>35</a:t>
             </a:fld>
             <a:endParaRPr lang="ko-KR" altLang="en-US"/>
           </a:p>
@@ -19342,7 +19610,7 @@
 </p:sld>
 </file>
 
-<file path=ppt/slides/slide35.xml><?xml version="1.0" encoding="utf-8"?>
+<file path=ppt/slides/slide36.xml><?xml version="1.0" encoding="utf-8"?>
 <p:sld xmlns:a="http://schemas.openxmlformats.org/drawingml/2006/main" xmlns:r="http://schemas.openxmlformats.org/officeDocument/2006/relationships" xmlns:p="http://schemas.openxmlformats.org/presentationml/2006/main">
   <p:cSld>
     <p:spTree>
@@ -20532,7 +20800,7 @@
             <a:fld id="{1A6BD2C2-3D3B-4E94-BD92-61B02C5F4DEE}" type="slidenum">
               <a:rPr lang="ko-KR" altLang="en-US" smtClean="0"/>
               <a:pPr/>
-              <a:t>35</a:t>
+              <a:t>36</a:t>
             </a:fld>
             <a:endParaRPr lang="ko-KR" altLang="en-US"/>
           </a:p>
@@ -20551,7 +20819,7 @@
 </p:sld>
 </file>
 
-<file path=ppt/slides/slide36.xml><?xml version="1.0" encoding="utf-8"?>
+<file path=ppt/slides/slide37.xml><?xml version="1.0" encoding="utf-8"?>
 <p:sld xmlns:a="http://schemas.openxmlformats.org/drawingml/2006/main" xmlns:r="http://schemas.openxmlformats.org/officeDocument/2006/relationships" xmlns:p="http://schemas.openxmlformats.org/presentationml/2006/main">
   <p:cSld>
     <p:spTree>
@@ -21155,7 +21423,7 @@
             <a:fld id="{1A6BD2C2-3D3B-4E94-BD92-61B02C5F4DEE}" type="slidenum">
               <a:rPr lang="ko-KR" altLang="en-US" smtClean="0"/>
               <a:pPr/>
-              <a:t>36</a:t>
+              <a:t>37</a:t>
             </a:fld>
             <a:endParaRPr lang="ko-KR" altLang="en-US"/>
           </a:p>
@@ -21165,232 +21433,6 @@
     <p:extLst>
       <p:ext uri="{BB962C8B-B14F-4D97-AF65-F5344CB8AC3E}">
         <p14:creationId xmlns:p14="http://schemas.microsoft.com/office/powerpoint/2010/main" val="2756105982"/>
-      </p:ext>
-    </p:extLst>
-  </p:cSld>
-  <p:clrMapOvr>
-    <a:masterClrMapping/>
-  </p:clrMapOvr>
-</p:sld>
-</file>
-
-<file path=ppt/slides/slide37.xml><?xml version="1.0" encoding="utf-8"?>
-<p:sld xmlns:a="http://schemas.openxmlformats.org/drawingml/2006/main" xmlns:r="http://schemas.openxmlformats.org/officeDocument/2006/relationships" xmlns:p="http://schemas.openxmlformats.org/presentationml/2006/main">
-  <p:cSld>
-    <p:spTree>
-      <p:nvGrpSpPr>
-        <p:cNvPr id="1" name=""/>
-        <p:cNvGrpSpPr/>
-        <p:nvPr/>
-      </p:nvGrpSpPr>
-      <p:grpSpPr>
-        <a:xfrm>
-          <a:off x="0" y="0"/>
-          <a:ext cx="0" cy="0"/>
-          <a:chOff x="0" y="0"/>
-          <a:chExt cx="0" cy="0"/>
-        </a:xfrm>
-      </p:grpSpPr>
-      <p:sp>
-        <p:nvSpPr>
-          <p:cNvPr id="2" name="제목 1"/>
-          <p:cNvSpPr>
-            <a:spLocks noGrp="1"/>
-          </p:cNvSpPr>
-          <p:nvPr>
-            <p:ph type="title"/>
-          </p:nvPr>
-        </p:nvSpPr>
-        <p:spPr>
-          <a:xfrm>
-            <a:off x="838200" y="0"/>
-            <a:ext cx="10515600" cy="1325563"/>
-          </a:xfrm>
-        </p:spPr>
-        <p:txBody>
-          <a:bodyPr/>
-          <a:lstStyle/>
-          <a:p>
-            <a:r>
-              <a:rPr lang="ko-KR" altLang="en-US" dirty="0" smtClean="0"/>
-              <a:t>스레드 동기화 기법</a:t>
-            </a:r>
-            <a:endParaRPr lang="ko-KR" altLang="en-US" dirty="0"/>
-          </a:p>
-        </p:txBody>
-      </p:sp>
-      <p:sp>
-        <p:nvSpPr>
-          <p:cNvPr id="3" name="내용 개체 틀 2"/>
-          <p:cNvSpPr>
-            <a:spLocks noGrp="1"/>
-          </p:cNvSpPr>
-          <p:nvPr>
-            <p:ph sz="quarter" idx="1"/>
-          </p:nvPr>
-        </p:nvSpPr>
-        <p:spPr>
-          <a:xfrm>
-            <a:off x="838200" y="1152294"/>
-            <a:ext cx="10515600" cy="4351338"/>
-          </a:xfrm>
-        </p:spPr>
-        <p:txBody>
-          <a:bodyPr/>
-          <a:lstStyle/>
-          <a:p>
-            <a:r>
-              <a:rPr lang="ko-KR" altLang="en-US" dirty="0" err="1" smtClean="0"/>
-              <a:t>스레드</a:t>
-            </a:r>
-            <a:r>
-              <a:rPr lang="ko-KR" altLang="en-US" dirty="0" smtClean="0"/>
-              <a:t> 동기화</a:t>
-            </a:r>
-            <a:endParaRPr lang="en-US" altLang="ko-KR" dirty="0" smtClean="0"/>
-          </a:p>
-          <a:p>
-            <a:pPr lvl="1"/>
-            <a:r>
-              <a:rPr lang="ko-KR" altLang="en-US" dirty="0" smtClean="0"/>
-              <a:t>공유 데이터에 동시에</a:t>
-            </a:r>
-            <a:r>
-              <a:rPr lang="en-US" altLang="ko-KR" dirty="0" smtClean="0"/>
-              <a:t> </a:t>
-            </a:r>
-            <a:r>
-              <a:rPr lang="ko-KR" altLang="en-US" dirty="0" smtClean="0"/>
-              <a:t>접근하는 다수의 </a:t>
-            </a:r>
-            <a:r>
-              <a:rPr lang="ko-KR" altLang="en-US" dirty="0" err="1" smtClean="0"/>
-              <a:t>스레드가</a:t>
-            </a:r>
-            <a:r>
-              <a:rPr lang="ko-KR" altLang="en-US" dirty="0" smtClean="0"/>
-              <a:t> 공유 데이터를 배타적으로 접근하기 위해 상호 협력</a:t>
-            </a:r>
-            <a:r>
-              <a:rPr lang="en-US" altLang="ko-KR" dirty="0" smtClean="0"/>
-              <a:t>(coordination)</a:t>
-            </a:r>
-            <a:r>
-              <a:rPr lang="ko-KR" altLang="en-US" dirty="0" smtClean="0"/>
-              <a:t>하는 것</a:t>
-            </a:r>
-            <a:endParaRPr lang="en-US" altLang="ko-KR" dirty="0" smtClean="0"/>
-          </a:p>
-          <a:p>
-            <a:pPr lvl="1"/>
-            <a:r>
-              <a:rPr lang="ko-KR" altLang="en-US" dirty="0" smtClean="0"/>
-              <a:t>동기화의 핵심</a:t>
-            </a:r>
-            <a:endParaRPr lang="en-US" altLang="ko-KR" dirty="0" smtClean="0"/>
-          </a:p>
-          <a:p>
-            <a:pPr lvl="2"/>
-            <a:r>
-              <a:rPr lang="ko-KR" altLang="en-US" dirty="0" smtClean="0"/>
-              <a:t>스레드의 공유 </a:t>
-            </a:r>
-            <a:r>
-              <a:rPr lang="ko-KR" altLang="en-US" dirty="0"/>
-              <a:t>데이터에 대한 </a:t>
-            </a:r>
-            <a:r>
-              <a:rPr lang="ko-KR" altLang="en-US" dirty="0" smtClean="0"/>
-              <a:t>배타적 독점 접근 보장</a:t>
-            </a:r>
-            <a:endParaRPr lang="en-US" altLang="ko-KR" dirty="0" smtClean="0"/>
-          </a:p>
-          <a:p>
-            <a:pPr lvl="2"/>
-            <a:endParaRPr lang="ko-KR" altLang="en-US" dirty="0"/>
-          </a:p>
-          <a:p>
-            <a:r>
-              <a:rPr lang="ko-KR" altLang="en-US" dirty="0" smtClean="0"/>
-              <a:t>자바에서 </a:t>
-            </a:r>
-            <a:r>
-              <a:rPr lang="ko-KR" altLang="en-US" dirty="0" err="1" smtClean="0"/>
-              <a:t>스레드</a:t>
-            </a:r>
-            <a:r>
-              <a:rPr lang="ko-KR" altLang="en-US" dirty="0" smtClean="0"/>
-              <a:t> 동기화를 위한 방법</a:t>
-            </a:r>
-            <a:endParaRPr lang="en-US" altLang="ko-KR" dirty="0" smtClean="0"/>
-          </a:p>
-          <a:p>
-            <a:pPr lvl="1"/>
-            <a:r>
-              <a:rPr lang="en-US" altLang="ko-KR" dirty="0" smtClean="0"/>
-              <a:t>synchronized</a:t>
-            </a:r>
-            <a:r>
-              <a:rPr lang="ko-KR" altLang="en-US" dirty="0" smtClean="0"/>
-              <a:t>로 동기화 블록 지정</a:t>
-            </a:r>
-          </a:p>
-          <a:p>
-            <a:pPr lvl="1"/>
-            <a:r>
-              <a:rPr lang="en-US" altLang="ko-KR" dirty="0" smtClean="0"/>
-              <a:t>wait()-notify() </a:t>
-            </a:r>
-            <a:r>
-              <a:rPr lang="ko-KR" altLang="en-US" dirty="0" err="1" smtClean="0"/>
-              <a:t>메소드로</a:t>
-            </a:r>
-            <a:r>
-              <a:rPr lang="ko-KR" altLang="en-US" dirty="0" smtClean="0"/>
-              <a:t> </a:t>
-            </a:r>
-            <a:r>
-              <a:rPr lang="ko-KR" altLang="en-US" dirty="0" err="1" smtClean="0"/>
-              <a:t>스레드</a:t>
-            </a:r>
-            <a:r>
-              <a:rPr lang="ko-KR" altLang="en-US" dirty="0" smtClean="0"/>
-              <a:t> 실행 순서 제어</a:t>
-            </a:r>
-            <a:endParaRPr lang="ko-KR" altLang="en-US" dirty="0"/>
-          </a:p>
-        </p:txBody>
-      </p:sp>
-      <p:sp>
-        <p:nvSpPr>
-          <p:cNvPr id="4" name="슬라이드 번호 개체 틀 3"/>
-          <p:cNvSpPr>
-            <a:spLocks noGrp="1"/>
-          </p:cNvSpPr>
-          <p:nvPr>
-            <p:ph type="sldNum" sz="quarter" idx="12"/>
-          </p:nvPr>
-        </p:nvSpPr>
-        <p:spPr/>
-        <p:txBody>
-          <a:bodyPr>
-            <a:normAutofit/>
-          </a:bodyPr>
-          <a:lstStyle/>
-          <a:p>
-            <a:fld id="{01870596-DAFA-46D2-82A7-2B6B5F8E0EA4}" type="slidenum">
-              <a:rPr lang="ko-KR" altLang="en-US" smtClean="0"/>
-              <a:pPr/>
-              <a:t>37</a:t>
-            </a:fld>
-            <a:endParaRPr lang="ko-KR" altLang="en-US" dirty="0"/>
-          </a:p>
-        </p:txBody>
-      </p:sp>
-    </p:spTree>
-    <p:extLst>
-      <p:ext uri="{BB962C8B-B14F-4D97-AF65-F5344CB8AC3E}">
-        <p14:creationId xmlns:p14="http://schemas.microsoft.com/office/powerpoint/2010/main" val="3124452439"/>
       </p:ext>
     </p:extLst>
   </p:cSld>
@@ -21429,7 +21471,7 @@
         </p:nvSpPr>
         <p:spPr>
           <a:xfrm>
-            <a:off x="872220" y="0"/>
+            <a:off x="838200" y="0"/>
             <a:ext cx="10515600" cy="1325563"/>
           </a:xfrm>
         </p:spPr>
@@ -21438,12 +21480,8 @@
           <a:lstStyle/>
           <a:p>
             <a:r>
-              <a:rPr lang="en-US" altLang="ko-KR" dirty="0" smtClean="0"/>
-              <a:t>synchronized </a:t>
-            </a:r>
-            <a:r>
               <a:rPr lang="ko-KR" altLang="en-US" dirty="0" smtClean="0"/>
-              <a:t>블록 지정</a:t>
+              <a:t>스레드 동기화 기법</a:t>
             </a:r>
             <a:endParaRPr lang="ko-KR" altLang="en-US" dirty="0"/>
           </a:p>
@@ -21461,138 +21499,123 @@
         </p:nvSpPr>
         <p:spPr>
           <a:xfrm>
-            <a:off x="872220" y="1412776"/>
-            <a:ext cx="10515600" cy="2758768"/>
+            <a:off x="838200" y="1152294"/>
+            <a:ext cx="10515600" cy="4351338"/>
           </a:xfrm>
         </p:spPr>
         <p:txBody>
-          <a:bodyPr>
-            <a:normAutofit fontScale="85000" lnSpcReduction="20000"/>
-          </a:bodyPr>
+          <a:bodyPr/>
           <a:lstStyle/>
           <a:p>
+            <a:r>
+              <a:rPr lang="ko-KR" altLang="en-US" dirty="0" err="1" smtClean="0"/>
+              <a:t>스레드</a:t>
+            </a:r>
+            <a:r>
+              <a:rPr lang="ko-KR" altLang="en-US" dirty="0" smtClean="0"/>
+              <a:t> 동기화</a:t>
+            </a:r>
+            <a:endParaRPr lang="en-US" altLang="ko-KR" dirty="0" smtClean="0"/>
+          </a:p>
+          <a:p>
+            <a:pPr lvl="1"/>
+            <a:r>
+              <a:rPr lang="ko-KR" altLang="en-US" dirty="0" smtClean="0"/>
+              <a:t>공유 데이터에 동시에</a:t>
+            </a:r>
+            <a:r>
+              <a:rPr lang="en-US" altLang="ko-KR" dirty="0" smtClean="0"/>
+              <a:t> </a:t>
+            </a:r>
+            <a:r>
+              <a:rPr lang="ko-KR" altLang="en-US" dirty="0" smtClean="0"/>
+              <a:t>접근하는 다수의 </a:t>
+            </a:r>
+            <a:r>
+              <a:rPr lang="ko-KR" altLang="en-US" dirty="0" err="1" smtClean="0"/>
+              <a:t>스레드가</a:t>
+            </a:r>
+            <a:r>
+              <a:rPr lang="ko-KR" altLang="en-US" dirty="0" smtClean="0"/>
+              <a:t> 공유 데이터를 배타적으로 접근하기 위해 상호 협력</a:t>
+            </a:r>
+            <a:r>
+              <a:rPr lang="en-US" altLang="ko-KR" dirty="0" smtClean="0"/>
+              <a:t>(coordination)</a:t>
+            </a:r>
+            <a:r>
+              <a:rPr lang="ko-KR" altLang="en-US" dirty="0" smtClean="0"/>
+              <a:t>하는 것</a:t>
+            </a:r>
+            <a:endParaRPr lang="en-US" altLang="ko-KR" dirty="0" smtClean="0"/>
+          </a:p>
+          <a:p>
+            <a:pPr lvl="1"/>
+            <a:r>
+              <a:rPr lang="ko-KR" altLang="en-US" dirty="0" smtClean="0"/>
+              <a:t>동기화의 핵심</a:t>
+            </a:r>
+            <a:endParaRPr lang="en-US" altLang="ko-KR" dirty="0" smtClean="0"/>
+          </a:p>
+          <a:p>
+            <a:pPr lvl="2"/>
+            <a:r>
+              <a:rPr lang="ko-KR" altLang="en-US" dirty="0" smtClean="0"/>
+              <a:t>스레드의 공유 </a:t>
+            </a:r>
+            <a:r>
+              <a:rPr lang="ko-KR" altLang="en-US" dirty="0"/>
+              <a:t>데이터에 대한 </a:t>
+            </a:r>
+            <a:r>
+              <a:rPr lang="ko-KR" altLang="en-US" dirty="0" smtClean="0"/>
+              <a:t>배타적 독점 접근 보장</a:t>
+            </a:r>
+            <a:endParaRPr lang="en-US" altLang="ko-KR" dirty="0" smtClean="0"/>
+          </a:p>
+          <a:p>
+            <a:pPr lvl="2"/>
+            <a:endParaRPr lang="ko-KR" altLang="en-US" dirty="0"/>
+          </a:p>
+          <a:p>
+            <a:r>
+              <a:rPr lang="ko-KR" altLang="en-US" dirty="0" smtClean="0"/>
+              <a:t>자바에서 </a:t>
+            </a:r>
+            <a:r>
+              <a:rPr lang="ko-KR" altLang="en-US" dirty="0" err="1" smtClean="0"/>
+              <a:t>스레드</a:t>
+            </a:r>
+            <a:r>
+              <a:rPr lang="ko-KR" altLang="en-US" dirty="0" smtClean="0"/>
+              <a:t> 동기화를 위한 방법</a:t>
+            </a:r>
+            <a:endParaRPr lang="en-US" altLang="ko-KR" dirty="0" smtClean="0"/>
+          </a:p>
+          <a:p>
+            <a:pPr lvl="1"/>
             <a:r>
               <a:rPr lang="en-US" altLang="ko-KR" dirty="0" smtClean="0"/>
               <a:t>synchronized</a:t>
             </a:r>
             <a:r>
               <a:rPr lang="ko-KR" altLang="en-US" dirty="0" smtClean="0"/>
-              <a:t> 키워드</a:t>
-            </a:r>
-            <a:endParaRPr lang="en-US" altLang="ko-KR" dirty="0" smtClean="0"/>
+              <a:t>로 동기화 블록 지정</a:t>
+            </a:r>
           </a:p>
           <a:p>
             <a:pPr lvl="1"/>
             <a:r>
+              <a:rPr lang="en-US" altLang="ko-KR" dirty="0" smtClean="0"/>
+              <a:t>wait()-notify() </a:t>
+            </a:r>
+            <a:r>
+              <a:rPr lang="ko-KR" altLang="en-US" dirty="0" err="1" smtClean="0"/>
+              <a:t>메소드로</a:t>
+            </a:r>
+            <a:r>
               <a:rPr lang="ko-KR" altLang="en-US" dirty="0" smtClean="0"/>
-              <a:t>한 </a:t>
-            </a:r>
-            <a:r>
-              <a:rPr lang="ko-KR" altLang="en-US" dirty="0" err="1" smtClean="0"/>
-              <a:t>스레드가</a:t>
-            </a:r>
-            <a:r>
-              <a:rPr lang="ko-KR" altLang="en-US" dirty="0" smtClean="0"/>
-              <a:t> 독점 실행해야 하는 부분</a:t>
-            </a:r>
-            <a:r>
-              <a:rPr lang="en-US" altLang="ko-KR" dirty="0" smtClean="0"/>
-              <a:t>(</a:t>
-            </a:r>
-            <a:r>
-              <a:rPr lang="ko-KR" altLang="en-US" dirty="0" smtClean="0"/>
-              <a:t>동기화 코드</a:t>
-            </a:r>
-            <a:r>
-              <a:rPr lang="en-US" altLang="ko-KR" dirty="0" smtClean="0"/>
-              <a:t>)</a:t>
-            </a:r>
-            <a:r>
-              <a:rPr lang="ko-KR" altLang="en-US" dirty="0" smtClean="0"/>
-              <a:t>을 표시하는 키워드</a:t>
-            </a:r>
-            <a:endParaRPr lang="en-US" altLang="ko-KR" dirty="0" smtClean="0"/>
-          </a:p>
-          <a:p>
-            <a:pPr lvl="2"/>
-            <a:r>
-              <a:rPr lang="ko-KR" altLang="en-US" dirty="0" smtClean="0"/>
-              <a:t>임계 영역</a:t>
-            </a:r>
-            <a:r>
-              <a:rPr lang="en-US" altLang="ko-KR" dirty="0" smtClean="0"/>
-              <a:t>(critical section)</a:t>
-            </a:r>
-            <a:r>
-              <a:rPr lang="ko-KR" altLang="en-US" dirty="0" smtClean="0"/>
-              <a:t> 표기 키워드</a:t>
-            </a:r>
-            <a:endParaRPr lang="en-US" altLang="ko-KR" dirty="0" smtClean="0"/>
-          </a:p>
-          <a:p>
-            <a:pPr lvl="1"/>
-            <a:r>
-              <a:rPr lang="ko-KR" altLang="en-US" dirty="0" err="1" smtClean="0"/>
-              <a:t>메소드</a:t>
-            </a:r>
-            <a:r>
-              <a:rPr lang="ko-KR" altLang="en-US" dirty="0" smtClean="0"/>
-              <a:t> 전체 혹은 코드 블록 </a:t>
-            </a:r>
-            <a:endParaRPr lang="en-US" altLang="ko-KR" dirty="0" smtClean="0"/>
-          </a:p>
-          <a:p>
-            <a:pPr lvl="1"/>
-            <a:endParaRPr lang="en-US" altLang="ko-KR" dirty="0" smtClean="0"/>
-          </a:p>
-          <a:p>
-            <a:r>
-              <a:rPr lang="en-US" altLang="ko-KR" dirty="0" smtClean="0"/>
-              <a:t>synchronized </a:t>
-            </a:r>
-            <a:r>
-              <a:rPr lang="ko-KR" altLang="en-US" dirty="0" smtClean="0"/>
-              <a:t>블록에 대한 컴파일러의 처리</a:t>
-            </a:r>
-            <a:endParaRPr lang="en-US" altLang="ko-KR" dirty="0" smtClean="0"/>
-          </a:p>
-          <a:p>
-            <a:pPr lvl="1"/>
-            <a:r>
-              <a:rPr lang="ko-KR" altLang="en-US" dirty="0" smtClean="0"/>
-              <a:t>먼저 실행한 </a:t>
-            </a:r>
-            <a:r>
-              <a:rPr lang="ko-KR" altLang="en-US" dirty="0" err="1" smtClean="0"/>
-              <a:t>스레드가</a:t>
-            </a:r>
-            <a:r>
-              <a:rPr lang="ko-KR" altLang="en-US" dirty="0" smtClean="0"/>
-              <a:t> 모니터 소유</a:t>
-            </a:r>
-            <a:endParaRPr lang="en-US" altLang="ko-KR" dirty="0" smtClean="0"/>
-          </a:p>
-          <a:p>
-            <a:pPr lvl="2"/>
-            <a:r>
-              <a:rPr lang="ko-KR" altLang="en-US" dirty="0" smtClean="0"/>
-              <a:t>모니터란 해당 객체를 독점적으로 사용할 수 있는 권한</a:t>
-            </a:r>
-            <a:endParaRPr lang="en-US" altLang="ko-KR" dirty="0" smtClean="0"/>
-          </a:p>
-          <a:p>
-            <a:pPr lvl="1"/>
-            <a:r>
-              <a:rPr lang="ko-KR" altLang="en-US" dirty="0" smtClean="0"/>
-              <a:t>모니터를 소유한 </a:t>
-            </a:r>
-            <a:r>
-              <a:rPr lang="ko-KR" altLang="en-US" dirty="0" err="1" smtClean="0"/>
-              <a:t>스레드가</a:t>
-            </a:r>
-            <a:r>
-              <a:rPr lang="ko-KR" altLang="en-US" dirty="0" smtClean="0"/>
-              <a:t> 모니터를 내놓을 때까지 다른 </a:t>
+              <a:t> </a:t>
             </a:r>
             <a:r>
               <a:rPr lang="ko-KR" altLang="en-US" dirty="0" err="1" smtClean="0"/>
@@ -21600,363 +21623,15 @@
             </a:r>
             <a:r>
               <a:rPr lang="ko-KR" altLang="en-US" dirty="0" smtClean="0"/>
-              <a:t> 대기</a:t>
-            </a:r>
-            <a:endParaRPr lang="en-US" altLang="ko-KR" dirty="0" smtClean="0"/>
+              <a:t> 실행 순서 제어</a:t>
+            </a:r>
+            <a:endParaRPr lang="ko-KR" altLang="en-US" dirty="0"/>
           </a:p>
         </p:txBody>
       </p:sp>
       <p:sp>
         <p:nvSpPr>
-          <p:cNvPr id="4" name="TextBox 3"/>
-          <p:cNvSpPr txBox="1"/>
-          <p:nvPr/>
-        </p:nvSpPr>
-        <p:spPr>
-          <a:xfrm>
-            <a:off x="3143673" y="5152624"/>
-            <a:ext cx="2088777" cy="1015663"/>
-          </a:xfrm>
-          <a:prstGeom prst="rect">
-            <a:avLst/>
-          </a:prstGeom>
-          <a:solidFill>
-            <a:schemeClr val="accent1">
-              <a:lumMod val="40000"/>
-              <a:lumOff val="60000"/>
-            </a:schemeClr>
-          </a:solidFill>
-          <a:ln>
-            <a:solidFill>
-              <a:schemeClr val="accent1">
-                <a:lumMod val="75000"/>
-              </a:schemeClr>
-            </a:solidFill>
-          </a:ln>
-        </p:spPr>
-        <p:txBody>
-          <a:bodyPr wrap="none" rtlCol="0">
-            <a:spAutoFit/>
-          </a:bodyPr>
-          <a:lstStyle/>
-          <a:p>
-            <a:pPr defTabSz="180000"/>
-            <a:r>
-              <a:rPr lang="en-US" altLang="ko-KR" sz="1200" b="1" dirty="0">
-                <a:solidFill>
-                  <a:srgbClr val="FF0000"/>
-                </a:solidFill>
-              </a:rPr>
-              <a:t>synchronized </a:t>
-            </a:r>
-            <a:r>
-              <a:rPr lang="en-US" altLang="ko-KR" sz="1200" dirty="0"/>
-              <a:t>void add() {</a:t>
-            </a:r>
-          </a:p>
-          <a:p>
-            <a:pPr defTabSz="180000"/>
-            <a:r>
-              <a:rPr lang="en-US" altLang="ko-KR" sz="1200" dirty="0"/>
-              <a:t>	</a:t>
-            </a:r>
-            <a:r>
-              <a:rPr lang="en-US" altLang="ko-KR" sz="1200" dirty="0" err="1"/>
-              <a:t>int</a:t>
-            </a:r>
-            <a:r>
-              <a:rPr lang="en-US" altLang="ko-KR" sz="1200" dirty="0"/>
-              <a:t> n = </a:t>
-            </a:r>
-            <a:r>
-              <a:rPr lang="en-US" altLang="ko-KR" sz="1200" dirty="0" err="1"/>
-              <a:t>getCurrentSum</a:t>
-            </a:r>
-            <a:r>
-              <a:rPr lang="en-US" altLang="ko-KR" sz="1200" dirty="0"/>
-              <a:t>();</a:t>
-            </a:r>
-          </a:p>
-          <a:p>
-            <a:pPr defTabSz="180000"/>
-            <a:r>
-              <a:rPr lang="en-US" altLang="ko-KR" sz="1200" dirty="0"/>
-              <a:t>	n+=10;</a:t>
-            </a:r>
-          </a:p>
-          <a:p>
-            <a:pPr defTabSz="180000"/>
-            <a:r>
-              <a:rPr lang="en-US" altLang="ko-KR" sz="1200" dirty="0"/>
-              <a:t>	</a:t>
-            </a:r>
-            <a:r>
-              <a:rPr lang="en-US" altLang="ko-KR" sz="1200" dirty="0" err="1"/>
-              <a:t>setCurrentSum</a:t>
-            </a:r>
-            <a:r>
-              <a:rPr lang="en-US" altLang="ko-KR" sz="1200" dirty="0"/>
-              <a:t>(n);</a:t>
-            </a:r>
-          </a:p>
-          <a:p>
-            <a:pPr defTabSz="180000"/>
-            <a:r>
-              <a:rPr lang="en-US" altLang="ko-KR" sz="1200" dirty="0"/>
-              <a:t>}</a:t>
-            </a:r>
-            <a:endParaRPr lang="ko-KR" altLang="en-US" sz="1200" dirty="0"/>
-          </a:p>
-        </p:txBody>
-      </p:sp>
-      <p:sp>
-        <p:nvSpPr>
-          <p:cNvPr id="5" name="TextBox 4"/>
-          <p:cNvSpPr txBox="1"/>
-          <p:nvPr/>
-        </p:nvSpPr>
-        <p:spPr>
-          <a:xfrm>
-            <a:off x="6130020" y="4044628"/>
-            <a:ext cx="2270237" cy="2123658"/>
-          </a:xfrm>
-          <a:prstGeom prst="rect">
-            <a:avLst/>
-          </a:prstGeom>
-          <a:solidFill>
-            <a:schemeClr val="accent1">
-              <a:lumMod val="40000"/>
-              <a:lumOff val="60000"/>
-            </a:schemeClr>
-          </a:solidFill>
-          <a:ln>
-            <a:solidFill>
-              <a:schemeClr val="accent1">
-                <a:lumMod val="75000"/>
-              </a:schemeClr>
-            </a:solidFill>
-          </a:ln>
-        </p:spPr>
-        <p:txBody>
-          <a:bodyPr wrap="none" rtlCol="0">
-            <a:spAutoFit/>
-          </a:bodyPr>
-          <a:lstStyle/>
-          <a:p>
-            <a:pPr defTabSz="180000"/>
-            <a:r>
-              <a:rPr lang="en-US" altLang="ko-KR" sz="1200" dirty="0"/>
-              <a:t>void execute() {</a:t>
-            </a:r>
-          </a:p>
-          <a:p>
-            <a:pPr defTabSz="180000"/>
-            <a:r>
-              <a:rPr lang="en-US" altLang="ko-KR" sz="1200" dirty="0"/>
-              <a:t>	// </a:t>
-            </a:r>
-            <a:r>
-              <a:rPr lang="ko-KR" altLang="en-US" sz="1200" dirty="0"/>
-              <a:t>다른</a:t>
-            </a:r>
-            <a:r>
-              <a:rPr lang="en-US" altLang="ko-KR" sz="1200" dirty="0"/>
-              <a:t> </a:t>
-            </a:r>
-            <a:r>
-              <a:rPr lang="ko-KR" altLang="en-US" sz="1200" dirty="0"/>
-              <a:t>코드들 </a:t>
-            </a:r>
-            <a:endParaRPr lang="en-US" altLang="ko-KR" sz="1200" dirty="0"/>
-          </a:p>
-          <a:p>
-            <a:pPr defTabSz="180000"/>
-            <a:r>
-              <a:rPr lang="en-US" altLang="ko-KR" sz="1200" dirty="0"/>
-              <a:t>	// </a:t>
-            </a:r>
-          </a:p>
-          <a:p>
-            <a:pPr defTabSz="180000"/>
-            <a:r>
-              <a:rPr lang="en-US" altLang="ko-KR" sz="1200" b="1" dirty="0">
-                <a:solidFill>
-                  <a:srgbClr val="FF0000"/>
-                </a:solidFill>
-              </a:rPr>
-              <a:t>	synchronized(this) </a:t>
-            </a:r>
-            <a:r>
-              <a:rPr lang="en-US" altLang="ko-KR" sz="1200" dirty="0">
-                <a:solidFill>
-                  <a:srgbClr val="FF0000"/>
-                </a:solidFill>
-              </a:rPr>
-              <a:t>{</a:t>
-            </a:r>
-          </a:p>
-          <a:p>
-            <a:pPr defTabSz="180000"/>
-            <a:r>
-              <a:rPr lang="en-US" altLang="ko-KR" sz="1200" dirty="0"/>
-              <a:t>		</a:t>
-            </a:r>
-            <a:r>
-              <a:rPr lang="en-US" altLang="ko-KR" sz="1200" dirty="0" err="1"/>
-              <a:t>int</a:t>
-            </a:r>
-            <a:r>
-              <a:rPr lang="en-US" altLang="ko-KR" sz="1200" dirty="0"/>
-              <a:t> n = </a:t>
-            </a:r>
-            <a:r>
-              <a:rPr lang="en-US" altLang="ko-KR" sz="1200" dirty="0" err="1"/>
-              <a:t>getCurrentSum</a:t>
-            </a:r>
-            <a:r>
-              <a:rPr lang="en-US" altLang="ko-KR" sz="1200" dirty="0"/>
-              <a:t>();</a:t>
-            </a:r>
-          </a:p>
-          <a:p>
-            <a:pPr defTabSz="180000"/>
-            <a:r>
-              <a:rPr lang="en-US" altLang="ko-KR" sz="1200" dirty="0"/>
-              <a:t>		n+=10;</a:t>
-            </a:r>
-          </a:p>
-          <a:p>
-            <a:pPr defTabSz="180000"/>
-            <a:r>
-              <a:rPr lang="en-US" altLang="ko-KR" sz="1200" dirty="0"/>
-              <a:t>		</a:t>
-            </a:r>
-            <a:r>
-              <a:rPr lang="en-US" altLang="ko-KR" sz="1200" dirty="0" err="1"/>
-              <a:t>setCurrentSum</a:t>
-            </a:r>
-            <a:r>
-              <a:rPr lang="en-US" altLang="ko-KR" sz="1200" dirty="0"/>
-              <a:t>(n);</a:t>
-            </a:r>
-          </a:p>
-          <a:p>
-            <a:pPr defTabSz="180000"/>
-            <a:r>
-              <a:rPr lang="en-US" altLang="ko-KR" sz="1200" dirty="0"/>
-              <a:t>	</a:t>
-            </a:r>
-            <a:r>
-              <a:rPr lang="en-US" altLang="ko-KR" sz="1200" dirty="0">
-                <a:solidFill>
-                  <a:srgbClr val="FF0000"/>
-                </a:solidFill>
-              </a:rPr>
-              <a:t>}</a:t>
-            </a:r>
-          </a:p>
-          <a:p>
-            <a:pPr defTabSz="180000"/>
-            <a:r>
-              <a:rPr lang="en-US" altLang="ko-KR" sz="1200" dirty="0"/>
-              <a:t>	// </a:t>
-            </a:r>
-          </a:p>
-          <a:p>
-            <a:pPr defTabSz="180000"/>
-            <a:r>
-              <a:rPr lang="en-US" altLang="ko-KR" sz="1200" dirty="0"/>
-              <a:t>	// </a:t>
-            </a:r>
-            <a:r>
-              <a:rPr lang="ko-KR" altLang="en-US" sz="1200" dirty="0"/>
-              <a:t>다른 코드들</a:t>
-            </a:r>
-            <a:endParaRPr lang="en-US" altLang="ko-KR" sz="1200" dirty="0"/>
-          </a:p>
-          <a:p>
-            <a:pPr defTabSz="180000"/>
-            <a:r>
-              <a:rPr lang="en-US" altLang="ko-KR" sz="1200" dirty="0"/>
-              <a:t>}</a:t>
-            </a:r>
-            <a:endParaRPr lang="ko-KR" altLang="en-US" sz="1200" dirty="0"/>
-          </a:p>
-        </p:txBody>
-      </p:sp>
-      <p:sp>
-        <p:nvSpPr>
-          <p:cNvPr id="6" name="TextBox 5"/>
-          <p:cNvSpPr txBox="1"/>
-          <p:nvPr/>
-        </p:nvSpPr>
-        <p:spPr>
-          <a:xfrm>
-            <a:off x="3307338" y="6187717"/>
-            <a:ext cx="1668470" cy="276999"/>
-          </a:xfrm>
-          <a:prstGeom prst="rect">
-            <a:avLst/>
-          </a:prstGeom>
-          <a:noFill/>
-        </p:spPr>
-        <p:txBody>
-          <a:bodyPr wrap="none" rtlCol="0">
-            <a:spAutoFit/>
-          </a:bodyPr>
-          <a:lstStyle/>
-          <a:p>
-            <a:r>
-              <a:rPr lang="en-US" altLang="ko-KR" sz="1200" dirty="0"/>
-              <a:t>synchronized </a:t>
-            </a:r>
-            <a:r>
-              <a:rPr lang="ko-KR" altLang="en-US" sz="1200" dirty="0" err="1"/>
-              <a:t>메소드</a:t>
-            </a:r>
-            <a:r>
-              <a:rPr lang="ko-KR" altLang="en-US" sz="1200" dirty="0"/>
-              <a:t> </a:t>
-            </a:r>
-          </a:p>
-        </p:txBody>
-      </p:sp>
-      <p:sp>
-        <p:nvSpPr>
-          <p:cNvPr id="7" name="TextBox 6"/>
-          <p:cNvSpPr txBox="1"/>
-          <p:nvPr/>
-        </p:nvSpPr>
-        <p:spPr>
-          <a:xfrm>
-            <a:off x="6307470" y="6187717"/>
-            <a:ext cx="1876860" cy="276999"/>
-          </a:xfrm>
-          <a:prstGeom prst="rect">
-            <a:avLst/>
-          </a:prstGeom>
-          <a:noFill/>
-        </p:spPr>
-        <p:txBody>
-          <a:bodyPr wrap="none" rtlCol="0">
-            <a:spAutoFit/>
-          </a:bodyPr>
-          <a:lstStyle/>
-          <a:p>
-            <a:r>
-              <a:rPr lang="en-US" altLang="ko-KR" sz="1200" dirty="0"/>
-              <a:t>synchronized </a:t>
-            </a:r>
-            <a:r>
-              <a:rPr lang="ko-KR" altLang="en-US" sz="1200" dirty="0"/>
-              <a:t>코드 블록 </a:t>
-            </a:r>
-          </a:p>
-        </p:txBody>
-      </p:sp>
-      <p:sp>
-        <p:nvSpPr>
-          <p:cNvPr id="9" name="슬라이드 번호 개체 틀 8"/>
+          <p:cNvPr id="4" name="슬라이드 번호 개체 틀 3"/>
           <p:cNvSpPr>
             <a:spLocks noGrp="1"/>
           </p:cNvSpPr>
@@ -21971,19 +21646,19 @@
           </a:bodyPr>
           <a:lstStyle/>
           <a:p>
-            <a:fld id="{1A6BD2C2-3D3B-4E94-BD92-61B02C5F4DEE}" type="slidenum">
+            <a:fld id="{01870596-DAFA-46D2-82A7-2B6B5F8E0EA4}" type="slidenum">
               <a:rPr lang="ko-KR" altLang="en-US" smtClean="0"/>
               <a:pPr/>
               <a:t>38</a:t>
             </a:fld>
-            <a:endParaRPr lang="ko-KR" altLang="en-US"/>
+            <a:endParaRPr lang="ko-KR" altLang="en-US" dirty="0"/>
           </a:p>
         </p:txBody>
       </p:sp>
     </p:spTree>
     <p:extLst>
       <p:ext uri="{BB962C8B-B14F-4D97-AF65-F5344CB8AC3E}">
-        <p14:creationId xmlns:p14="http://schemas.microsoft.com/office/powerpoint/2010/main" val="601102831"/>
+        <p14:creationId xmlns:p14="http://schemas.microsoft.com/office/powerpoint/2010/main" val="3124452439"/>
       </p:ext>
     </p:extLst>
   </p:cSld>
@@ -22022,54 +21697,193 @@
         </p:nvSpPr>
         <p:spPr>
           <a:xfrm>
-            <a:off x="838200" y="15206"/>
+            <a:off x="872220" y="0"/>
             <a:ext cx="10515600" cy="1325563"/>
           </a:xfrm>
         </p:spPr>
         <p:txBody>
-          <a:bodyPr>
-            <a:normAutofit/>
-          </a:bodyPr>
+          <a:bodyPr/>
           <a:lstStyle/>
           <a:p>
             <a:r>
-              <a:rPr lang="en-US" altLang="ko-KR" sz="3600" dirty="0" smtClean="0"/>
+              <a:rPr lang="en-US" altLang="ko-KR" dirty="0" smtClean="0"/>
               <a:t>synchronized </a:t>
             </a:r>
             <a:r>
-              <a:rPr lang="ko-KR" altLang="en-US" sz="3600" dirty="0" smtClean="0"/>
-              <a:t>사용 예 </a:t>
-            </a:r>
-            <a:r>
-              <a:rPr lang="en-US" altLang="ko-KR" sz="3600" dirty="0" smtClean="0"/>
-              <a:t>: </a:t>
-            </a:r>
-            <a:r>
-              <a:rPr lang="ko-KR" altLang="en-US" sz="3600" dirty="0" smtClean="0"/>
-              <a:t>공유 </a:t>
-            </a:r>
-            <a:r>
-              <a:rPr lang="ko-KR" altLang="en-US" sz="3600" dirty="0" err="1" smtClean="0"/>
-              <a:t>집계판</a:t>
-            </a:r>
-            <a:r>
-              <a:rPr lang="ko-KR" altLang="en-US" sz="3600" dirty="0" smtClean="0"/>
-              <a:t> 사례를 코딩</a:t>
-            </a:r>
-            <a:endParaRPr lang="ko-KR" altLang="en-US" sz="3600" dirty="0"/>
+              <a:rPr lang="ko-KR" altLang="en-US" dirty="0" smtClean="0"/>
+              <a:t>블록 지정</a:t>
+            </a:r>
+            <a:endParaRPr lang="ko-KR" altLang="en-US" dirty="0"/>
           </a:p>
         </p:txBody>
       </p:sp>
       <p:sp>
         <p:nvSpPr>
-          <p:cNvPr id="4" name="직사각형 3"/>
-          <p:cNvSpPr/>
+          <p:cNvPr id="3" name="내용 개체 틀 2"/>
+          <p:cNvSpPr>
+            <a:spLocks noGrp="1"/>
+          </p:cNvSpPr>
+          <p:nvPr>
+            <p:ph sz="quarter" idx="1"/>
+          </p:nvPr>
+        </p:nvSpPr>
+        <p:spPr>
+          <a:xfrm>
+            <a:off x="872220" y="1412776"/>
+            <a:ext cx="10515600" cy="2758768"/>
+          </a:xfrm>
+        </p:spPr>
+        <p:txBody>
+          <a:bodyPr>
+            <a:normAutofit fontScale="85000" lnSpcReduction="20000"/>
+          </a:bodyPr>
+          <a:lstStyle/>
+          <a:p>
+            <a:r>
+              <a:rPr lang="en-US" altLang="ko-KR" dirty="0" smtClean="0"/>
+              <a:t>synchronized</a:t>
+            </a:r>
+            <a:r>
+              <a:rPr lang="ko-KR" altLang="en-US" dirty="0" smtClean="0"/>
+              <a:t> 키워드</a:t>
+            </a:r>
+            <a:endParaRPr lang="en-US" altLang="ko-KR" dirty="0" smtClean="0"/>
+          </a:p>
+          <a:p>
+            <a:pPr lvl="1"/>
+            <a:r>
+              <a:rPr lang="ko-KR" altLang="en-US" dirty="0" smtClean="0"/>
+              <a:t>한 </a:t>
+            </a:r>
+            <a:r>
+              <a:rPr lang="ko-KR" altLang="en-US" dirty="0" err="1" smtClean="0"/>
+              <a:t>스레드가</a:t>
+            </a:r>
+            <a:r>
+              <a:rPr lang="ko-KR" altLang="en-US" dirty="0" smtClean="0"/>
+              <a:t> 독점 실행해야 하는 부분</a:t>
+            </a:r>
+            <a:r>
+              <a:rPr lang="en-US" altLang="ko-KR" dirty="0" smtClean="0"/>
+              <a:t>(</a:t>
+            </a:r>
+            <a:r>
+              <a:rPr lang="ko-KR" altLang="en-US" dirty="0" smtClean="0"/>
+              <a:t>동기화 코드</a:t>
+            </a:r>
+            <a:r>
+              <a:rPr lang="en-US" altLang="ko-KR" dirty="0" smtClean="0"/>
+              <a:t>)</a:t>
+            </a:r>
+            <a:r>
+              <a:rPr lang="ko-KR" altLang="en-US" dirty="0" smtClean="0"/>
+              <a:t>을 표시하는 키워드</a:t>
+            </a:r>
+            <a:endParaRPr lang="en-US" altLang="ko-KR" dirty="0" smtClean="0"/>
+          </a:p>
+          <a:p>
+            <a:pPr lvl="2"/>
+            <a:r>
+              <a:rPr lang="ko-KR" altLang="en-US" dirty="0" smtClean="0"/>
+              <a:t>임계 영역</a:t>
+            </a:r>
+            <a:r>
+              <a:rPr lang="en-US" altLang="ko-KR" dirty="0" smtClean="0"/>
+              <a:t>(critical section)</a:t>
+            </a:r>
+            <a:r>
+              <a:rPr lang="ko-KR" altLang="en-US" dirty="0" smtClean="0"/>
+              <a:t> 표기 키워드</a:t>
+            </a:r>
+            <a:endParaRPr lang="en-US" altLang="ko-KR" dirty="0" smtClean="0"/>
+          </a:p>
+          <a:p>
+            <a:pPr lvl="1"/>
+            <a:r>
+              <a:rPr lang="ko-KR" altLang="en-US" dirty="0" err="1" smtClean="0"/>
+              <a:t>메소드</a:t>
+            </a:r>
+            <a:r>
+              <a:rPr lang="ko-KR" altLang="en-US" dirty="0" smtClean="0"/>
+              <a:t> 전체 혹은 코드 블록 </a:t>
+            </a:r>
+            <a:endParaRPr lang="en-US" altLang="ko-KR" dirty="0" smtClean="0"/>
+          </a:p>
+          <a:p>
+            <a:pPr lvl="1"/>
+            <a:endParaRPr lang="en-US" altLang="ko-KR" dirty="0" smtClean="0"/>
+          </a:p>
+          <a:p>
+            <a:r>
+              <a:rPr lang="en-US" altLang="ko-KR" dirty="0" smtClean="0"/>
+              <a:t>synchronized </a:t>
+            </a:r>
+            <a:r>
+              <a:rPr lang="ko-KR" altLang="en-US" dirty="0" smtClean="0"/>
+              <a:t>블록에 대한 컴파일러의 처리</a:t>
+            </a:r>
+            <a:endParaRPr lang="en-US" altLang="ko-KR" dirty="0" smtClean="0"/>
+          </a:p>
+          <a:p>
+            <a:pPr lvl="1"/>
+            <a:r>
+              <a:rPr lang="ko-KR" altLang="en-US" dirty="0" smtClean="0"/>
+              <a:t>먼저 실행한 </a:t>
+            </a:r>
+            <a:r>
+              <a:rPr lang="ko-KR" altLang="en-US" dirty="0" err="1" smtClean="0"/>
+              <a:t>스레드가</a:t>
+            </a:r>
+            <a:r>
+              <a:rPr lang="ko-KR" altLang="en-US" dirty="0" smtClean="0"/>
+              <a:t> 모니터 소유</a:t>
+            </a:r>
+            <a:endParaRPr lang="en-US" altLang="ko-KR" dirty="0" smtClean="0"/>
+          </a:p>
+          <a:p>
+            <a:pPr lvl="2"/>
+            <a:r>
+              <a:rPr lang="ko-KR" altLang="en-US" dirty="0" smtClean="0"/>
+              <a:t>모니터란 해당 객체를 독점적으로 사용할 수 있는 권한</a:t>
+            </a:r>
+            <a:endParaRPr lang="en-US" altLang="ko-KR" dirty="0" smtClean="0"/>
+          </a:p>
+          <a:p>
+            <a:pPr lvl="1"/>
+            <a:r>
+              <a:rPr lang="ko-KR" altLang="en-US" dirty="0" smtClean="0"/>
+              <a:t>모니터를 소유한 </a:t>
+            </a:r>
+            <a:r>
+              <a:rPr lang="ko-KR" altLang="en-US" dirty="0" err="1" smtClean="0"/>
+              <a:t>스레드가</a:t>
+            </a:r>
+            <a:r>
+              <a:rPr lang="ko-KR" altLang="en-US" dirty="0" smtClean="0"/>
+              <a:t> 모니터를 내놓을 때까지 다른 </a:t>
+            </a:r>
+            <a:r>
+              <a:rPr lang="ko-KR" altLang="en-US" dirty="0" err="1" smtClean="0"/>
+              <a:t>스레드</a:t>
+            </a:r>
+            <a:r>
+              <a:rPr lang="ko-KR" altLang="en-US" dirty="0" smtClean="0"/>
+              <a:t> 대기</a:t>
+            </a:r>
+            <a:endParaRPr lang="en-US" altLang="ko-KR" dirty="0" smtClean="0"/>
+          </a:p>
+        </p:txBody>
+      </p:sp>
+      <p:sp>
+        <p:nvSpPr>
+          <p:cNvPr id="4" name="TextBox 3"/>
+          <p:cNvSpPr txBox="1"/>
           <p:nvPr/>
         </p:nvSpPr>
         <p:spPr>
           <a:xfrm>
-            <a:off x="2089596" y="1320468"/>
-            <a:ext cx="4693946" cy="5478423"/>
+            <a:off x="3143673" y="5152624"/>
+            <a:ext cx="2088777" cy="1015663"/>
           </a:xfrm>
           <a:prstGeom prst="rect">
             <a:avLst/>
@@ -22089,210 +21903,14 @@
           </a:ln>
         </p:spPr>
         <p:txBody>
-          <a:bodyPr wrap="square">
+          <a:bodyPr wrap="none" rtlCol="0">
             <a:spAutoFit/>
           </a:bodyPr>
           <a:lstStyle/>
           <a:p>
             <a:pPr defTabSz="180000"/>
             <a:r>
-              <a:rPr lang="en-US" altLang="ko-KR" sz="1000" b="1" dirty="0"/>
-              <a:t>public class </a:t>
-            </a:r>
-            <a:r>
-              <a:rPr lang="en-US" altLang="ko-KR" sz="1000" b="1" dirty="0" err="1"/>
-              <a:t>SynchronizedEx</a:t>
-            </a:r>
-            <a:r>
-              <a:rPr lang="en-US" altLang="ko-KR" sz="1000" b="1" dirty="0"/>
-              <a:t> </a:t>
-            </a:r>
-            <a:r>
-              <a:rPr lang="en-US" altLang="ko-KR" sz="1000" dirty="0"/>
-              <a:t>{</a:t>
-            </a:r>
-          </a:p>
-          <a:p>
-            <a:pPr defTabSz="180000"/>
-            <a:r>
-              <a:rPr lang="en-US" altLang="ko-KR" sz="1000" dirty="0"/>
-              <a:t>	public static void main(String [] </a:t>
-            </a:r>
-            <a:r>
-              <a:rPr lang="en-US" altLang="ko-KR" sz="1000" dirty="0" err="1"/>
-              <a:t>args</a:t>
-            </a:r>
-            <a:r>
-              <a:rPr lang="en-US" altLang="ko-KR" sz="1000" dirty="0"/>
-              <a:t>) {</a:t>
-            </a:r>
-          </a:p>
-          <a:p>
-            <a:pPr defTabSz="180000"/>
-            <a:r>
-              <a:rPr lang="en-US" altLang="ko-KR" sz="1000" dirty="0"/>
-              <a:t>		</a:t>
-            </a:r>
-            <a:r>
-              <a:rPr lang="en-US" altLang="ko-KR" sz="1000" dirty="0" err="1"/>
-              <a:t>SharedBoard</a:t>
-            </a:r>
-            <a:r>
-              <a:rPr lang="en-US" altLang="ko-KR" sz="1000" dirty="0"/>
-              <a:t> board = </a:t>
-            </a:r>
-            <a:r>
-              <a:rPr lang="en-US" altLang="ko-KR" sz="1000" b="1" dirty="0"/>
-              <a:t>new </a:t>
-            </a:r>
-            <a:r>
-              <a:rPr lang="en-US" altLang="ko-KR" sz="1000" b="1" dirty="0" err="1"/>
-              <a:t>SharedBoard</a:t>
-            </a:r>
-            <a:r>
-              <a:rPr lang="en-US" altLang="ko-KR" sz="1000" b="1" dirty="0"/>
-              <a:t>(); </a:t>
-            </a:r>
-            <a:endParaRPr lang="ko-KR" altLang="en-US" sz="1000" b="1" dirty="0"/>
-          </a:p>
-          <a:p>
-            <a:pPr defTabSz="180000"/>
-            <a:r>
-              <a:rPr lang="en-US" altLang="ko-KR" sz="1000" dirty="0"/>
-              <a:t>		Thread th1 = </a:t>
-            </a:r>
-            <a:r>
-              <a:rPr lang="en-US" altLang="ko-KR" sz="1000" b="1" dirty="0"/>
-              <a:t>new </a:t>
-            </a:r>
-            <a:r>
-              <a:rPr lang="en-US" altLang="ko-KR" sz="1000" b="1" dirty="0" err="1"/>
-              <a:t>StudentThread</a:t>
-            </a:r>
-            <a:r>
-              <a:rPr lang="en-US" altLang="ko-KR" sz="1000" b="1" dirty="0"/>
-              <a:t>("</a:t>
-            </a:r>
-            <a:r>
-              <a:rPr lang="en-US" altLang="ko-KR" sz="1000" b="1" dirty="0" err="1"/>
-              <a:t>kitae</a:t>
-            </a:r>
-            <a:r>
-              <a:rPr lang="en-US" altLang="ko-KR" sz="1000" b="1" dirty="0"/>
-              <a:t>", board);</a:t>
-            </a:r>
-            <a:endParaRPr lang="ko-KR" altLang="en-US" sz="1000" b="1" dirty="0"/>
-          </a:p>
-          <a:p>
-            <a:pPr defTabSz="180000"/>
-            <a:r>
-              <a:rPr lang="en-US" altLang="ko-KR" sz="1000" dirty="0"/>
-              <a:t>		Thread th2 = </a:t>
-            </a:r>
-            <a:r>
-              <a:rPr lang="en-US" altLang="ko-KR" sz="1000" b="1" dirty="0"/>
-              <a:t>new </a:t>
-            </a:r>
-            <a:r>
-              <a:rPr lang="en-US" altLang="ko-KR" sz="1000" b="1" dirty="0" err="1"/>
-              <a:t>StudentThread</a:t>
-            </a:r>
-            <a:r>
-              <a:rPr lang="en-US" altLang="ko-KR" sz="1000" b="1" dirty="0"/>
-              <a:t>("</a:t>
-            </a:r>
-            <a:r>
-              <a:rPr lang="en-US" altLang="ko-KR" sz="1000" b="1" dirty="0" err="1"/>
-              <a:t>hyosoo</a:t>
-            </a:r>
-            <a:r>
-              <a:rPr lang="en-US" altLang="ko-KR" sz="1000" b="1" dirty="0"/>
-              <a:t>", board);</a:t>
-            </a:r>
-            <a:endParaRPr lang="ko-KR" altLang="en-US" sz="1000" b="1" dirty="0"/>
-          </a:p>
-          <a:p>
-            <a:pPr defTabSz="180000"/>
-            <a:r>
-              <a:rPr lang="en-US" altLang="ko-KR" sz="1000" dirty="0"/>
-              <a:t>		</a:t>
-            </a:r>
-            <a:r>
-              <a:rPr lang="en-US" altLang="ko-KR" sz="1000" b="1" dirty="0"/>
-              <a:t>th1.start();</a:t>
-            </a:r>
-          </a:p>
-          <a:p>
-            <a:pPr defTabSz="180000"/>
-            <a:r>
-              <a:rPr lang="en-US" altLang="ko-KR" sz="1000" b="1" dirty="0"/>
-              <a:t>		th2.start();</a:t>
-            </a:r>
-          </a:p>
-          <a:p>
-            <a:pPr defTabSz="180000"/>
-            <a:r>
-              <a:rPr lang="en-US" altLang="ko-KR" sz="1000" dirty="0"/>
-              <a:t>	}</a:t>
-            </a:r>
-          </a:p>
-          <a:p>
-            <a:pPr defTabSz="180000"/>
-            <a:r>
-              <a:rPr lang="en-US" altLang="ko-KR" sz="1000" dirty="0"/>
-              <a:t>}</a:t>
-            </a:r>
-          </a:p>
-          <a:p>
-            <a:pPr defTabSz="180000"/>
-            <a:endParaRPr lang="en-US" altLang="ko-KR" sz="1000" dirty="0"/>
-          </a:p>
-          <a:p>
-            <a:pPr defTabSz="180000"/>
-            <a:r>
-              <a:rPr lang="en-US" altLang="ko-KR" sz="1000" b="1" dirty="0"/>
-              <a:t>class </a:t>
-            </a:r>
-            <a:r>
-              <a:rPr lang="en-US" altLang="ko-KR" sz="1000" b="1" dirty="0" err="1"/>
-              <a:t>SharedBoard</a:t>
-            </a:r>
-            <a:r>
-              <a:rPr lang="en-US" altLang="ko-KR" sz="1000" dirty="0"/>
-              <a:t> {</a:t>
-            </a:r>
-          </a:p>
-          <a:p>
-            <a:pPr defTabSz="180000"/>
-            <a:r>
-              <a:rPr lang="en-US" altLang="ko-KR" sz="1000" dirty="0"/>
-              <a:t>	private </a:t>
-            </a:r>
-            <a:r>
-              <a:rPr lang="en-US" altLang="ko-KR" sz="1000" dirty="0" err="1"/>
-              <a:t>int</a:t>
-            </a:r>
-            <a:r>
-              <a:rPr lang="en-US" altLang="ko-KR" sz="1000" dirty="0"/>
-              <a:t> sum = 0; // </a:t>
-            </a:r>
-            <a:r>
-              <a:rPr lang="ko-KR" altLang="en-US" sz="1000" dirty="0" err="1"/>
-              <a:t>집계판의</a:t>
-            </a:r>
-            <a:r>
-              <a:rPr lang="ko-KR" altLang="en-US" sz="1000" dirty="0"/>
-              <a:t> 합</a:t>
-            </a:r>
-          </a:p>
-          <a:p>
-            <a:pPr defTabSz="180000"/>
-            <a:r>
-              <a:rPr lang="en-US" altLang="ko-KR" sz="1000" dirty="0"/>
-              <a:t>	</a:t>
-            </a:r>
-            <a:r>
-              <a:rPr lang="en-US" altLang="ko-KR" sz="1000" b="1" dirty="0">
+              <a:rPr lang="en-US" altLang="ko-KR" sz="1200" b="1" dirty="0">
                 <a:solidFill>
                   <a:srgbClr val="FF0000"/>
                 </a:solidFill>
@@ -22300,341 +21918,237 @@
               <a:t>synchronized </a:t>
             </a:r>
             <a:r>
-              <a:rPr lang="en-US" altLang="ko-KR" sz="1000" b="1" dirty="0"/>
-              <a:t>public void add() {</a:t>
-            </a:r>
-          </a:p>
-          <a:p>
-            <a:pPr defTabSz="180000"/>
-            <a:r>
-              <a:rPr lang="en-US" altLang="ko-KR" sz="1000" dirty="0"/>
+              <a:rPr lang="en-US" altLang="ko-KR" sz="1200" dirty="0"/>
+              <a:t>void add() {</a:t>
+            </a:r>
+          </a:p>
+          <a:p>
+            <a:pPr defTabSz="180000"/>
+            <a:r>
+              <a:rPr lang="en-US" altLang="ko-KR" sz="1200" dirty="0"/>
+              <a:t>	</a:t>
+            </a:r>
+            <a:r>
+              <a:rPr lang="en-US" altLang="ko-KR" sz="1200" dirty="0" err="1"/>
+              <a:t>int</a:t>
+            </a:r>
+            <a:r>
+              <a:rPr lang="en-US" altLang="ko-KR" sz="1200" dirty="0"/>
+              <a:t> n = </a:t>
+            </a:r>
+            <a:r>
+              <a:rPr lang="en-US" altLang="ko-KR" sz="1200" dirty="0" err="1"/>
+              <a:t>getCurrentSum</a:t>
+            </a:r>
+            <a:r>
+              <a:rPr lang="en-US" altLang="ko-KR" sz="1200" dirty="0"/>
+              <a:t>();</a:t>
+            </a:r>
+          </a:p>
+          <a:p>
+            <a:pPr defTabSz="180000"/>
+            <a:r>
+              <a:rPr lang="en-US" altLang="ko-KR" sz="1200" dirty="0"/>
+              <a:t>	n+=10;</a:t>
+            </a:r>
+          </a:p>
+          <a:p>
+            <a:pPr defTabSz="180000"/>
+            <a:r>
+              <a:rPr lang="en-US" altLang="ko-KR" sz="1200" dirty="0"/>
+              <a:t>	</a:t>
+            </a:r>
+            <a:r>
+              <a:rPr lang="en-US" altLang="ko-KR" sz="1200" dirty="0" err="1"/>
+              <a:t>setCurrentSum</a:t>
+            </a:r>
+            <a:r>
+              <a:rPr lang="en-US" altLang="ko-KR" sz="1200" dirty="0"/>
+              <a:t>(n);</a:t>
+            </a:r>
+          </a:p>
+          <a:p>
+            <a:pPr defTabSz="180000"/>
+            <a:r>
+              <a:rPr lang="en-US" altLang="ko-KR" sz="1200" dirty="0"/>
+              <a:t>}</a:t>
+            </a:r>
+            <a:endParaRPr lang="ko-KR" altLang="en-US" sz="1200" dirty="0"/>
+          </a:p>
+        </p:txBody>
+      </p:sp>
+      <p:sp>
+        <p:nvSpPr>
+          <p:cNvPr id="5" name="TextBox 4"/>
+          <p:cNvSpPr txBox="1"/>
+          <p:nvPr/>
+        </p:nvSpPr>
+        <p:spPr>
+          <a:xfrm>
+            <a:off x="6130020" y="4044628"/>
+            <a:ext cx="2270237" cy="2123658"/>
+          </a:xfrm>
+          <a:prstGeom prst="rect">
+            <a:avLst/>
+          </a:prstGeom>
+          <a:solidFill>
+            <a:schemeClr val="accent1">
+              <a:lumMod val="40000"/>
+              <a:lumOff val="60000"/>
+            </a:schemeClr>
+          </a:solidFill>
+          <a:ln>
+            <a:solidFill>
+              <a:schemeClr val="accent1">
+                <a:lumMod val="75000"/>
+              </a:schemeClr>
+            </a:solidFill>
+          </a:ln>
+        </p:spPr>
+        <p:txBody>
+          <a:bodyPr wrap="none" rtlCol="0">
+            <a:spAutoFit/>
+          </a:bodyPr>
+          <a:lstStyle/>
+          <a:p>
+            <a:pPr defTabSz="180000"/>
+            <a:r>
+              <a:rPr lang="en-US" altLang="ko-KR" sz="1200" dirty="0"/>
+              <a:t>void execute() {</a:t>
+            </a:r>
+          </a:p>
+          <a:p>
+            <a:pPr defTabSz="180000"/>
+            <a:r>
+              <a:rPr lang="en-US" altLang="ko-KR" sz="1200" dirty="0"/>
+              <a:t>	// </a:t>
+            </a:r>
+            <a:r>
+              <a:rPr lang="ko-KR" altLang="en-US" sz="1200" dirty="0"/>
+              <a:t>다른</a:t>
+            </a:r>
+            <a:r>
+              <a:rPr lang="en-US" altLang="ko-KR" sz="1200" dirty="0"/>
+              <a:t> </a:t>
+            </a:r>
+            <a:r>
+              <a:rPr lang="ko-KR" altLang="en-US" sz="1200" dirty="0"/>
+              <a:t>코드들 </a:t>
+            </a:r>
+            <a:endParaRPr lang="en-US" altLang="ko-KR" sz="1200" dirty="0"/>
+          </a:p>
+          <a:p>
+            <a:pPr defTabSz="180000"/>
+            <a:r>
+              <a:rPr lang="en-US" altLang="ko-KR" sz="1200" dirty="0"/>
+              <a:t>	// </a:t>
+            </a:r>
+          </a:p>
+          <a:p>
+            <a:pPr defTabSz="180000"/>
+            <a:r>
+              <a:rPr lang="en-US" altLang="ko-KR" sz="1200" b="1" dirty="0">
+                <a:solidFill>
+                  <a:srgbClr val="FF0000"/>
+                </a:solidFill>
+              </a:rPr>
+              <a:t>	synchronized(this) </a:t>
+            </a:r>
+            <a:r>
+              <a:rPr lang="en-US" altLang="ko-KR" sz="1200" dirty="0">
+                <a:solidFill>
+                  <a:srgbClr val="FF0000"/>
+                </a:solidFill>
+              </a:rPr>
+              <a:t>{</a:t>
+            </a:r>
+          </a:p>
+          <a:p>
+            <a:pPr defTabSz="180000"/>
+            <a:r>
+              <a:rPr lang="en-US" altLang="ko-KR" sz="1200" dirty="0"/>
               <a:t>		</a:t>
             </a:r>
             <a:r>
-              <a:rPr lang="en-US" altLang="ko-KR" sz="1000" dirty="0" err="1"/>
+              <a:rPr lang="en-US" altLang="ko-KR" sz="1200" dirty="0" err="1"/>
               <a:t>int</a:t>
             </a:r>
             <a:r>
-              <a:rPr lang="en-US" altLang="ko-KR" sz="1000" dirty="0"/>
-              <a:t> n = sum;</a:t>
-            </a:r>
-          </a:p>
-          <a:p>
-            <a:pPr defTabSz="180000"/>
-            <a:r>
-              <a:rPr lang="en-US" altLang="ko-KR" sz="1000" dirty="0"/>
+              <a:rPr lang="en-US" altLang="ko-KR" sz="1200" dirty="0"/>
+              <a:t> n = </a:t>
+            </a:r>
+            <a:r>
+              <a:rPr lang="en-US" altLang="ko-KR" sz="1200" dirty="0" err="1"/>
+              <a:t>getCurrentSum</a:t>
+            </a:r>
+            <a:r>
+              <a:rPr lang="en-US" altLang="ko-KR" sz="1200" dirty="0"/>
+              <a:t>();</a:t>
+            </a:r>
+          </a:p>
+          <a:p>
+            <a:pPr defTabSz="180000"/>
+            <a:r>
+              <a:rPr lang="en-US" altLang="ko-KR" sz="1200" dirty="0"/>
+              <a:t>		n+=10;</a:t>
+            </a:r>
+          </a:p>
+          <a:p>
+            <a:pPr defTabSz="180000"/>
+            <a:r>
+              <a:rPr lang="en-US" altLang="ko-KR" sz="1200" dirty="0"/>
               <a:t>		</a:t>
             </a:r>
             <a:r>
-              <a:rPr lang="en-US" altLang="ko-KR" sz="1000" dirty="0" err="1"/>
-              <a:t>Thread.yield</a:t>
-            </a:r>
-            <a:r>
-              <a:rPr lang="en-US" altLang="ko-KR" sz="1000" dirty="0"/>
-              <a:t>(); // </a:t>
-            </a:r>
-            <a:r>
-              <a:rPr lang="ko-KR" altLang="en-US" sz="1000" dirty="0"/>
-              <a:t>현재 실행 중인 </a:t>
-            </a:r>
-            <a:r>
-              <a:rPr lang="ko-KR" altLang="en-US" sz="1000" dirty="0" err="1"/>
-              <a:t>스레드</a:t>
-            </a:r>
-            <a:r>
-              <a:rPr lang="ko-KR" altLang="en-US" sz="1000" dirty="0"/>
-              <a:t> 양보</a:t>
-            </a:r>
-          </a:p>
-          <a:p>
-            <a:pPr defTabSz="180000"/>
-            <a:r>
-              <a:rPr lang="en-US" altLang="ko-KR" sz="1000" dirty="0"/>
-              <a:t>		n += 10; // 10 </a:t>
-            </a:r>
-            <a:r>
-              <a:rPr lang="ko-KR" altLang="en-US" sz="1000" dirty="0"/>
-              <a:t>증가</a:t>
-            </a:r>
-          </a:p>
-          <a:p>
-            <a:pPr defTabSz="180000"/>
-            <a:r>
-              <a:rPr lang="en-US" altLang="ko-KR" sz="1000" dirty="0"/>
-              <a:t>		sum = n; // </a:t>
-            </a:r>
-            <a:r>
-              <a:rPr lang="ko-KR" altLang="en-US" sz="1000" dirty="0"/>
-              <a:t>증가한 값을 </a:t>
-            </a:r>
-            <a:r>
-              <a:rPr lang="ko-KR" altLang="en-US" sz="1000" dirty="0" err="1"/>
-              <a:t>집계합에</a:t>
-            </a:r>
-            <a:r>
-              <a:rPr lang="ko-KR" altLang="en-US" sz="1000" dirty="0"/>
-              <a:t> 기록</a:t>
-            </a:r>
-          </a:p>
-          <a:p>
-            <a:pPr defTabSz="180000"/>
-            <a:r>
-              <a:rPr lang="en-US" altLang="ko-KR" sz="1000" dirty="0"/>
-              <a:t>		</a:t>
-            </a:r>
-            <a:r>
-              <a:rPr lang="en-US" altLang="ko-KR" sz="1000" dirty="0" err="1"/>
-              <a:t>System.out.println</a:t>
-            </a:r>
-            <a:r>
-              <a:rPr lang="en-US" altLang="ko-KR" sz="1000" dirty="0"/>
-              <a:t>(</a:t>
-            </a:r>
-            <a:r>
-              <a:rPr lang="en-US" altLang="ko-KR" sz="1000" dirty="0" err="1"/>
-              <a:t>Thread.currentThread</a:t>
-            </a:r>
-            <a:r>
-              <a:rPr lang="en-US" altLang="ko-KR" sz="1000" dirty="0"/>
-              <a:t>().</a:t>
-            </a:r>
-            <a:r>
-              <a:rPr lang="en-US" altLang="ko-KR" sz="1000" dirty="0" err="1"/>
-              <a:t>getName</a:t>
-            </a:r>
-            <a:r>
-              <a:rPr lang="en-US" altLang="ko-KR" sz="1000" dirty="0"/>
-              <a:t>() + " : " + sum);</a:t>
-            </a:r>
-          </a:p>
-          <a:p>
-            <a:pPr defTabSz="180000"/>
-            <a:r>
-              <a:rPr lang="en-US" altLang="ko-KR" sz="1000" dirty="0"/>
-              <a:t>	}</a:t>
-            </a:r>
-          </a:p>
-          <a:p>
-            <a:pPr defTabSz="180000"/>
-            <a:r>
-              <a:rPr lang="en-US" altLang="ko-KR" sz="1000" dirty="0"/>
-              <a:t>	public </a:t>
-            </a:r>
-            <a:r>
-              <a:rPr lang="en-US" altLang="ko-KR" sz="1000" dirty="0" err="1"/>
-              <a:t>int</a:t>
-            </a:r>
-            <a:r>
-              <a:rPr lang="en-US" altLang="ko-KR" sz="1000" dirty="0"/>
-              <a:t> </a:t>
-            </a:r>
-            <a:r>
-              <a:rPr lang="en-US" altLang="ko-KR" sz="1000" dirty="0" err="1"/>
-              <a:t>getSum</a:t>
-            </a:r>
-            <a:r>
-              <a:rPr lang="en-US" altLang="ko-KR" sz="1000" dirty="0"/>
-              <a:t>() { return sum; }</a:t>
-            </a:r>
-          </a:p>
-          <a:p>
-            <a:pPr defTabSz="180000"/>
-            <a:r>
-              <a:rPr lang="en-US" altLang="ko-KR" sz="1000" dirty="0"/>
+              <a:rPr lang="en-US" altLang="ko-KR" sz="1200" dirty="0" err="1"/>
+              <a:t>setCurrentSum</a:t>
+            </a:r>
+            <a:r>
+              <a:rPr lang="en-US" altLang="ko-KR" sz="1200" dirty="0"/>
+              <a:t>(n);</a:t>
+            </a:r>
+          </a:p>
+          <a:p>
+            <a:pPr defTabSz="180000"/>
+            <a:r>
+              <a:rPr lang="en-US" altLang="ko-KR" sz="1200" dirty="0"/>
+              <a:t>	</a:t>
+            </a:r>
+            <a:r>
+              <a:rPr lang="en-US" altLang="ko-KR" sz="1200" dirty="0">
+                <a:solidFill>
+                  <a:srgbClr val="FF0000"/>
+                </a:solidFill>
+              </a:rPr>
               <a:t>}</a:t>
             </a:r>
           </a:p>
           <a:p>
             <a:pPr defTabSz="180000"/>
-            <a:endParaRPr lang="en-US" altLang="ko-KR" sz="1000" dirty="0"/>
-          </a:p>
-          <a:p>
-            <a:pPr defTabSz="180000"/>
-            <a:r>
-              <a:rPr lang="en-US" altLang="ko-KR" sz="1000" b="1" dirty="0"/>
-              <a:t>class </a:t>
-            </a:r>
-            <a:r>
-              <a:rPr lang="en-US" altLang="ko-KR" sz="1000" b="1" dirty="0" err="1"/>
-              <a:t>StudentThread</a:t>
-            </a:r>
-            <a:r>
-              <a:rPr lang="en-US" altLang="ko-KR" sz="1000" b="1" dirty="0"/>
-              <a:t> extends Thread </a:t>
-            </a:r>
-            <a:r>
-              <a:rPr lang="en-US" altLang="ko-KR" sz="1000" dirty="0"/>
-              <a:t>{</a:t>
-            </a:r>
-          </a:p>
-          <a:p>
-            <a:pPr defTabSz="180000"/>
-            <a:r>
-              <a:rPr lang="en-US" altLang="ko-KR" sz="1000" dirty="0"/>
-              <a:t>	private </a:t>
-            </a:r>
-            <a:r>
-              <a:rPr lang="en-US" altLang="ko-KR" sz="1000" dirty="0" err="1"/>
-              <a:t>SharedBoard</a:t>
-            </a:r>
-            <a:r>
-              <a:rPr lang="en-US" altLang="ko-KR" sz="1000" dirty="0"/>
-              <a:t> board; // </a:t>
-            </a:r>
-            <a:r>
-              <a:rPr lang="ko-KR" altLang="en-US" sz="1000" dirty="0" err="1"/>
-              <a:t>집계판의</a:t>
-            </a:r>
-            <a:r>
-              <a:rPr lang="ko-KR" altLang="en-US" sz="1000" dirty="0"/>
-              <a:t> 주소</a:t>
-            </a:r>
-          </a:p>
-          <a:p>
-            <a:pPr defTabSz="180000"/>
-            <a:r>
-              <a:rPr lang="en-US" altLang="ko-KR" sz="1000" dirty="0"/>
-              <a:t>	public </a:t>
-            </a:r>
-            <a:r>
-              <a:rPr lang="en-US" altLang="ko-KR" sz="1000" dirty="0" err="1"/>
-              <a:t>StudentThread</a:t>
-            </a:r>
-            <a:r>
-              <a:rPr lang="en-US" altLang="ko-KR" sz="1000" dirty="0"/>
-              <a:t>(String name, </a:t>
-            </a:r>
-            <a:r>
-              <a:rPr lang="en-US" altLang="ko-KR" sz="1000" dirty="0" err="1"/>
-              <a:t>SharedBoard</a:t>
-            </a:r>
-            <a:r>
-              <a:rPr lang="en-US" altLang="ko-KR" sz="1000" dirty="0"/>
-              <a:t> board) {</a:t>
-            </a:r>
-          </a:p>
-          <a:p>
-            <a:pPr defTabSz="180000"/>
-            <a:r>
-              <a:rPr lang="en-US" altLang="ko-KR" sz="1000" dirty="0"/>
-              <a:t>		super(name);</a:t>
-            </a:r>
-          </a:p>
-          <a:p>
-            <a:pPr defTabSz="180000"/>
-            <a:r>
-              <a:rPr lang="en-US" altLang="ko-KR" sz="1000" dirty="0"/>
-              <a:t>		</a:t>
-            </a:r>
-            <a:r>
-              <a:rPr lang="en-US" altLang="ko-KR" sz="1000" dirty="0" err="1"/>
-              <a:t>this.board</a:t>
-            </a:r>
-            <a:r>
-              <a:rPr lang="en-US" altLang="ko-KR" sz="1000" dirty="0"/>
-              <a:t> = board;</a:t>
-            </a:r>
-          </a:p>
-          <a:p>
-            <a:pPr defTabSz="180000"/>
-            <a:r>
-              <a:rPr lang="en-US" altLang="ko-KR" sz="1000" dirty="0"/>
-              <a:t>	}</a:t>
-            </a:r>
-          </a:p>
-          <a:p>
-            <a:pPr defTabSz="180000"/>
-            <a:r>
-              <a:rPr lang="en-US" altLang="ko-KR" sz="1000" dirty="0"/>
-              <a:t>	</a:t>
-            </a:r>
-          </a:p>
-          <a:p>
-            <a:pPr defTabSz="180000"/>
-            <a:r>
-              <a:rPr lang="en-US" altLang="ko-KR" sz="1000" dirty="0"/>
-              <a:t>	@Override</a:t>
-            </a:r>
-          </a:p>
-          <a:p>
-            <a:pPr defTabSz="180000"/>
-            <a:r>
-              <a:rPr lang="en-US" altLang="ko-KR" sz="1000" dirty="0"/>
-              <a:t>	</a:t>
-            </a:r>
-            <a:r>
-              <a:rPr lang="en-US" altLang="ko-KR" sz="1000" b="1" dirty="0"/>
-              <a:t>public void run() {</a:t>
-            </a:r>
-          </a:p>
-          <a:p>
-            <a:pPr defTabSz="180000"/>
-            <a:r>
-              <a:rPr lang="en-US" altLang="ko-KR" sz="1000" b="1" dirty="0"/>
-              <a:t>		for(</a:t>
-            </a:r>
-            <a:r>
-              <a:rPr lang="en-US" altLang="ko-KR" sz="1000" b="1" dirty="0" err="1"/>
-              <a:t>int</a:t>
-            </a:r>
-            <a:r>
-              <a:rPr lang="en-US" altLang="ko-KR" sz="1000" b="1" dirty="0"/>
-              <a:t> </a:t>
-            </a:r>
-            <a:r>
-              <a:rPr lang="en-US" altLang="ko-KR" sz="1000" b="1" dirty="0" err="1"/>
-              <a:t>i</a:t>
-            </a:r>
-            <a:r>
-              <a:rPr lang="en-US" altLang="ko-KR" sz="1000" b="1" dirty="0"/>
-              <a:t>=0; </a:t>
-            </a:r>
-            <a:r>
-              <a:rPr lang="en-US" altLang="ko-KR" sz="1000" b="1" dirty="0" err="1"/>
-              <a:t>i</a:t>
-            </a:r>
-            <a:r>
-              <a:rPr lang="en-US" altLang="ko-KR" sz="1000" b="1" dirty="0"/>
-              <a:t>&lt;10; </a:t>
-            </a:r>
-            <a:r>
-              <a:rPr lang="en-US" altLang="ko-KR" sz="1000" b="1" dirty="0" err="1"/>
-              <a:t>i</a:t>
-            </a:r>
-            <a:r>
-              <a:rPr lang="en-US" altLang="ko-KR" sz="1000" b="1" dirty="0"/>
-              <a:t>++)</a:t>
-            </a:r>
-          </a:p>
-          <a:p>
-            <a:pPr defTabSz="180000"/>
-            <a:r>
-              <a:rPr lang="en-US" altLang="ko-KR" sz="1000" b="1" dirty="0"/>
-              <a:t>			</a:t>
-            </a:r>
-            <a:r>
-              <a:rPr lang="en-US" altLang="ko-KR" sz="1000" b="1" dirty="0" err="1"/>
-              <a:t>board.add</a:t>
-            </a:r>
-            <a:r>
-              <a:rPr lang="en-US" altLang="ko-KR" sz="1000" b="1" dirty="0"/>
-              <a:t>();</a:t>
-            </a:r>
-          </a:p>
-          <a:p>
-            <a:pPr defTabSz="180000"/>
-            <a:r>
-              <a:rPr lang="en-US" altLang="ko-KR" sz="1000" b="1" dirty="0"/>
-              <a:t>	}</a:t>
-            </a:r>
-          </a:p>
-          <a:p>
-            <a:pPr defTabSz="180000"/>
-            <a:r>
-              <a:rPr lang="en-US" altLang="ko-KR" sz="1000" dirty="0"/>
+            <a:r>
+              <a:rPr lang="en-US" altLang="ko-KR" sz="1200" dirty="0"/>
+              <a:t>	// </a:t>
+            </a:r>
+          </a:p>
+          <a:p>
+            <a:pPr defTabSz="180000"/>
+            <a:r>
+              <a:rPr lang="en-US" altLang="ko-KR" sz="1200" dirty="0"/>
+              <a:t>	// </a:t>
+            </a:r>
+            <a:r>
+              <a:rPr lang="ko-KR" altLang="en-US" sz="1200" dirty="0"/>
+              <a:t>다른 코드들</a:t>
+            </a:r>
+            <a:endParaRPr lang="en-US" altLang="ko-KR" sz="1200" dirty="0"/>
+          </a:p>
+          <a:p>
+            <a:pPr defTabSz="180000"/>
+            <a:r>
+              <a:rPr lang="en-US" altLang="ko-KR" sz="1200" dirty="0"/>
               <a:t>}</a:t>
             </a:r>
-            <a:endParaRPr lang="ko-KR" altLang="en-US" sz="1000" dirty="0"/>
+            <a:endParaRPr lang="ko-KR" altLang="en-US" sz="1200" dirty="0"/>
           </a:p>
         </p:txBody>
       </p:sp>
@@ -22646,8 +22160,8 @@
         </p:nvSpPr>
         <p:spPr>
           <a:xfrm>
-            <a:off x="7344009" y="5949281"/>
-            <a:ext cx="2443298" cy="830997"/>
+            <a:off x="3307338" y="6187717"/>
+            <a:ext cx="1668470" cy="276999"/>
           </a:xfrm>
           <a:prstGeom prst="rect">
             <a:avLst/>
@@ -22661,235 +22175,30 @@
           <a:lstStyle/>
           <a:p>
             <a:r>
-              <a:rPr lang="en-US" altLang="ko-KR" sz="1200" dirty="0" err="1"/>
-              <a:t>kitae</a:t>
+              <a:rPr lang="en-US" altLang="ko-KR" sz="1200" dirty="0"/>
+              <a:t>synchronized </a:t>
+            </a:r>
+            <a:r>
+              <a:rPr lang="ko-KR" altLang="en-US" sz="1200" dirty="0" err="1"/>
+              <a:t>메소드</a:t>
             </a:r>
             <a:r>
               <a:rPr lang="ko-KR" altLang="en-US" sz="1200" dirty="0"/>
-              <a:t>와 </a:t>
-            </a:r>
-            <a:r>
-              <a:rPr lang="en-US" altLang="ko-KR" sz="1200" dirty="0" err="1"/>
-              <a:t>hyosoo</a:t>
-            </a:r>
-            <a:r>
-              <a:rPr lang="ko-KR" altLang="en-US" sz="1200" dirty="0"/>
-              <a:t>가 각각 </a:t>
-            </a:r>
-            <a:endParaRPr lang="en-US" altLang="ko-KR" sz="1200" dirty="0"/>
-          </a:p>
-          <a:p>
-            <a:r>
-              <a:rPr lang="en-US" altLang="ko-KR" sz="1200" dirty="0"/>
-              <a:t>10</a:t>
-            </a:r>
-            <a:r>
-              <a:rPr lang="ko-KR" altLang="en-US" sz="1200" dirty="0"/>
-              <a:t>번씩 </a:t>
-            </a:r>
-            <a:r>
-              <a:rPr lang="en-US" altLang="ko-KR" sz="1200" dirty="0"/>
-              <a:t>add()</a:t>
-            </a:r>
-            <a:r>
-              <a:rPr lang="ko-KR" altLang="en-US" sz="1200" dirty="0"/>
-              <a:t>를 호출</a:t>
-            </a:r>
-            <a:r>
-              <a:rPr lang="en-US" altLang="ko-KR" sz="1200" dirty="0"/>
-              <a:t>,</a:t>
-            </a:r>
-          </a:p>
-          <a:p>
-            <a:r>
-              <a:rPr lang="ko-KR" altLang="en-US" sz="1200" dirty="0"/>
-              <a:t>동기화가 잘 이루어져서</a:t>
-            </a:r>
-            <a:endParaRPr lang="en-US" altLang="ko-KR" sz="1200" dirty="0"/>
-          </a:p>
-          <a:p>
-            <a:r>
-              <a:rPr lang="ko-KR" altLang="en-US" sz="1200" dirty="0"/>
-              <a:t>최종 누적 점수 </a:t>
-            </a:r>
-            <a:r>
-              <a:rPr lang="en-US" altLang="ko-KR" sz="1200" dirty="0"/>
-              <a:t>sum</a:t>
-            </a:r>
-            <a:r>
-              <a:rPr lang="ko-KR" altLang="en-US" sz="1200" dirty="0"/>
-              <a:t>이 </a:t>
-            </a:r>
-            <a:r>
-              <a:rPr lang="en-US" altLang="ko-KR" sz="1200" dirty="0"/>
-              <a:t>200</a:t>
-            </a:r>
-            <a:r>
-              <a:rPr lang="ko-KR" altLang="en-US" sz="1200" dirty="0"/>
-              <a:t>이 됨</a:t>
-            </a:r>
-            <a:endParaRPr lang="en-US" altLang="ko-KR" sz="1200" dirty="0"/>
+              <a:t> </a:t>
+            </a:r>
           </a:p>
         </p:txBody>
       </p:sp>
       <p:sp>
         <p:nvSpPr>
-          <p:cNvPr id="7" name="직사각형 6"/>
-          <p:cNvSpPr/>
-          <p:nvPr/>
-        </p:nvSpPr>
-        <p:spPr>
-          <a:xfrm>
-            <a:off x="7344010" y="1999520"/>
-            <a:ext cx="2146399" cy="3785652"/>
-          </a:xfrm>
-          <a:prstGeom prst="rect">
-            <a:avLst/>
-          </a:prstGeom>
-          <a:solidFill>
-            <a:srgbClr val="DAEEC4"/>
-          </a:solidFill>
-          <a:ln>
-            <a:noFill/>
-          </a:ln>
-        </p:spPr>
-        <p:txBody>
-          <a:bodyPr wrap="square" rtlCol="0">
-            <a:spAutoFit/>
-          </a:bodyPr>
-          <a:lstStyle/>
-          <a:p>
-            <a:r>
-              <a:rPr lang="en-US" altLang="ko-KR" sz="1200"/>
-              <a:t>kitae : 10</a:t>
-            </a:r>
-          </a:p>
-          <a:p>
-            <a:r>
-              <a:rPr lang="en-US" altLang="ko-KR" sz="1200"/>
-              <a:t>hyosoo : 20</a:t>
-            </a:r>
-          </a:p>
-          <a:p>
-            <a:r>
-              <a:rPr lang="en-US" altLang="ko-KR" sz="1200"/>
-              <a:t>kitae : 30</a:t>
-            </a:r>
-          </a:p>
-          <a:p>
-            <a:r>
-              <a:rPr lang="en-US" altLang="ko-KR" sz="1200"/>
-              <a:t>hyosoo : 40</a:t>
-            </a:r>
-          </a:p>
-          <a:p>
-            <a:r>
-              <a:rPr lang="en-US" altLang="ko-KR" sz="1200"/>
-              <a:t>kitae : 50</a:t>
-            </a:r>
-          </a:p>
-          <a:p>
-            <a:r>
-              <a:rPr lang="en-US" altLang="ko-KR" sz="1200"/>
-              <a:t>hyosoo : 60</a:t>
-            </a:r>
-          </a:p>
-          <a:p>
-            <a:r>
-              <a:rPr lang="en-US" altLang="ko-KR" sz="1200"/>
-              <a:t>kitae : 70</a:t>
-            </a:r>
-          </a:p>
-          <a:p>
-            <a:r>
-              <a:rPr lang="en-US" altLang="ko-KR" sz="1200"/>
-              <a:t>hyosoo : 80</a:t>
-            </a:r>
-          </a:p>
-          <a:p>
-            <a:r>
-              <a:rPr lang="en-US" altLang="ko-KR" sz="1200"/>
-              <a:t>hyosoo : 90</a:t>
-            </a:r>
-          </a:p>
-          <a:p>
-            <a:r>
-              <a:rPr lang="en-US" altLang="ko-KR" sz="1200"/>
-              <a:t>hyosoo : 100</a:t>
-            </a:r>
-          </a:p>
-          <a:p>
-            <a:r>
-              <a:rPr lang="en-US" altLang="ko-KR" sz="1200"/>
-              <a:t>hyosoo : 110</a:t>
-            </a:r>
-          </a:p>
-          <a:p>
-            <a:r>
-              <a:rPr lang="en-US" altLang="ko-KR" sz="1200"/>
-              <a:t>hyosoo : 120</a:t>
-            </a:r>
-          </a:p>
-          <a:p>
-            <a:r>
-              <a:rPr lang="en-US" altLang="ko-KR" sz="1200"/>
-              <a:t>hyosoo : 130</a:t>
-            </a:r>
-          </a:p>
-          <a:p>
-            <a:r>
-              <a:rPr lang="en-US" altLang="ko-KR" sz="1200"/>
-              <a:t>hyosoo : 140</a:t>
-            </a:r>
-          </a:p>
-          <a:p>
-            <a:r>
-              <a:rPr lang="en-US" altLang="ko-KR" sz="1200"/>
-              <a:t>kitae : 150</a:t>
-            </a:r>
-          </a:p>
-          <a:p>
-            <a:r>
-              <a:rPr lang="en-US" altLang="ko-KR" sz="1200"/>
-              <a:t>kitae : 160</a:t>
-            </a:r>
-          </a:p>
-          <a:p>
-            <a:r>
-              <a:rPr lang="en-US" altLang="ko-KR" sz="1200"/>
-              <a:t>kitae : 170</a:t>
-            </a:r>
-          </a:p>
-          <a:p>
-            <a:r>
-              <a:rPr lang="en-US" altLang="ko-KR" sz="1200"/>
-              <a:t>kitae : 180</a:t>
-            </a:r>
-          </a:p>
-          <a:p>
-            <a:r>
-              <a:rPr lang="en-US" altLang="ko-KR" sz="1200"/>
-              <a:t>kitae : 190</a:t>
-            </a:r>
-          </a:p>
-          <a:p>
-            <a:r>
-              <a:rPr lang="en-US" altLang="ko-KR" sz="1200"/>
-              <a:t>kitae : 200</a:t>
-            </a:r>
-          </a:p>
-        </p:txBody>
-      </p:sp>
-      <p:sp>
-        <p:nvSpPr>
-          <p:cNvPr id="8" name="TextBox 7"/>
+          <p:cNvPr id="7" name="TextBox 6"/>
           <p:cNvSpPr txBox="1"/>
           <p:nvPr/>
         </p:nvSpPr>
         <p:spPr>
           <a:xfrm>
-            <a:off x="7344010" y="1340769"/>
-            <a:ext cx="2688557" cy="646331"/>
+            <a:off x="6307470" y="6187717"/>
+            <a:ext cx="1876860" cy="276999"/>
           </a:xfrm>
           <a:prstGeom prst="rect">
             <a:avLst/>
@@ -22902,67 +22211,13 @@
           </a:bodyPr>
           <a:lstStyle/>
           <a:p>
-            <a:pPr>
-              <a:buFont typeface="Arial" pitchFamily="34" charset="0"/>
-              <a:buChar char="•"/>
-            </a:pPr>
+            <a:r>
+              <a:rPr lang="en-US" altLang="ko-KR" sz="1200" dirty="0"/>
+              <a:t>synchronized </a:t>
+            </a:r>
             <a:r>
               <a:rPr lang="ko-KR" altLang="en-US" sz="1200" dirty="0"/>
-              <a:t> </a:t>
-            </a:r>
-            <a:r>
-              <a:rPr lang="ko-KR" altLang="en-US" sz="1200" dirty="0" err="1"/>
-              <a:t>집계판</a:t>
-            </a:r>
-            <a:r>
-              <a:rPr lang="ko-KR" altLang="en-US" sz="1200" dirty="0"/>
-              <a:t> </a:t>
-            </a:r>
-            <a:r>
-              <a:rPr lang="en-US" altLang="ko-KR" sz="1200" dirty="0"/>
-              <a:t>: class </a:t>
-            </a:r>
-            <a:r>
-              <a:rPr lang="en-US" altLang="ko-KR" sz="1200" dirty="0" err="1"/>
-              <a:t>SharedBoard</a:t>
-            </a:r>
-            <a:endParaRPr lang="en-US" altLang="ko-KR" sz="1200" dirty="0"/>
-          </a:p>
-          <a:p>
-            <a:pPr>
-              <a:buFont typeface="Arial" pitchFamily="34" charset="0"/>
-              <a:buChar char="•"/>
-            </a:pPr>
-            <a:r>
-              <a:rPr lang="ko-KR" altLang="en-US" sz="1200" dirty="0"/>
-              <a:t> 각 학생 </a:t>
-            </a:r>
-            <a:r>
-              <a:rPr lang="en-US" altLang="ko-KR" sz="1200" dirty="0"/>
-              <a:t>: class </a:t>
-            </a:r>
-            <a:r>
-              <a:rPr lang="en-US" altLang="ko-KR" sz="1200" dirty="0" err="1"/>
-              <a:t>StudentThread</a:t>
-            </a:r>
-            <a:endParaRPr lang="en-US" altLang="ko-KR" sz="1200" dirty="0"/>
-          </a:p>
-          <a:p>
-            <a:r>
-              <a:rPr lang="en-US" altLang="ko-KR" sz="1200" dirty="0"/>
-              <a:t>             (</a:t>
-            </a:r>
-            <a:r>
-              <a:rPr lang="ko-KR" altLang="en-US" sz="1200" dirty="0"/>
-              <a:t>각 학생은 하나의 </a:t>
-            </a:r>
-            <a:r>
-              <a:rPr lang="ko-KR" altLang="en-US" sz="1200" dirty="0" err="1"/>
-              <a:t>스레드</a:t>
-            </a:r>
-            <a:r>
-              <a:rPr lang="en-US" altLang="ko-KR" sz="1200" dirty="0"/>
-              <a:t>)</a:t>
+              <a:t>코드 블록 </a:t>
             </a:r>
           </a:p>
         </p:txBody>
@@ -22989,14 +22244,14 @@
               <a:pPr/>
               <a:t>39</a:t>
             </a:fld>
-            <a:endParaRPr lang="ko-KR" altLang="en-US" dirty="0"/>
+            <a:endParaRPr lang="ko-KR" altLang="en-US"/>
           </a:p>
         </p:txBody>
       </p:sp>
     </p:spTree>
     <p:extLst>
       <p:ext uri="{BB962C8B-B14F-4D97-AF65-F5344CB8AC3E}">
-        <p14:creationId xmlns:p14="http://schemas.microsoft.com/office/powerpoint/2010/main" val="2543662680"/>
+        <p14:creationId xmlns:p14="http://schemas.microsoft.com/office/powerpoint/2010/main" val="601102831"/>
       </p:ext>
     </p:extLst>
   </p:cSld>
@@ -23375,6 +22630,1019 @@
         </p:nvSpPr>
         <p:spPr>
           <a:xfrm>
+            <a:off x="838200" y="15206"/>
+            <a:ext cx="10515600" cy="1325563"/>
+          </a:xfrm>
+        </p:spPr>
+        <p:txBody>
+          <a:bodyPr>
+            <a:normAutofit/>
+          </a:bodyPr>
+          <a:lstStyle/>
+          <a:p>
+            <a:r>
+              <a:rPr lang="en-US" altLang="ko-KR" sz="3600" dirty="0" smtClean="0"/>
+              <a:t>synchronized </a:t>
+            </a:r>
+            <a:r>
+              <a:rPr lang="ko-KR" altLang="en-US" sz="3600" dirty="0" smtClean="0"/>
+              <a:t>사용 예 </a:t>
+            </a:r>
+            <a:r>
+              <a:rPr lang="en-US" altLang="ko-KR" sz="3600" dirty="0" smtClean="0"/>
+              <a:t>: </a:t>
+            </a:r>
+            <a:r>
+              <a:rPr lang="ko-KR" altLang="en-US" sz="3600" dirty="0" smtClean="0"/>
+              <a:t>공유 </a:t>
+            </a:r>
+            <a:r>
+              <a:rPr lang="ko-KR" altLang="en-US" sz="3600" dirty="0" err="1" smtClean="0"/>
+              <a:t>집계판</a:t>
+            </a:r>
+            <a:r>
+              <a:rPr lang="ko-KR" altLang="en-US" sz="3600" dirty="0" smtClean="0"/>
+              <a:t> 사례를 코딩</a:t>
+            </a:r>
+            <a:endParaRPr lang="ko-KR" altLang="en-US" sz="3600" dirty="0"/>
+          </a:p>
+        </p:txBody>
+      </p:sp>
+      <p:sp>
+        <p:nvSpPr>
+          <p:cNvPr id="4" name="직사각형 3"/>
+          <p:cNvSpPr/>
+          <p:nvPr/>
+        </p:nvSpPr>
+        <p:spPr>
+          <a:xfrm>
+            <a:off x="2089596" y="1320468"/>
+            <a:ext cx="4693946" cy="5478423"/>
+          </a:xfrm>
+          <a:prstGeom prst="rect">
+            <a:avLst/>
+          </a:prstGeom>
+          <a:solidFill>
+            <a:schemeClr val="accent1">
+              <a:lumMod val="40000"/>
+              <a:lumOff val="60000"/>
+            </a:schemeClr>
+          </a:solidFill>
+          <a:ln>
+            <a:solidFill>
+              <a:schemeClr val="accent1">
+                <a:lumMod val="75000"/>
+              </a:schemeClr>
+            </a:solidFill>
+          </a:ln>
+        </p:spPr>
+        <p:txBody>
+          <a:bodyPr wrap="square">
+            <a:spAutoFit/>
+          </a:bodyPr>
+          <a:lstStyle/>
+          <a:p>
+            <a:pPr defTabSz="180000"/>
+            <a:r>
+              <a:rPr lang="en-US" altLang="ko-KR" sz="1000" b="1" dirty="0"/>
+              <a:t>public class </a:t>
+            </a:r>
+            <a:r>
+              <a:rPr lang="en-US" altLang="ko-KR" sz="1000" b="1" dirty="0" err="1"/>
+              <a:t>SynchronizedEx</a:t>
+            </a:r>
+            <a:r>
+              <a:rPr lang="en-US" altLang="ko-KR" sz="1000" b="1" dirty="0"/>
+              <a:t> </a:t>
+            </a:r>
+            <a:r>
+              <a:rPr lang="en-US" altLang="ko-KR" sz="1000" dirty="0"/>
+              <a:t>{</a:t>
+            </a:r>
+          </a:p>
+          <a:p>
+            <a:pPr defTabSz="180000"/>
+            <a:r>
+              <a:rPr lang="en-US" altLang="ko-KR" sz="1000" dirty="0"/>
+              <a:t>	public static void main(String [] </a:t>
+            </a:r>
+            <a:r>
+              <a:rPr lang="en-US" altLang="ko-KR" sz="1000" dirty="0" err="1"/>
+              <a:t>args</a:t>
+            </a:r>
+            <a:r>
+              <a:rPr lang="en-US" altLang="ko-KR" sz="1000" dirty="0"/>
+              <a:t>) {</a:t>
+            </a:r>
+          </a:p>
+          <a:p>
+            <a:pPr defTabSz="180000"/>
+            <a:r>
+              <a:rPr lang="en-US" altLang="ko-KR" sz="1000" dirty="0"/>
+              <a:t>		</a:t>
+            </a:r>
+            <a:r>
+              <a:rPr lang="en-US" altLang="ko-KR" sz="1000" dirty="0" err="1"/>
+              <a:t>SharedBoard</a:t>
+            </a:r>
+            <a:r>
+              <a:rPr lang="en-US" altLang="ko-KR" sz="1000" dirty="0"/>
+              <a:t> board = </a:t>
+            </a:r>
+            <a:r>
+              <a:rPr lang="en-US" altLang="ko-KR" sz="1000" b="1" dirty="0"/>
+              <a:t>new </a:t>
+            </a:r>
+            <a:r>
+              <a:rPr lang="en-US" altLang="ko-KR" sz="1000" b="1" dirty="0" err="1"/>
+              <a:t>SharedBoard</a:t>
+            </a:r>
+            <a:r>
+              <a:rPr lang="en-US" altLang="ko-KR" sz="1000" b="1" dirty="0"/>
+              <a:t>(); </a:t>
+            </a:r>
+            <a:endParaRPr lang="ko-KR" altLang="en-US" sz="1000" b="1" dirty="0"/>
+          </a:p>
+          <a:p>
+            <a:pPr defTabSz="180000"/>
+            <a:r>
+              <a:rPr lang="en-US" altLang="ko-KR" sz="1000" dirty="0"/>
+              <a:t>		Thread th1 = </a:t>
+            </a:r>
+            <a:r>
+              <a:rPr lang="en-US" altLang="ko-KR" sz="1000" b="1" dirty="0"/>
+              <a:t>new </a:t>
+            </a:r>
+            <a:r>
+              <a:rPr lang="en-US" altLang="ko-KR" sz="1000" b="1" dirty="0" err="1"/>
+              <a:t>StudentThread</a:t>
+            </a:r>
+            <a:r>
+              <a:rPr lang="en-US" altLang="ko-KR" sz="1000" b="1" dirty="0"/>
+              <a:t>("</a:t>
+            </a:r>
+            <a:r>
+              <a:rPr lang="en-US" altLang="ko-KR" sz="1000" b="1" dirty="0" err="1"/>
+              <a:t>kitae</a:t>
+            </a:r>
+            <a:r>
+              <a:rPr lang="en-US" altLang="ko-KR" sz="1000" b="1" dirty="0"/>
+              <a:t>", board);</a:t>
+            </a:r>
+            <a:endParaRPr lang="ko-KR" altLang="en-US" sz="1000" b="1" dirty="0"/>
+          </a:p>
+          <a:p>
+            <a:pPr defTabSz="180000"/>
+            <a:r>
+              <a:rPr lang="en-US" altLang="ko-KR" sz="1000" dirty="0"/>
+              <a:t>		Thread th2 = </a:t>
+            </a:r>
+            <a:r>
+              <a:rPr lang="en-US" altLang="ko-KR" sz="1000" b="1" dirty="0"/>
+              <a:t>new </a:t>
+            </a:r>
+            <a:r>
+              <a:rPr lang="en-US" altLang="ko-KR" sz="1000" b="1" dirty="0" err="1"/>
+              <a:t>StudentThread</a:t>
+            </a:r>
+            <a:r>
+              <a:rPr lang="en-US" altLang="ko-KR" sz="1000" b="1" dirty="0"/>
+              <a:t>("</a:t>
+            </a:r>
+            <a:r>
+              <a:rPr lang="en-US" altLang="ko-KR" sz="1000" b="1" dirty="0" err="1"/>
+              <a:t>hyosoo</a:t>
+            </a:r>
+            <a:r>
+              <a:rPr lang="en-US" altLang="ko-KR" sz="1000" b="1" dirty="0"/>
+              <a:t>", board);</a:t>
+            </a:r>
+            <a:endParaRPr lang="ko-KR" altLang="en-US" sz="1000" b="1" dirty="0"/>
+          </a:p>
+          <a:p>
+            <a:pPr defTabSz="180000"/>
+            <a:r>
+              <a:rPr lang="en-US" altLang="ko-KR" sz="1000" dirty="0"/>
+              <a:t>		</a:t>
+            </a:r>
+            <a:r>
+              <a:rPr lang="en-US" altLang="ko-KR" sz="1000" b="1" dirty="0"/>
+              <a:t>th1.start();</a:t>
+            </a:r>
+          </a:p>
+          <a:p>
+            <a:pPr defTabSz="180000"/>
+            <a:r>
+              <a:rPr lang="en-US" altLang="ko-KR" sz="1000" b="1" dirty="0"/>
+              <a:t>		th2.start();</a:t>
+            </a:r>
+          </a:p>
+          <a:p>
+            <a:pPr defTabSz="180000"/>
+            <a:r>
+              <a:rPr lang="en-US" altLang="ko-KR" sz="1000" dirty="0"/>
+              <a:t>	}</a:t>
+            </a:r>
+          </a:p>
+          <a:p>
+            <a:pPr defTabSz="180000"/>
+            <a:r>
+              <a:rPr lang="en-US" altLang="ko-KR" sz="1000" dirty="0"/>
+              <a:t>}</a:t>
+            </a:r>
+          </a:p>
+          <a:p>
+            <a:pPr defTabSz="180000"/>
+            <a:endParaRPr lang="en-US" altLang="ko-KR" sz="1000" dirty="0"/>
+          </a:p>
+          <a:p>
+            <a:pPr defTabSz="180000"/>
+            <a:r>
+              <a:rPr lang="en-US" altLang="ko-KR" sz="1000" b="1" dirty="0"/>
+              <a:t>class </a:t>
+            </a:r>
+            <a:r>
+              <a:rPr lang="en-US" altLang="ko-KR" sz="1000" b="1" dirty="0" err="1"/>
+              <a:t>SharedBoard</a:t>
+            </a:r>
+            <a:r>
+              <a:rPr lang="en-US" altLang="ko-KR" sz="1000" dirty="0"/>
+              <a:t> {</a:t>
+            </a:r>
+          </a:p>
+          <a:p>
+            <a:pPr defTabSz="180000"/>
+            <a:r>
+              <a:rPr lang="en-US" altLang="ko-KR" sz="1000" dirty="0"/>
+              <a:t>	private </a:t>
+            </a:r>
+            <a:r>
+              <a:rPr lang="en-US" altLang="ko-KR" sz="1000" dirty="0" err="1"/>
+              <a:t>int</a:t>
+            </a:r>
+            <a:r>
+              <a:rPr lang="en-US" altLang="ko-KR" sz="1000" dirty="0"/>
+              <a:t> sum = 0; // </a:t>
+            </a:r>
+            <a:r>
+              <a:rPr lang="ko-KR" altLang="en-US" sz="1000" dirty="0" err="1"/>
+              <a:t>집계판의</a:t>
+            </a:r>
+            <a:r>
+              <a:rPr lang="ko-KR" altLang="en-US" sz="1000" dirty="0"/>
+              <a:t> 합</a:t>
+            </a:r>
+          </a:p>
+          <a:p>
+            <a:pPr defTabSz="180000"/>
+            <a:r>
+              <a:rPr lang="en-US" altLang="ko-KR" sz="1000" dirty="0"/>
+              <a:t>	</a:t>
+            </a:r>
+            <a:r>
+              <a:rPr lang="en-US" altLang="ko-KR" sz="1000" b="1" dirty="0">
+                <a:solidFill>
+                  <a:srgbClr val="FF0000"/>
+                </a:solidFill>
+              </a:rPr>
+              <a:t>synchronized </a:t>
+            </a:r>
+            <a:r>
+              <a:rPr lang="en-US" altLang="ko-KR" sz="1000" b="1" dirty="0"/>
+              <a:t>public void add() {</a:t>
+            </a:r>
+          </a:p>
+          <a:p>
+            <a:pPr defTabSz="180000"/>
+            <a:r>
+              <a:rPr lang="en-US" altLang="ko-KR" sz="1000" dirty="0"/>
+              <a:t>		</a:t>
+            </a:r>
+            <a:r>
+              <a:rPr lang="en-US" altLang="ko-KR" sz="1000" dirty="0" err="1"/>
+              <a:t>int</a:t>
+            </a:r>
+            <a:r>
+              <a:rPr lang="en-US" altLang="ko-KR" sz="1000" dirty="0"/>
+              <a:t> n = sum;</a:t>
+            </a:r>
+          </a:p>
+          <a:p>
+            <a:pPr defTabSz="180000"/>
+            <a:r>
+              <a:rPr lang="en-US" altLang="ko-KR" sz="1000" dirty="0"/>
+              <a:t>		</a:t>
+            </a:r>
+            <a:r>
+              <a:rPr lang="en-US" altLang="ko-KR" sz="1000" dirty="0" err="1"/>
+              <a:t>Thread.yield</a:t>
+            </a:r>
+            <a:r>
+              <a:rPr lang="en-US" altLang="ko-KR" sz="1000" dirty="0"/>
+              <a:t>(); // </a:t>
+            </a:r>
+            <a:r>
+              <a:rPr lang="ko-KR" altLang="en-US" sz="1000" dirty="0"/>
+              <a:t>현재 실행 중인 </a:t>
+            </a:r>
+            <a:r>
+              <a:rPr lang="ko-KR" altLang="en-US" sz="1000" dirty="0" err="1"/>
+              <a:t>스레드</a:t>
+            </a:r>
+            <a:r>
+              <a:rPr lang="ko-KR" altLang="en-US" sz="1000" dirty="0"/>
+              <a:t> 양보</a:t>
+            </a:r>
+          </a:p>
+          <a:p>
+            <a:pPr defTabSz="180000"/>
+            <a:r>
+              <a:rPr lang="en-US" altLang="ko-KR" sz="1000" dirty="0"/>
+              <a:t>		n += 10; // 10 </a:t>
+            </a:r>
+            <a:r>
+              <a:rPr lang="ko-KR" altLang="en-US" sz="1000" dirty="0"/>
+              <a:t>증가</a:t>
+            </a:r>
+          </a:p>
+          <a:p>
+            <a:pPr defTabSz="180000"/>
+            <a:r>
+              <a:rPr lang="en-US" altLang="ko-KR" sz="1000" dirty="0"/>
+              <a:t>		sum = n; // </a:t>
+            </a:r>
+            <a:r>
+              <a:rPr lang="ko-KR" altLang="en-US" sz="1000" dirty="0"/>
+              <a:t>증가한 값을 </a:t>
+            </a:r>
+            <a:r>
+              <a:rPr lang="ko-KR" altLang="en-US" sz="1000" dirty="0" err="1"/>
+              <a:t>집계합에</a:t>
+            </a:r>
+            <a:r>
+              <a:rPr lang="ko-KR" altLang="en-US" sz="1000" dirty="0"/>
+              <a:t> 기록</a:t>
+            </a:r>
+          </a:p>
+          <a:p>
+            <a:pPr defTabSz="180000"/>
+            <a:r>
+              <a:rPr lang="en-US" altLang="ko-KR" sz="1000" dirty="0"/>
+              <a:t>		</a:t>
+            </a:r>
+            <a:r>
+              <a:rPr lang="en-US" altLang="ko-KR" sz="1000" dirty="0" err="1"/>
+              <a:t>System.out.println</a:t>
+            </a:r>
+            <a:r>
+              <a:rPr lang="en-US" altLang="ko-KR" sz="1000" dirty="0"/>
+              <a:t>(</a:t>
+            </a:r>
+            <a:r>
+              <a:rPr lang="en-US" altLang="ko-KR" sz="1000" dirty="0" err="1"/>
+              <a:t>Thread.currentThread</a:t>
+            </a:r>
+            <a:r>
+              <a:rPr lang="en-US" altLang="ko-KR" sz="1000" dirty="0"/>
+              <a:t>().</a:t>
+            </a:r>
+            <a:r>
+              <a:rPr lang="en-US" altLang="ko-KR" sz="1000" dirty="0" err="1"/>
+              <a:t>getName</a:t>
+            </a:r>
+            <a:r>
+              <a:rPr lang="en-US" altLang="ko-KR" sz="1000" dirty="0"/>
+              <a:t>() + " : " + sum);</a:t>
+            </a:r>
+          </a:p>
+          <a:p>
+            <a:pPr defTabSz="180000"/>
+            <a:r>
+              <a:rPr lang="en-US" altLang="ko-KR" sz="1000" dirty="0"/>
+              <a:t>	}</a:t>
+            </a:r>
+          </a:p>
+          <a:p>
+            <a:pPr defTabSz="180000"/>
+            <a:r>
+              <a:rPr lang="en-US" altLang="ko-KR" sz="1000" dirty="0"/>
+              <a:t>	public </a:t>
+            </a:r>
+            <a:r>
+              <a:rPr lang="en-US" altLang="ko-KR" sz="1000" dirty="0" err="1"/>
+              <a:t>int</a:t>
+            </a:r>
+            <a:r>
+              <a:rPr lang="en-US" altLang="ko-KR" sz="1000" dirty="0"/>
+              <a:t> </a:t>
+            </a:r>
+            <a:r>
+              <a:rPr lang="en-US" altLang="ko-KR" sz="1000" dirty="0" err="1"/>
+              <a:t>getSum</a:t>
+            </a:r>
+            <a:r>
+              <a:rPr lang="en-US" altLang="ko-KR" sz="1000" dirty="0"/>
+              <a:t>() { return sum; }</a:t>
+            </a:r>
+          </a:p>
+          <a:p>
+            <a:pPr defTabSz="180000"/>
+            <a:r>
+              <a:rPr lang="en-US" altLang="ko-KR" sz="1000" dirty="0"/>
+              <a:t>}</a:t>
+            </a:r>
+          </a:p>
+          <a:p>
+            <a:pPr defTabSz="180000"/>
+            <a:endParaRPr lang="en-US" altLang="ko-KR" sz="1000" dirty="0"/>
+          </a:p>
+          <a:p>
+            <a:pPr defTabSz="180000"/>
+            <a:r>
+              <a:rPr lang="en-US" altLang="ko-KR" sz="1000" b="1" dirty="0"/>
+              <a:t>class </a:t>
+            </a:r>
+            <a:r>
+              <a:rPr lang="en-US" altLang="ko-KR" sz="1000" b="1" dirty="0" err="1"/>
+              <a:t>StudentThread</a:t>
+            </a:r>
+            <a:r>
+              <a:rPr lang="en-US" altLang="ko-KR" sz="1000" b="1" dirty="0"/>
+              <a:t> extends Thread </a:t>
+            </a:r>
+            <a:r>
+              <a:rPr lang="en-US" altLang="ko-KR" sz="1000" dirty="0"/>
+              <a:t>{</a:t>
+            </a:r>
+          </a:p>
+          <a:p>
+            <a:pPr defTabSz="180000"/>
+            <a:r>
+              <a:rPr lang="en-US" altLang="ko-KR" sz="1000" dirty="0"/>
+              <a:t>	private </a:t>
+            </a:r>
+            <a:r>
+              <a:rPr lang="en-US" altLang="ko-KR" sz="1000" dirty="0" err="1"/>
+              <a:t>SharedBoard</a:t>
+            </a:r>
+            <a:r>
+              <a:rPr lang="en-US" altLang="ko-KR" sz="1000" dirty="0"/>
+              <a:t> board; // </a:t>
+            </a:r>
+            <a:r>
+              <a:rPr lang="ko-KR" altLang="en-US" sz="1000" dirty="0" err="1"/>
+              <a:t>집계판의</a:t>
+            </a:r>
+            <a:r>
+              <a:rPr lang="ko-KR" altLang="en-US" sz="1000" dirty="0"/>
+              <a:t> 주소</a:t>
+            </a:r>
+          </a:p>
+          <a:p>
+            <a:pPr defTabSz="180000"/>
+            <a:r>
+              <a:rPr lang="en-US" altLang="ko-KR" sz="1000" dirty="0"/>
+              <a:t>	public </a:t>
+            </a:r>
+            <a:r>
+              <a:rPr lang="en-US" altLang="ko-KR" sz="1000" dirty="0" err="1"/>
+              <a:t>StudentThread</a:t>
+            </a:r>
+            <a:r>
+              <a:rPr lang="en-US" altLang="ko-KR" sz="1000" dirty="0"/>
+              <a:t>(String name, </a:t>
+            </a:r>
+            <a:r>
+              <a:rPr lang="en-US" altLang="ko-KR" sz="1000" dirty="0" err="1"/>
+              <a:t>SharedBoard</a:t>
+            </a:r>
+            <a:r>
+              <a:rPr lang="en-US" altLang="ko-KR" sz="1000" dirty="0"/>
+              <a:t> board) {</a:t>
+            </a:r>
+          </a:p>
+          <a:p>
+            <a:pPr defTabSz="180000"/>
+            <a:r>
+              <a:rPr lang="en-US" altLang="ko-KR" sz="1000" dirty="0"/>
+              <a:t>		super(name);</a:t>
+            </a:r>
+          </a:p>
+          <a:p>
+            <a:pPr defTabSz="180000"/>
+            <a:r>
+              <a:rPr lang="en-US" altLang="ko-KR" sz="1000" dirty="0"/>
+              <a:t>		</a:t>
+            </a:r>
+            <a:r>
+              <a:rPr lang="en-US" altLang="ko-KR" sz="1000" dirty="0" err="1"/>
+              <a:t>this.board</a:t>
+            </a:r>
+            <a:r>
+              <a:rPr lang="en-US" altLang="ko-KR" sz="1000" dirty="0"/>
+              <a:t> = board;</a:t>
+            </a:r>
+          </a:p>
+          <a:p>
+            <a:pPr defTabSz="180000"/>
+            <a:r>
+              <a:rPr lang="en-US" altLang="ko-KR" sz="1000" dirty="0"/>
+              <a:t>	}</a:t>
+            </a:r>
+          </a:p>
+          <a:p>
+            <a:pPr defTabSz="180000"/>
+            <a:r>
+              <a:rPr lang="en-US" altLang="ko-KR" sz="1000" dirty="0"/>
+              <a:t>	</a:t>
+            </a:r>
+          </a:p>
+          <a:p>
+            <a:pPr defTabSz="180000"/>
+            <a:r>
+              <a:rPr lang="en-US" altLang="ko-KR" sz="1000" dirty="0"/>
+              <a:t>	@Override</a:t>
+            </a:r>
+          </a:p>
+          <a:p>
+            <a:pPr defTabSz="180000"/>
+            <a:r>
+              <a:rPr lang="en-US" altLang="ko-KR" sz="1000" dirty="0"/>
+              <a:t>	</a:t>
+            </a:r>
+            <a:r>
+              <a:rPr lang="en-US" altLang="ko-KR" sz="1000" b="1" dirty="0"/>
+              <a:t>public void run() {</a:t>
+            </a:r>
+          </a:p>
+          <a:p>
+            <a:pPr defTabSz="180000"/>
+            <a:r>
+              <a:rPr lang="en-US" altLang="ko-KR" sz="1000" b="1" dirty="0"/>
+              <a:t>		for(</a:t>
+            </a:r>
+            <a:r>
+              <a:rPr lang="en-US" altLang="ko-KR" sz="1000" b="1" dirty="0" err="1"/>
+              <a:t>int</a:t>
+            </a:r>
+            <a:r>
+              <a:rPr lang="en-US" altLang="ko-KR" sz="1000" b="1" dirty="0"/>
+              <a:t> </a:t>
+            </a:r>
+            <a:r>
+              <a:rPr lang="en-US" altLang="ko-KR" sz="1000" b="1" dirty="0" err="1"/>
+              <a:t>i</a:t>
+            </a:r>
+            <a:r>
+              <a:rPr lang="en-US" altLang="ko-KR" sz="1000" b="1" dirty="0"/>
+              <a:t>=0; </a:t>
+            </a:r>
+            <a:r>
+              <a:rPr lang="en-US" altLang="ko-KR" sz="1000" b="1" dirty="0" err="1"/>
+              <a:t>i</a:t>
+            </a:r>
+            <a:r>
+              <a:rPr lang="en-US" altLang="ko-KR" sz="1000" b="1" dirty="0"/>
+              <a:t>&lt;10; </a:t>
+            </a:r>
+            <a:r>
+              <a:rPr lang="en-US" altLang="ko-KR" sz="1000" b="1" dirty="0" err="1"/>
+              <a:t>i</a:t>
+            </a:r>
+            <a:r>
+              <a:rPr lang="en-US" altLang="ko-KR" sz="1000" b="1" dirty="0"/>
+              <a:t>++)</a:t>
+            </a:r>
+          </a:p>
+          <a:p>
+            <a:pPr defTabSz="180000"/>
+            <a:r>
+              <a:rPr lang="en-US" altLang="ko-KR" sz="1000" b="1" dirty="0"/>
+              <a:t>			</a:t>
+            </a:r>
+            <a:r>
+              <a:rPr lang="en-US" altLang="ko-KR" sz="1000" b="1" dirty="0" err="1"/>
+              <a:t>board.add</a:t>
+            </a:r>
+            <a:r>
+              <a:rPr lang="en-US" altLang="ko-KR" sz="1000" b="1" dirty="0"/>
+              <a:t>();</a:t>
+            </a:r>
+          </a:p>
+          <a:p>
+            <a:pPr defTabSz="180000"/>
+            <a:r>
+              <a:rPr lang="en-US" altLang="ko-KR" sz="1000" b="1" dirty="0"/>
+              <a:t>	}</a:t>
+            </a:r>
+          </a:p>
+          <a:p>
+            <a:pPr defTabSz="180000"/>
+            <a:r>
+              <a:rPr lang="en-US" altLang="ko-KR" sz="1000" dirty="0"/>
+              <a:t>}</a:t>
+            </a:r>
+            <a:endParaRPr lang="ko-KR" altLang="en-US" sz="1000" dirty="0"/>
+          </a:p>
+        </p:txBody>
+      </p:sp>
+      <p:sp>
+        <p:nvSpPr>
+          <p:cNvPr id="6" name="TextBox 5"/>
+          <p:cNvSpPr txBox="1"/>
+          <p:nvPr/>
+        </p:nvSpPr>
+        <p:spPr>
+          <a:xfrm>
+            <a:off x="7344009" y="5949281"/>
+            <a:ext cx="2443298" cy="830997"/>
+          </a:xfrm>
+          <a:prstGeom prst="rect">
+            <a:avLst/>
+          </a:prstGeom>
+          <a:noFill/>
+        </p:spPr>
+        <p:txBody>
+          <a:bodyPr wrap="none" rtlCol="0">
+            <a:spAutoFit/>
+          </a:bodyPr>
+          <a:lstStyle/>
+          <a:p>
+            <a:r>
+              <a:rPr lang="en-US" altLang="ko-KR" sz="1200" dirty="0" err="1"/>
+              <a:t>kitae</a:t>
+            </a:r>
+            <a:r>
+              <a:rPr lang="ko-KR" altLang="en-US" sz="1200" dirty="0"/>
+              <a:t>와 </a:t>
+            </a:r>
+            <a:r>
+              <a:rPr lang="en-US" altLang="ko-KR" sz="1200" dirty="0" err="1"/>
+              <a:t>hyosoo</a:t>
+            </a:r>
+            <a:r>
+              <a:rPr lang="ko-KR" altLang="en-US" sz="1200" dirty="0"/>
+              <a:t>가 각각 </a:t>
+            </a:r>
+            <a:endParaRPr lang="en-US" altLang="ko-KR" sz="1200" dirty="0"/>
+          </a:p>
+          <a:p>
+            <a:r>
+              <a:rPr lang="en-US" altLang="ko-KR" sz="1200" dirty="0"/>
+              <a:t>10</a:t>
+            </a:r>
+            <a:r>
+              <a:rPr lang="ko-KR" altLang="en-US" sz="1200" dirty="0"/>
+              <a:t>번씩 </a:t>
+            </a:r>
+            <a:r>
+              <a:rPr lang="en-US" altLang="ko-KR" sz="1200" dirty="0"/>
+              <a:t>add()</a:t>
+            </a:r>
+            <a:r>
+              <a:rPr lang="ko-KR" altLang="en-US" sz="1200" dirty="0"/>
+              <a:t>를 호출</a:t>
+            </a:r>
+            <a:r>
+              <a:rPr lang="en-US" altLang="ko-KR" sz="1200" dirty="0"/>
+              <a:t>,</a:t>
+            </a:r>
+          </a:p>
+          <a:p>
+            <a:r>
+              <a:rPr lang="ko-KR" altLang="en-US" sz="1200" dirty="0"/>
+              <a:t>동기화가 잘 이루어져서</a:t>
+            </a:r>
+            <a:endParaRPr lang="en-US" altLang="ko-KR" sz="1200" dirty="0"/>
+          </a:p>
+          <a:p>
+            <a:r>
+              <a:rPr lang="ko-KR" altLang="en-US" sz="1200" dirty="0"/>
+              <a:t>최종 누적 점수 </a:t>
+            </a:r>
+            <a:r>
+              <a:rPr lang="en-US" altLang="ko-KR" sz="1200" dirty="0"/>
+              <a:t>sum</a:t>
+            </a:r>
+            <a:r>
+              <a:rPr lang="ko-KR" altLang="en-US" sz="1200" dirty="0"/>
+              <a:t>이 </a:t>
+            </a:r>
+            <a:r>
+              <a:rPr lang="en-US" altLang="ko-KR" sz="1200" dirty="0"/>
+              <a:t>200</a:t>
+            </a:r>
+            <a:r>
+              <a:rPr lang="ko-KR" altLang="en-US" sz="1200" dirty="0"/>
+              <a:t>이 됨</a:t>
+            </a:r>
+            <a:endParaRPr lang="en-US" altLang="ko-KR" sz="1200" dirty="0"/>
+          </a:p>
+        </p:txBody>
+      </p:sp>
+      <p:sp>
+        <p:nvSpPr>
+          <p:cNvPr id="7" name="직사각형 6"/>
+          <p:cNvSpPr/>
+          <p:nvPr/>
+        </p:nvSpPr>
+        <p:spPr>
+          <a:xfrm>
+            <a:off x="7344010" y="1999520"/>
+            <a:ext cx="2146399" cy="3785652"/>
+          </a:xfrm>
+          <a:prstGeom prst="rect">
+            <a:avLst/>
+          </a:prstGeom>
+          <a:solidFill>
+            <a:srgbClr val="DAEEC4"/>
+          </a:solidFill>
+          <a:ln>
+            <a:noFill/>
+          </a:ln>
+        </p:spPr>
+        <p:txBody>
+          <a:bodyPr wrap="square" rtlCol="0">
+            <a:spAutoFit/>
+          </a:bodyPr>
+          <a:lstStyle/>
+          <a:p>
+            <a:r>
+              <a:rPr lang="en-US" altLang="ko-KR" sz="1200"/>
+              <a:t>kitae : 10</a:t>
+            </a:r>
+          </a:p>
+          <a:p>
+            <a:r>
+              <a:rPr lang="en-US" altLang="ko-KR" sz="1200"/>
+              <a:t>hyosoo : 20</a:t>
+            </a:r>
+          </a:p>
+          <a:p>
+            <a:r>
+              <a:rPr lang="en-US" altLang="ko-KR" sz="1200"/>
+              <a:t>kitae : 30</a:t>
+            </a:r>
+          </a:p>
+          <a:p>
+            <a:r>
+              <a:rPr lang="en-US" altLang="ko-KR" sz="1200"/>
+              <a:t>hyosoo : 40</a:t>
+            </a:r>
+          </a:p>
+          <a:p>
+            <a:r>
+              <a:rPr lang="en-US" altLang="ko-KR" sz="1200"/>
+              <a:t>kitae : 50</a:t>
+            </a:r>
+          </a:p>
+          <a:p>
+            <a:r>
+              <a:rPr lang="en-US" altLang="ko-KR" sz="1200"/>
+              <a:t>hyosoo : 60</a:t>
+            </a:r>
+          </a:p>
+          <a:p>
+            <a:r>
+              <a:rPr lang="en-US" altLang="ko-KR" sz="1200"/>
+              <a:t>kitae : 70</a:t>
+            </a:r>
+          </a:p>
+          <a:p>
+            <a:r>
+              <a:rPr lang="en-US" altLang="ko-KR" sz="1200"/>
+              <a:t>hyosoo : 80</a:t>
+            </a:r>
+          </a:p>
+          <a:p>
+            <a:r>
+              <a:rPr lang="en-US" altLang="ko-KR" sz="1200"/>
+              <a:t>hyosoo : 90</a:t>
+            </a:r>
+          </a:p>
+          <a:p>
+            <a:r>
+              <a:rPr lang="en-US" altLang="ko-KR" sz="1200"/>
+              <a:t>hyosoo : 100</a:t>
+            </a:r>
+          </a:p>
+          <a:p>
+            <a:r>
+              <a:rPr lang="en-US" altLang="ko-KR" sz="1200"/>
+              <a:t>hyosoo : 110</a:t>
+            </a:r>
+          </a:p>
+          <a:p>
+            <a:r>
+              <a:rPr lang="en-US" altLang="ko-KR" sz="1200"/>
+              <a:t>hyosoo : 120</a:t>
+            </a:r>
+          </a:p>
+          <a:p>
+            <a:r>
+              <a:rPr lang="en-US" altLang="ko-KR" sz="1200"/>
+              <a:t>hyosoo : 130</a:t>
+            </a:r>
+          </a:p>
+          <a:p>
+            <a:r>
+              <a:rPr lang="en-US" altLang="ko-KR" sz="1200"/>
+              <a:t>hyosoo : 140</a:t>
+            </a:r>
+          </a:p>
+          <a:p>
+            <a:r>
+              <a:rPr lang="en-US" altLang="ko-KR" sz="1200"/>
+              <a:t>kitae : 150</a:t>
+            </a:r>
+          </a:p>
+          <a:p>
+            <a:r>
+              <a:rPr lang="en-US" altLang="ko-KR" sz="1200"/>
+              <a:t>kitae : 160</a:t>
+            </a:r>
+          </a:p>
+          <a:p>
+            <a:r>
+              <a:rPr lang="en-US" altLang="ko-KR" sz="1200"/>
+              <a:t>kitae : 170</a:t>
+            </a:r>
+          </a:p>
+          <a:p>
+            <a:r>
+              <a:rPr lang="en-US" altLang="ko-KR" sz="1200"/>
+              <a:t>kitae : 180</a:t>
+            </a:r>
+          </a:p>
+          <a:p>
+            <a:r>
+              <a:rPr lang="en-US" altLang="ko-KR" sz="1200"/>
+              <a:t>kitae : 190</a:t>
+            </a:r>
+          </a:p>
+          <a:p>
+            <a:r>
+              <a:rPr lang="en-US" altLang="ko-KR" sz="1200"/>
+              <a:t>kitae : 200</a:t>
+            </a:r>
+          </a:p>
+        </p:txBody>
+      </p:sp>
+      <p:sp>
+        <p:nvSpPr>
+          <p:cNvPr id="8" name="TextBox 7"/>
+          <p:cNvSpPr txBox="1"/>
+          <p:nvPr/>
+        </p:nvSpPr>
+        <p:spPr>
+          <a:xfrm>
+            <a:off x="7344010" y="1340769"/>
+            <a:ext cx="2688557" cy="646331"/>
+          </a:xfrm>
+          <a:prstGeom prst="rect">
+            <a:avLst/>
+          </a:prstGeom>
+          <a:noFill/>
+        </p:spPr>
+        <p:txBody>
+          <a:bodyPr wrap="none" rtlCol="0">
+            <a:spAutoFit/>
+          </a:bodyPr>
+          <a:lstStyle/>
+          <a:p>
+            <a:pPr>
+              <a:buFont typeface="Arial" pitchFamily="34" charset="0"/>
+              <a:buChar char="•"/>
+            </a:pPr>
+            <a:r>
+              <a:rPr lang="ko-KR" altLang="en-US" sz="1200" dirty="0"/>
+              <a:t> </a:t>
+            </a:r>
+            <a:r>
+              <a:rPr lang="ko-KR" altLang="en-US" sz="1200" dirty="0" err="1"/>
+              <a:t>집계판</a:t>
+            </a:r>
+            <a:r>
+              <a:rPr lang="ko-KR" altLang="en-US" sz="1200" dirty="0"/>
+              <a:t> </a:t>
+            </a:r>
+            <a:r>
+              <a:rPr lang="en-US" altLang="ko-KR" sz="1200" dirty="0"/>
+              <a:t>: class </a:t>
+            </a:r>
+            <a:r>
+              <a:rPr lang="en-US" altLang="ko-KR" sz="1200" dirty="0" err="1"/>
+              <a:t>SharedBoard</a:t>
+            </a:r>
+            <a:endParaRPr lang="en-US" altLang="ko-KR" sz="1200" dirty="0"/>
+          </a:p>
+          <a:p>
+            <a:pPr>
+              <a:buFont typeface="Arial" pitchFamily="34" charset="0"/>
+              <a:buChar char="•"/>
+            </a:pPr>
+            <a:r>
+              <a:rPr lang="ko-KR" altLang="en-US" sz="1200" dirty="0"/>
+              <a:t> 각 학생 </a:t>
+            </a:r>
+            <a:r>
+              <a:rPr lang="en-US" altLang="ko-KR" sz="1200" dirty="0"/>
+              <a:t>: class </a:t>
+            </a:r>
+            <a:r>
+              <a:rPr lang="en-US" altLang="ko-KR" sz="1200" dirty="0" err="1"/>
+              <a:t>StudentThread</a:t>
+            </a:r>
+            <a:endParaRPr lang="en-US" altLang="ko-KR" sz="1200" dirty="0"/>
+          </a:p>
+          <a:p>
+            <a:r>
+              <a:rPr lang="en-US" altLang="ko-KR" sz="1200" dirty="0"/>
+              <a:t>             (</a:t>
+            </a:r>
+            <a:r>
+              <a:rPr lang="ko-KR" altLang="en-US" sz="1200" dirty="0"/>
+              <a:t>각 학생은 하나의 </a:t>
+            </a:r>
+            <a:r>
+              <a:rPr lang="ko-KR" altLang="en-US" sz="1200" dirty="0" err="1"/>
+              <a:t>스레드</a:t>
+            </a:r>
+            <a:r>
+              <a:rPr lang="en-US" altLang="ko-KR" sz="1200" dirty="0"/>
+              <a:t>)</a:t>
+            </a:r>
+          </a:p>
+        </p:txBody>
+      </p:sp>
+      <p:sp>
+        <p:nvSpPr>
+          <p:cNvPr id="9" name="슬라이드 번호 개체 틀 8"/>
+          <p:cNvSpPr>
+            <a:spLocks noGrp="1"/>
+          </p:cNvSpPr>
+          <p:nvPr>
+            <p:ph type="sldNum" sz="quarter" idx="12"/>
+          </p:nvPr>
+        </p:nvSpPr>
+        <p:spPr/>
+        <p:txBody>
+          <a:bodyPr>
+            <a:normAutofit/>
+          </a:bodyPr>
+          <a:lstStyle/>
+          <a:p>
+            <a:fld id="{1A6BD2C2-3D3B-4E94-BD92-61B02C5F4DEE}" type="slidenum">
+              <a:rPr lang="ko-KR" altLang="en-US" smtClean="0"/>
+              <a:pPr/>
+              <a:t>40</a:t>
+            </a:fld>
+            <a:endParaRPr lang="ko-KR" altLang="en-US" dirty="0"/>
+          </a:p>
+        </p:txBody>
+      </p:sp>
+    </p:spTree>
+    <p:extLst>
+      <p:ext uri="{BB962C8B-B14F-4D97-AF65-F5344CB8AC3E}">
+        <p14:creationId xmlns:p14="http://schemas.microsoft.com/office/powerpoint/2010/main" val="2543662680"/>
+      </p:ext>
+    </p:extLst>
+  </p:cSld>
+  <p:clrMapOvr>
+    <a:masterClrMapping/>
+  </p:clrMapOvr>
+</p:sld>
+</file>
+
+<file path=ppt/slides/slide41.xml><?xml version="1.0" encoding="utf-8"?>
+<p:sld xmlns:a="http://schemas.openxmlformats.org/drawingml/2006/main" xmlns:r="http://schemas.openxmlformats.org/officeDocument/2006/relationships" xmlns:p="http://schemas.openxmlformats.org/presentationml/2006/main">
+  <p:cSld>
+    <p:spTree>
+      <p:nvGrpSpPr>
+        <p:cNvPr id="1" name=""/>
+        <p:cNvGrpSpPr/>
+        <p:nvPr/>
+      </p:nvGrpSpPr>
+      <p:grpSpPr>
+        <a:xfrm>
+          <a:off x="0" y="0"/>
+          <a:ext cx="0" cy="0"/>
+          <a:chOff x="0" y="0"/>
+          <a:chExt cx="0" cy="0"/>
+        </a:xfrm>
+      </p:grpSpPr>
+      <p:sp>
+        <p:nvSpPr>
+          <p:cNvPr id="2" name="제목 1"/>
+          <p:cNvSpPr>
+            <a:spLocks noGrp="1"/>
+          </p:cNvSpPr>
+          <p:nvPr>
+            <p:ph type="title"/>
+          </p:nvPr>
+        </p:nvSpPr>
+        <p:spPr>
+          <a:xfrm>
             <a:off x="838199" y="0"/>
             <a:ext cx="10782993" cy="1325563"/>
           </a:xfrm>
@@ -23464,7 +23732,7 @@
             <a:fld id="{1A6BD2C2-3D3B-4E94-BD92-61B02C5F4DEE}" type="slidenum">
               <a:rPr lang="ko-KR" altLang="en-US" smtClean="0"/>
               <a:pPr/>
-              <a:t>40</a:t>
+              <a:t>41</a:t>
             </a:fld>
             <a:endParaRPr lang="ko-KR" altLang="en-US"/>
           </a:p>
@@ -23507,7 +23775,7 @@
 </p:sld>
 </file>
 
-<file path=ppt/slides/slide41.xml><?xml version="1.0" encoding="utf-8"?>
+<file path=ppt/slides/slide42.xml><?xml version="1.0" encoding="utf-8"?>
 <p:sld xmlns:a="http://schemas.openxmlformats.org/drawingml/2006/main" xmlns:r="http://schemas.openxmlformats.org/officeDocument/2006/relationships" xmlns:p="http://schemas.openxmlformats.org/presentationml/2006/main">
   <p:cSld>
     <p:spTree>
@@ -24386,7 +24654,7 @@
             <a:fld id="{1A6BD2C2-3D3B-4E94-BD92-61B02C5F4DEE}" type="slidenum">
               <a:rPr lang="ko-KR" altLang="en-US" smtClean="0"/>
               <a:pPr/>
-              <a:t>41</a:t>
+              <a:t>42</a:t>
             </a:fld>
             <a:endParaRPr lang="ko-KR" altLang="en-US"/>
           </a:p>
@@ -25077,7 +25345,7 @@
 </p:sld>
 </file>
 
-<file path=ppt/slides/slide42.xml><?xml version="1.0" encoding="utf-8"?>
+<file path=ppt/slides/slide43.xml><?xml version="1.0" encoding="utf-8"?>
 <p:sld xmlns:a="http://schemas.openxmlformats.org/drawingml/2006/main" xmlns:r="http://schemas.openxmlformats.org/officeDocument/2006/relationships" xmlns:p="http://schemas.openxmlformats.org/presentationml/2006/main">
   <p:cSld>
     <p:spTree>
@@ -25304,7 +25572,7 @@
           <a:p>
             <a:fld id="{01870596-DAFA-46D2-82A7-2B6B5F8E0EA4}" type="slidenum">
               <a:rPr lang="ko-KR" altLang="en-US" smtClean="0"/>
-              <a:t>42</a:t>
+              <a:t>43</a:t>
             </a:fld>
             <a:endParaRPr lang="ko-KR" altLang="en-US" dirty="0"/>
           </a:p>
@@ -25377,7 +25645,7 @@
 </p:sld>
 </file>
 
-<file path=ppt/slides/slide43.xml><?xml version="1.0" encoding="utf-8"?>
+<file path=ppt/slides/slide44.xml><?xml version="1.0" encoding="utf-8"?>
 <p:sld xmlns:a="http://schemas.openxmlformats.org/drawingml/2006/main" xmlns:r="http://schemas.openxmlformats.org/officeDocument/2006/relationships" xmlns:p="http://schemas.openxmlformats.org/presentationml/2006/main">
   <p:cSld>
     <p:spTree>
@@ -25740,7 +26008,7 @@
             <a:fld id="{1A6BD2C2-3D3B-4E94-BD92-61B02C5F4DEE}" type="slidenum">
               <a:rPr lang="ko-KR" altLang="en-US" smtClean="0"/>
               <a:pPr/>
-              <a:t>43</a:t>
+              <a:t>44</a:t>
             </a:fld>
             <a:endParaRPr lang="ko-KR" altLang="en-US"/>
           </a:p>
@@ -25759,7 +26027,7 @@
 </p:sld>
 </file>
 
-<file path=ppt/slides/slide44.xml><?xml version="1.0" encoding="utf-8"?>
+<file path=ppt/slides/slide45.xml><?xml version="1.0" encoding="utf-8"?>
 <p:sld xmlns:a="http://schemas.openxmlformats.org/drawingml/2006/main" xmlns:r="http://schemas.openxmlformats.org/officeDocument/2006/relationships" xmlns:p="http://schemas.openxmlformats.org/presentationml/2006/main">
   <p:cSld>
     <p:spTree>
@@ -26363,7 +26631,7 @@
             <a:fld id="{1A6BD2C2-3D3B-4E94-BD92-61B02C5F4DEE}" type="slidenum">
               <a:rPr lang="ko-KR" altLang="en-US" smtClean="0"/>
               <a:pPr/>
-              <a:t>44</a:t>
+              <a:t>45</a:t>
             </a:fld>
             <a:endParaRPr lang="ko-KR" altLang="en-US"/>
           </a:p>
@@ -26544,7 +26812,7 @@
 </p:sld>
 </file>
 
-<file path=ppt/slides/slide45.xml><?xml version="1.0" encoding="utf-8"?>
+<file path=ppt/slides/slide46.xml><?xml version="1.0" encoding="utf-8"?>
 <p:sld xmlns:a="http://schemas.openxmlformats.org/drawingml/2006/main" xmlns:r="http://schemas.openxmlformats.org/officeDocument/2006/relationships" xmlns:p="http://schemas.openxmlformats.org/presentationml/2006/main">
   <p:cSld>
     <p:spTree>
@@ -28017,7 +28285,7 @@
             <a:fld id="{1A6BD2C2-3D3B-4E94-BD92-61B02C5F4DEE}" type="slidenum">
               <a:rPr lang="ko-KR" altLang="en-US" smtClean="0"/>
               <a:pPr/>
-              <a:t>45</a:t>
+              <a:t>46</a:t>
             </a:fld>
             <a:endParaRPr lang="ko-KR" altLang="en-US"/>
           </a:p>
@@ -28036,7 +28304,7 @@
 </p:sld>
 </file>
 
-<file path=ppt/slides/slide46.xml><?xml version="1.0" encoding="utf-8"?>
+<file path=ppt/slides/slide47.xml><?xml version="1.0" encoding="utf-8"?>
 <p:sld xmlns:a="http://schemas.openxmlformats.org/drawingml/2006/main" xmlns:r="http://schemas.openxmlformats.org/officeDocument/2006/relationships" xmlns:p="http://schemas.openxmlformats.org/presentationml/2006/main">
   <p:cSld>
     <p:spTree>
@@ -28096,7 +28364,7 @@
             <a:fld id="{1A6BD2C2-3D3B-4E94-BD92-61B02C5F4DEE}" type="slidenum">
               <a:rPr lang="ko-KR" altLang="en-US" smtClean="0"/>
               <a:pPr/>
-              <a:t>46</a:t>
+              <a:t>47</a:t>
             </a:fld>
             <a:endParaRPr lang="ko-KR" altLang="en-US"/>
           </a:p>
